--- a/maubaocaolv.pptx
+++ b/maubaocaolv.pptx
@@ -5,7 +5,7 @@
     <p:sldMasterId id="2147483648" r:id="rId1"/>
   </p:sldMasterIdLst>
   <p:notesMasterIdLst>
-    <p:notesMasterId r:id="rId22"/>
+    <p:notesMasterId r:id="rId20"/>
   </p:notesMasterIdLst>
   <p:sldIdLst>
     <p:sldId id="256" r:id="rId2"/>
@@ -20,14 +20,12 @@
     <p:sldId id="277" r:id="rId11"/>
     <p:sldId id="276" r:id="rId12"/>
     <p:sldId id="278" r:id="rId13"/>
-    <p:sldId id="284" r:id="rId14"/>
-    <p:sldId id="275" r:id="rId15"/>
-    <p:sldId id="279" r:id="rId16"/>
+    <p:sldId id="275" r:id="rId14"/>
+    <p:sldId id="279" r:id="rId15"/>
+    <p:sldId id="286" r:id="rId16"/>
     <p:sldId id="288" r:id="rId17"/>
-    <p:sldId id="286" r:id="rId18"/>
-    <p:sldId id="287" r:id="rId19"/>
-    <p:sldId id="289" r:id="rId20"/>
-    <p:sldId id="280" r:id="rId21"/>
+    <p:sldId id="287" r:id="rId18"/>
+    <p:sldId id="280" r:id="rId19"/>
   </p:sldIdLst>
   <p:sldSz cx="9144000" cy="6858000" type="screen4x3"/>
   <p:notesSz cx="6858000" cy="9144000"/>
@@ -1096,7 +1094,19 @@
           <a:pPr marL="342900" indent="0" algn="l"/>
           <a:r>
             <a:rPr lang="en-US" smtClean="0"/>
-            <a:t>3. THIẾT KẾ &amp; CÀI ĐẶT</a:t>
+            <a:t>3. THIẾT </a:t>
+          </a:r>
+          <a:r>
+            <a:rPr lang="en-US" smtClean="0"/>
+            <a:t>KẾ, </a:t>
+          </a:r>
+          <a:r>
+            <a:rPr lang="en-US" smtClean="0"/>
+            <a:t>CÀI </a:t>
+          </a:r>
+          <a:r>
+            <a:rPr lang="en-US" smtClean="0"/>
+            <a:t>ĐẶT &amp; KIỂM THỬ</a:t>
           </a:r>
           <a:endParaRPr lang="en-US"/>
         </a:p>
@@ -1204,6 +1214,13 @@
           </a:stretch>
         </a:blipFill>
       </dgm:spPr>
+      <dgm:t>
+        <a:bodyPr/>
+        <a:lstStyle/>
+        <a:p>
+          <a:endParaRPr lang="en-US"/>
+        </a:p>
+      </dgm:t>
     </dgm:pt>
     <dgm:pt modelId="{A82C6ED3-1333-4FE5-969A-BD78971B8BE6}" type="pres">
       <dgm:prSet presAssocID="{2DD8D1AF-D4C4-44C5-9252-AF18D0B5FD2C}" presName="txShp" presStyleLbl="node1" presStyleIdx="0" presStyleCnt="5" custScaleX="130939">
@@ -1809,7 +1826,19 @@
           </a:pPr>
           <a:r>
             <a:rPr lang="en-US" sz="2900" kern="1200" smtClean="0"/>
-            <a:t>3. THIẾT KẾ &amp; CÀI ĐẶT</a:t>
+            <a:t>3. THIẾT </a:t>
+          </a:r>
+          <a:r>
+            <a:rPr lang="en-US" sz="2900" kern="1200" smtClean="0"/>
+            <a:t>KẾ, </a:t>
+          </a:r>
+          <a:r>
+            <a:rPr lang="en-US" sz="2900" kern="1200" smtClean="0"/>
+            <a:t>CÀI </a:t>
+          </a:r>
+          <a:r>
+            <a:rPr lang="en-US" sz="2900" kern="1200" smtClean="0"/>
+            <a:t>ĐẶT &amp; KIỂM THỬ</a:t>
           </a:r>
           <a:endParaRPr lang="en-US" sz="2900" kern="1200"/>
         </a:p>
@@ -4700,7 +4729,7 @@
     </p:spTree>
     <p:extLst>
       <p:ext uri="{BB962C8B-B14F-4D97-AF65-F5344CB8AC3E}">
-        <p14:creationId xmlns:p14="http://schemas.microsoft.com/office/powerpoint/2010/main" val="612101080"/>
+        <p14:creationId xmlns:p14="http://schemas.microsoft.com/office/powerpoint/2010/main" val="888877408"/>
       </p:ext>
     </p:extLst>
   </p:cSld>
@@ -4797,7 +4826,7 @@
     </p:spTree>
     <p:extLst>
       <p:ext uri="{BB962C8B-B14F-4D97-AF65-F5344CB8AC3E}">
-        <p14:creationId xmlns:p14="http://schemas.microsoft.com/office/powerpoint/2010/main" val="888877408"/>
+        <p14:creationId xmlns:p14="http://schemas.microsoft.com/office/powerpoint/2010/main" val="951940958"/>
       </p:ext>
     </p:extLst>
   </p:cSld>
@@ -4856,6 +4885,20 @@
           <a:bodyPr/>
           <a:lstStyle/>
           <a:p>
+            <a:r>
+              <a:rPr lang="en-US" sz="1200" kern="1200" smtClean="0">
+                <a:solidFill>
+                  <a:schemeClr val="tx1"/>
+                </a:solidFill>
+                <a:effectLst/>
+                <a:latin typeface="+mn-lt"/>
+                <a:ea typeface="+mn-ea"/>
+                <a:cs typeface="+mn-cs"/>
+              </a:rPr>
+              <a:t>Qua các đánh giá và so sánh kết quả đạt được (tự cá nhân), em nhận thấy đề tài phát triển hệ thống “Quản lý công tác thực hiện luận văn tốt nghiệp bậc thạc sỹ” là một đề tài có khả năng áp dụng cao. Không chỉ đối với bậc thạc sỹ nói riêng mà có thể áp dụng cho các bậc cao học khác, kể cả vấn đề luận văn của sinh viên đại học (tuy nhiên sẽ vẫn cần phải chỉnh sửa bổ sung rất nhiều). Đây không phải là đề tài mang tính sáng tạo hay dùng để kinh doanh thương mại, mà mang tính học thuật và phải áp dụng lưu trình quản lý bài bản đã và đang được triển khai như hiện nay thành mô hình công nghệ thông tin duy nhất. </a:t>
+            </a:r>
+          </a:p>
+          <a:p>
             <a:endParaRPr lang="en-US" sz="1200" kern="1200">
               <a:solidFill>
                 <a:schemeClr val="tx1"/>
@@ -4894,7 +4937,7 @@
     </p:spTree>
     <p:extLst>
       <p:ext uri="{BB962C8B-B14F-4D97-AF65-F5344CB8AC3E}">
-        <p14:creationId xmlns:p14="http://schemas.microsoft.com/office/powerpoint/2010/main" val="951940958"/>
+        <p14:creationId xmlns:p14="http://schemas.microsoft.com/office/powerpoint/2010/main" val="511839209"/>
       </p:ext>
     </p:extLst>
   </p:cSld>
@@ -5070,12 +5113,7 @@
             <p:ph type="sldImg"/>
           </p:nvPr>
         </p:nvSpPr>
-        <p:spPr>
-          <a:xfrm>
-            <a:off x="1371600" y="1143000"/>
-            <a:ext cx="4114800" cy="3086100"/>
-          </a:xfrm>
-        </p:spPr>
+        <p:spPr/>
       </p:sp>
       <p:sp>
         <p:nvSpPr>
@@ -5102,19 +5140,115 @@
                 <a:ea typeface="+mn-ea"/>
                 <a:cs typeface="+mn-cs"/>
               </a:rPr>
-              <a:t>Qua các đánh giá và so sánh kết quả đạt được (tự cá nhân), em nhận thấy đề tài phát triển hệ thống “Quản lý công tác thực hiện luận văn tốt nghiệp bậc thạc sỹ” là một đề tài có khả năng áp dụng cao. Không chỉ đối với bậc thạc sỹ nói riêng mà có thể áp dụng cho các bậc cao học khác, kể cả vấn đề luận văn của sinh viên đại học (tuy nhiên sẽ vẫn cần phải chỉnh sửa bổ sung rất nhiều). Đây không phải là đề tài mang tính sáng tạo hay dùng để kinh doanh thương mại, mà mang tính học thuật và phải áp dụng lưu trình quản lý bài bản đã và đang được triển khai như hiện nay thành mô hình công nghệ thông tin duy nhất. </a:t>
-            </a:r>
-          </a:p>
-          <a:p>
-            <a:endParaRPr lang="en-US" sz="1200" kern="1200">
-              <a:solidFill>
-                <a:schemeClr val="tx1"/>
-              </a:solidFill>
-              <a:effectLst/>
-              <a:latin typeface="+mn-lt"/>
-              <a:ea typeface="+mn-ea"/>
-              <a:cs typeface="+mn-cs"/>
-            </a:endParaRPr>
+              <a:t>Về hướng phát triển của đề tài, em đã tìm ra những điểm yếu hiện có của hệ thống và mong muốn cải thiện những điểm yếu này. Đồng thời có thể áp dụng những công nghệ mới nhằm tăng trải nghiệm người dùng.</a:t>
+            </a:r>
+          </a:p>
+          <a:p>
+            <a:r>
+              <a:rPr lang="en-US" sz="1200" kern="1200" smtClean="0">
+                <a:solidFill>
+                  <a:schemeClr val="tx1"/>
+                </a:solidFill>
+                <a:effectLst/>
+                <a:latin typeface="+mn-lt"/>
+                <a:ea typeface="+mn-ea"/>
+                <a:cs typeface="+mn-cs"/>
+              </a:rPr>
+              <a:t>Các hướng phát triển của hệ thống “Quản lý luận văn tốt nghiệp bậc thạc sỹ” được liệt kê như sau:</a:t>
+            </a:r>
+          </a:p>
+          <a:p>
+            <a:pPr lvl="0"/>
+            <a:r>
+              <a:rPr lang="en-US" sz="1200" kern="1200" smtClean="0">
+                <a:solidFill>
+                  <a:schemeClr val="tx1"/>
+                </a:solidFill>
+                <a:effectLst/>
+                <a:latin typeface="+mn-lt"/>
+                <a:ea typeface="+mn-ea"/>
+                <a:cs typeface="+mn-cs"/>
+              </a:rPr>
+              <a:t>Cải thiện giao diện, tăng trải nghiệm người dùng bằng giao diện thân thiện hơn, phối màu theo chủ đề giáo dục, xây dựng lại bố cục trực quan hơn (giống hệ thống quản lý)</a:t>
+            </a:r>
+          </a:p>
+          <a:p>
+            <a:pPr lvl="0"/>
+            <a:r>
+              <a:rPr lang="en-US" sz="1200" kern="1200" smtClean="0">
+                <a:solidFill>
+                  <a:schemeClr val="tx1"/>
+                </a:solidFill>
+                <a:effectLst/>
+                <a:latin typeface="+mn-lt"/>
+                <a:ea typeface="+mn-ea"/>
+                <a:cs typeface="+mn-cs"/>
+              </a:rPr>
+              <a:t>Nghiên cứu về khả năng tích hợp cơ sở dữ liệu với hệ thống đang sử dụng hoặc Hệ thống quản lý trường Đại học Cần Thơ (tích hợp gộp dữ liệu, hoặc biến hệ thống này thành một module trong hệ thống quản lý chung)</a:t>
+            </a:r>
+          </a:p>
+          <a:p>
+            <a:pPr lvl="0"/>
+            <a:r>
+              <a:rPr lang="en-US" sz="1200" kern="1200" smtClean="0">
+                <a:solidFill>
+                  <a:schemeClr val="tx1"/>
+                </a:solidFill>
+                <a:effectLst/>
+                <a:latin typeface="+mn-lt"/>
+                <a:ea typeface="+mn-ea"/>
+                <a:cs typeface="+mn-cs"/>
+              </a:rPr>
+              <a:t>Tăng cường hệ thống bảo mật. Chống DDOS (thông thường vẫn có thể sử dụng chống DDOS bằng việc hạn chế số lần gửi và truyền trên cùng một mẫu tin riêng biệt, nhưng hiện nay có nhiều công nghệ cho phép hạn chế số lượt truy cập lạ dựa trên IP máy con)</a:t>
+            </a:r>
+          </a:p>
+          <a:p>
+            <a:pPr lvl="0"/>
+            <a:r>
+              <a:rPr lang="en-US" sz="1200" kern="1200" smtClean="0">
+                <a:solidFill>
+                  <a:schemeClr val="tx1"/>
+                </a:solidFill>
+                <a:effectLst/>
+                <a:latin typeface="+mn-lt"/>
+                <a:ea typeface="+mn-ea"/>
+                <a:cs typeface="+mn-cs"/>
+              </a:rPr>
+              <a:t>Hỗ trợ khả năng nhập xuất các loại file Excel: hiện hệ thống chỉ mới có thể xuất file excel. Việc phát triển hệ thống ngoài khả năng xuất file excel (có thể dùng để backup), còn phải có khả năng nhập file nhanh bằng excel trong các trường hợp nhập từng mẫu thông tin tốn nhiều chi phí thời gian. </a:t>
+            </a:r>
+          </a:p>
+          <a:p>
+            <a:pPr lvl="0"/>
+            <a:r>
+              <a:rPr lang="en-US" sz="1200" kern="1200" smtClean="0">
+                <a:solidFill>
+                  <a:schemeClr val="tx1"/>
+                </a:solidFill>
+                <a:effectLst/>
+                <a:latin typeface="+mn-lt"/>
+                <a:ea typeface="+mn-ea"/>
+                <a:cs typeface="+mn-cs"/>
+              </a:rPr>
+              <a:t>Phát triển tính năng mới như chatting (realtime), nhận xét trên tài liệu được mở bởi hệ thống, …</a:t>
+            </a:r>
+          </a:p>
+          <a:p>
+            <a:pPr lvl="0"/>
+            <a:r>
+              <a:rPr lang="en-US" sz="1200" kern="1200" smtClean="0">
+                <a:solidFill>
+                  <a:schemeClr val="tx1"/>
+                </a:solidFill>
+                <a:effectLst/>
+                <a:latin typeface="+mn-lt"/>
+                <a:ea typeface="+mn-ea"/>
+                <a:cs typeface="+mn-cs"/>
+              </a:rPr>
+              <a:t>Lưu trữ file và hình ảnh dạng nén nhằm để tiết kiệm và giải phóng dữ liệu.</a:t>
+            </a:r>
+          </a:p>
+          <a:p>
+            <a:endParaRPr lang="en-US"/>
           </a:p>
         </p:txBody>
       </p:sp>
@@ -5144,7 +5278,7 @@
     </p:spTree>
     <p:extLst>
       <p:ext uri="{BB962C8B-B14F-4D97-AF65-F5344CB8AC3E}">
-        <p14:creationId xmlns:p14="http://schemas.microsoft.com/office/powerpoint/2010/main" val="511839209"/>
+        <p14:creationId xmlns:p14="http://schemas.microsoft.com/office/powerpoint/2010/main" val="3012785727"/>
       </p:ext>
     </p:extLst>
   </p:cSld>
@@ -10112,6 +10246,9 @@
   <p:clrMapOvr>
     <a:masterClrMapping/>
   </p:clrMapOvr>
+  <p:transition spd="slow">
+    <p:push dir="u"/>
+  </p:transition>
 </p:sldLayout>
 </file>
 
@@ -10319,6 +10456,9 @@
   <p:clrMapOvr>
     <a:masterClrMapping/>
   </p:clrMapOvr>
+  <p:transition spd="slow">
+    <p:push dir="u"/>
+  </p:transition>
 </p:sldLayout>
 </file>
 
@@ -10536,6 +10676,9 @@
   <p:clrMapOvr>
     <a:masterClrMapping/>
   </p:clrMapOvr>
+  <p:transition spd="slow">
+    <p:push dir="u"/>
+  </p:transition>
 </p:sldLayout>
 </file>
 
@@ -10743,6 +10886,9 @@
   <p:clrMapOvr>
     <a:masterClrMapping/>
   </p:clrMapOvr>
+  <p:transition spd="slow">
+    <p:push dir="u"/>
+  </p:transition>
 </p:sldLayout>
 </file>
 
@@ -10973,6 +11119,9 @@
   <p:clrMapOvr>
     <a:masterClrMapping/>
   </p:clrMapOvr>
+  <p:transition spd="slow">
+    <p:push dir="u"/>
+  </p:transition>
 </p:sldLayout>
 </file>
 
@@ -11247,6 +11396,9 @@
   <p:clrMapOvr>
     <a:masterClrMapping/>
   </p:clrMapOvr>
+  <p:transition spd="slow">
+    <p:push dir="u"/>
+  </p:transition>
 </p:sldLayout>
 </file>
 
@@ -11668,6 +11820,9 @@
   <p:clrMapOvr>
     <a:masterClrMapping/>
   </p:clrMapOvr>
+  <p:transition spd="slow">
+    <p:push dir="u"/>
+  </p:transition>
 </p:sldLayout>
 </file>
 
@@ -11818,6 +11973,9 @@
   <p:clrMapOvr>
     <a:masterClrMapping/>
   </p:clrMapOvr>
+  <p:transition spd="slow">
+    <p:push dir="u"/>
+  </p:transition>
 </p:sldLayout>
 </file>
 
@@ -11940,6 +12098,9 @@
   <p:clrMapOvr>
     <a:masterClrMapping/>
   </p:clrMapOvr>
+  <p:transition spd="slow">
+    <p:push dir="u"/>
+  </p:transition>
 </p:sldLayout>
 </file>
 
@@ -12260,6 +12421,9 @@
   <p:clrMapOvr>
     <a:masterClrMapping/>
   </p:clrMapOvr>
+  <p:transition spd="slow">
+    <p:push dir="u"/>
+  </p:transition>
 </p:sldLayout>
 </file>
 
@@ -12557,6 +12721,9 @@
   <p:clrMapOvr>
     <a:masterClrMapping/>
   </p:clrMapOvr>
+  <p:transition spd="slow">
+    <p:push dir="u"/>
+  </p:transition>
 </p:sldLayout>
 </file>
 
@@ -13008,6 +13175,9 @@
     <p:sldLayoutId id="2147483658" r:id="rId10"/>
     <p:sldLayoutId id="2147483659" r:id="rId11"/>
   </p:sldLayoutIdLst>
+  <p:transition spd="slow">
+    <p:push dir="u"/>
+  </p:transition>
   <p:txStyles>
     <p:titleStyle>
       <a:lvl1pPr algn="l" rtl="0" fontAlgn="base">
@@ -13488,7 +13658,7 @@
           <a:lstStyle/>
           <a:p>
             <a:r>
-              <a:rPr lang="vi-VN" altLang="en-US" sz="2800"/>
+              <a:rPr lang="vi-VN" altLang="en-US" sz="3200"/>
               <a:t>ĐỀ TÀI</a:t>
             </a:r>
           </a:p>
@@ -13518,7 +13688,7 @@
         <p:spPr bwMode="auto">
           <a:xfrm>
             <a:off x="4610104" y="4849678"/>
-            <a:ext cx="4343399" cy="1868487"/>
+            <a:ext cx="4343399" cy="992973"/>
           </a:xfrm>
           <a:prstGeom prst="rect">
             <a:avLst/>
@@ -13856,6 +14026,9 @@
   <p:clrMapOvr>
     <a:masterClrMapping/>
   </p:clrMapOvr>
+  <p:transition spd="slow">
+    <p:push dir="u"/>
+  </p:transition>
   <p:timing>
     <p:tnLst>
       <p:par>
@@ -13965,7 +14138,7 @@
         </p:blipFill>
         <p:spPr bwMode="auto">
           <a:xfrm>
-            <a:off x="1752600" y="4648200"/>
+            <a:off x="1524000" y="4420683"/>
             <a:ext cx="5476875" cy="1676400"/>
           </a:xfrm>
           <a:prstGeom prst="rect">
@@ -14201,13 +14374,24 @@
           <a:p>
             <a:pPr algn="just"/>
             <a:r>
-              <a:rPr lang="en-US" sz="2800" smtClean="0"/>
-              <a:t>Sử dụng mô hình MVC </a:t>
+              <a:rPr lang="en-US" sz="3200" smtClean="0"/>
+              <a:t>Tạo ứng dụng web động với nhiều khả năng tối ưu hóa và gia tăng tốc độ xử lý hơn.</a:t>
             </a:r>
           </a:p>
           <a:p>
             <a:pPr algn="just"/>
-            <a:endParaRPr lang="en-US" sz="2800" smtClean="0"/>
+            <a:r>
+              <a:rPr lang="en-US" sz="3200" smtClean="0"/>
+              <a:t>Cấu trúc theo mô hình MVC</a:t>
+            </a:r>
+          </a:p>
+          <a:p>
+            <a:pPr algn="just"/>
+            <a:endParaRPr lang="en-US" sz="3200" smtClean="0"/>
+          </a:p>
+          <a:p>
+            <a:pPr algn="just"/>
+            <a:endParaRPr lang="en-US" sz="3200" smtClean="0"/>
           </a:p>
         </p:txBody>
       </p:sp>
@@ -14221,10 +14405,266 @@
   <p:clrMapOvr>
     <a:masterClrMapping/>
   </p:clrMapOvr>
+  <p:transition spd="slow">
+    <p:push dir="u"/>
+  </p:transition>
   <p:timing>
     <p:tnLst>
       <p:par>
-        <p:cTn id="1" dur="indefinite" restart="never" nodeType="tmRoot"/>
+        <p:cTn id="1" dur="indefinite" restart="never" nodeType="tmRoot">
+          <p:childTnLst>
+            <p:seq concurrent="1" nextAc="seek">
+              <p:cTn id="2" dur="indefinite" nodeType="mainSeq">
+                <p:childTnLst>
+                  <p:par>
+                    <p:cTn id="3" fill="hold">
+                      <p:stCondLst>
+                        <p:cond delay="indefinite"/>
+                      </p:stCondLst>
+                      <p:childTnLst>
+                        <p:par>
+                          <p:cTn id="4" fill="hold">
+                            <p:stCondLst>
+                              <p:cond delay="0"/>
+                            </p:stCondLst>
+                            <p:childTnLst>
+                              <p:par>
+                                <p:cTn id="5" presetID="42" presetClass="entr" presetSubtype="0" fill="hold" nodeType="clickEffect">
+                                  <p:stCondLst>
+                                    <p:cond delay="0"/>
+                                  </p:stCondLst>
+                                  <p:childTnLst>
+                                    <p:set>
+                                      <p:cBhvr>
+                                        <p:cTn id="6" dur="1" fill="hold">
+                                          <p:stCondLst>
+                                            <p:cond delay="0"/>
+                                          </p:stCondLst>
+                                        </p:cTn>
+                                        <p:tgtEl>
+                                          <p:spTgt spid="5">
+                                            <p:txEl>
+                                              <p:pRg st="0" end="0"/>
+                                            </p:txEl>
+                                          </p:spTgt>
+                                        </p:tgtEl>
+                                        <p:attrNameLst>
+                                          <p:attrName>style.visibility</p:attrName>
+                                        </p:attrNameLst>
+                                      </p:cBhvr>
+                                      <p:to>
+                                        <p:strVal val="visible"/>
+                                      </p:to>
+                                    </p:set>
+                                    <p:animEffect transition="in" filter="fade">
+                                      <p:cBhvr>
+                                        <p:cTn id="7" dur="1000"/>
+                                        <p:tgtEl>
+                                          <p:spTgt spid="5">
+                                            <p:txEl>
+                                              <p:pRg st="0" end="0"/>
+                                            </p:txEl>
+                                          </p:spTgt>
+                                        </p:tgtEl>
+                                      </p:cBhvr>
+                                    </p:animEffect>
+                                    <p:anim calcmode="lin" valueType="num">
+                                      <p:cBhvr>
+                                        <p:cTn id="8" dur="1000" fill="hold"/>
+                                        <p:tgtEl>
+                                          <p:spTgt spid="5">
+                                            <p:txEl>
+                                              <p:pRg st="0" end="0"/>
+                                            </p:txEl>
+                                          </p:spTgt>
+                                        </p:tgtEl>
+                                        <p:attrNameLst>
+                                          <p:attrName>ppt_x</p:attrName>
+                                        </p:attrNameLst>
+                                      </p:cBhvr>
+                                      <p:tavLst>
+                                        <p:tav tm="0">
+                                          <p:val>
+                                            <p:strVal val="#ppt_x"/>
+                                          </p:val>
+                                        </p:tav>
+                                        <p:tav tm="100000">
+                                          <p:val>
+                                            <p:strVal val="#ppt_x"/>
+                                          </p:val>
+                                        </p:tav>
+                                      </p:tavLst>
+                                    </p:anim>
+                                    <p:anim calcmode="lin" valueType="num">
+                                      <p:cBhvr>
+                                        <p:cTn id="9" dur="1000" fill="hold"/>
+                                        <p:tgtEl>
+                                          <p:spTgt spid="5">
+                                            <p:txEl>
+                                              <p:pRg st="0" end="0"/>
+                                            </p:txEl>
+                                          </p:spTgt>
+                                        </p:tgtEl>
+                                        <p:attrNameLst>
+                                          <p:attrName>ppt_y</p:attrName>
+                                        </p:attrNameLst>
+                                      </p:cBhvr>
+                                      <p:tavLst>
+                                        <p:tav tm="0">
+                                          <p:val>
+                                            <p:strVal val="#ppt_y+.1"/>
+                                          </p:val>
+                                        </p:tav>
+                                        <p:tav tm="100000">
+                                          <p:val>
+                                            <p:strVal val="#ppt_y"/>
+                                          </p:val>
+                                        </p:tav>
+                                      </p:tavLst>
+                                    </p:anim>
+                                  </p:childTnLst>
+                                </p:cTn>
+                              </p:par>
+                            </p:childTnLst>
+                          </p:cTn>
+                        </p:par>
+                      </p:childTnLst>
+                    </p:cTn>
+                  </p:par>
+                  <p:par>
+                    <p:cTn id="10" fill="hold">
+                      <p:stCondLst>
+                        <p:cond delay="indefinite"/>
+                      </p:stCondLst>
+                      <p:childTnLst>
+                        <p:par>
+                          <p:cTn id="11" fill="hold">
+                            <p:stCondLst>
+                              <p:cond delay="0"/>
+                            </p:stCondLst>
+                            <p:childTnLst>
+                              <p:par>
+                                <p:cTn id="12" presetID="42" presetClass="entr" presetSubtype="0" fill="hold" nodeType="clickEffect">
+                                  <p:stCondLst>
+                                    <p:cond delay="0"/>
+                                  </p:stCondLst>
+                                  <p:childTnLst>
+                                    <p:set>
+                                      <p:cBhvr>
+                                        <p:cTn id="13" dur="1" fill="hold">
+                                          <p:stCondLst>
+                                            <p:cond delay="0"/>
+                                          </p:stCondLst>
+                                        </p:cTn>
+                                        <p:tgtEl>
+                                          <p:spTgt spid="5">
+                                            <p:txEl>
+                                              <p:pRg st="1" end="1"/>
+                                            </p:txEl>
+                                          </p:spTgt>
+                                        </p:tgtEl>
+                                        <p:attrNameLst>
+                                          <p:attrName>style.visibility</p:attrName>
+                                        </p:attrNameLst>
+                                      </p:cBhvr>
+                                      <p:to>
+                                        <p:strVal val="visible"/>
+                                      </p:to>
+                                    </p:set>
+                                    <p:animEffect transition="in" filter="fade">
+                                      <p:cBhvr>
+                                        <p:cTn id="14" dur="1000"/>
+                                        <p:tgtEl>
+                                          <p:spTgt spid="5">
+                                            <p:txEl>
+                                              <p:pRg st="1" end="1"/>
+                                            </p:txEl>
+                                          </p:spTgt>
+                                        </p:tgtEl>
+                                      </p:cBhvr>
+                                    </p:animEffect>
+                                    <p:anim calcmode="lin" valueType="num">
+                                      <p:cBhvr>
+                                        <p:cTn id="15" dur="1000" fill="hold"/>
+                                        <p:tgtEl>
+                                          <p:spTgt spid="5">
+                                            <p:txEl>
+                                              <p:pRg st="1" end="1"/>
+                                            </p:txEl>
+                                          </p:spTgt>
+                                        </p:tgtEl>
+                                        <p:attrNameLst>
+                                          <p:attrName>ppt_x</p:attrName>
+                                        </p:attrNameLst>
+                                      </p:cBhvr>
+                                      <p:tavLst>
+                                        <p:tav tm="0">
+                                          <p:val>
+                                            <p:strVal val="#ppt_x"/>
+                                          </p:val>
+                                        </p:tav>
+                                        <p:tav tm="100000">
+                                          <p:val>
+                                            <p:strVal val="#ppt_x"/>
+                                          </p:val>
+                                        </p:tav>
+                                      </p:tavLst>
+                                    </p:anim>
+                                    <p:anim calcmode="lin" valueType="num">
+                                      <p:cBhvr>
+                                        <p:cTn id="16" dur="1000" fill="hold"/>
+                                        <p:tgtEl>
+                                          <p:spTgt spid="5">
+                                            <p:txEl>
+                                              <p:pRg st="1" end="1"/>
+                                            </p:txEl>
+                                          </p:spTgt>
+                                        </p:tgtEl>
+                                        <p:attrNameLst>
+                                          <p:attrName>ppt_y</p:attrName>
+                                        </p:attrNameLst>
+                                      </p:cBhvr>
+                                      <p:tavLst>
+                                        <p:tav tm="0">
+                                          <p:val>
+                                            <p:strVal val="#ppt_y+.1"/>
+                                          </p:val>
+                                        </p:tav>
+                                        <p:tav tm="100000">
+                                          <p:val>
+                                            <p:strVal val="#ppt_y"/>
+                                          </p:val>
+                                        </p:tav>
+                                      </p:tavLst>
+                                    </p:anim>
+                                  </p:childTnLst>
+                                </p:cTn>
+                              </p:par>
+                            </p:childTnLst>
+                          </p:cTn>
+                        </p:par>
+                      </p:childTnLst>
+                    </p:cTn>
+                  </p:par>
+                </p:childTnLst>
+              </p:cTn>
+              <p:prevCondLst>
+                <p:cond evt="onPrev" delay="0">
+                  <p:tgtEl>
+                    <p:sldTgt/>
+                  </p:tgtEl>
+                </p:cond>
+              </p:prevCondLst>
+              <p:nextCondLst>
+                <p:cond evt="onNext" delay="0">
+                  <p:tgtEl>
+                    <p:sldTgt/>
+                  </p:tgtEl>
+                </p:cond>
+              </p:nextCondLst>
+            </p:seq>
+          </p:childTnLst>
+        </p:cTn>
       </p:par>
     </p:tnLst>
   </p:timing>
@@ -14293,7 +14733,7 @@
         </p:nvSpPr>
         <p:spPr>
           <a:xfrm>
-            <a:off x="609600" y="1633538"/>
+            <a:off x="609600" y="1524000"/>
             <a:ext cx="8229600" cy="957262"/>
           </a:xfrm>
         </p:spPr>
@@ -14308,7 +14748,6 @@
               <a:rPr lang="en-US" b="1" smtClean="0"/>
               <a:t>ANGULAR - SINGLE PAGE APPLICATION</a:t>
             </a:r>
-            <a:endParaRPr lang="en-US" b="1"/>
           </a:p>
         </p:txBody>
       </p:sp>
@@ -14333,8 +14772,8 @@
         </p:blipFill>
         <p:spPr bwMode="auto">
           <a:xfrm>
-            <a:off x="609600" y="4191000"/>
-            <a:ext cx="8210039" cy="2513450"/>
+            <a:off x="76200" y="3599397"/>
+            <a:ext cx="8991600" cy="3030003"/>
           </a:xfrm>
           <a:prstGeom prst="snip2DiagRect">
             <a:avLst/>
@@ -14381,8 +14820,8 @@
         </p:nvSpPr>
         <p:spPr bwMode="auto">
           <a:xfrm>
-            <a:off x="270650" y="2344734"/>
-            <a:ext cx="8561689" cy="1617666"/>
+            <a:off x="277511" y="2073351"/>
+            <a:ext cx="8561689" cy="1779433"/>
           </a:xfrm>
           <a:prstGeom prst="rect">
             <a:avLst/>
@@ -14610,10 +15049,266 @@
   <p:clrMapOvr>
     <a:masterClrMapping/>
   </p:clrMapOvr>
+  <p:transition spd="slow">
+    <p:push dir="u"/>
+  </p:transition>
   <p:timing>
     <p:tnLst>
       <p:par>
-        <p:cTn id="1" dur="indefinite" restart="never" nodeType="tmRoot"/>
+        <p:cTn id="1" dur="indefinite" restart="never" nodeType="tmRoot">
+          <p:childTnLst>
+            <p:seq concurrent="1" nextAc="seek">
+              <p:cTn id="2" dur="indefinite" nodeType="mainSeq">
+                <p:childTnLst>
+                  <p:par>
+                    <p:cTn id="3" fill="hold">
+                      <p:stCondLst>
+                        <p:cond delay="indefinite"/>
+                      </p:stCondLst>
+                      <p:childTnLst>
+                        <p:par>
+                          <p:cTn id="4" fill="hold">
+                            <p:stCondLst>
+                              <p:cond delay="0"/>
+                            </p:stCondLst>
+                            <p:childTnLst>
+                              <p:par>
+                                <p:cTn id="5" presetID="42" presetClass="entr" presetSubtype="0" fill="hold" nodeType="clickEffect">
+                                  <p:stCondLst>
+                                    <p:cond delay="0"/>
+                                  </p:stCondLst>
+                                  <p:childTnLst>
+                                    <p:set>
+                                      <p:cBhvr>
+                                        <p:cTn id="6" dur="1" fill="hold">
+                                          <p:stCondLst>
+                                            <p:cond delay="0"/>
+                                          </p:stCondLst>
+                                        </p:cTn>
+                                        <p:tgtEl>
+                                          <p:spTgt spid="7">
+                                            <p:txEl>
+                                              <p:pRg st="0" end="0"/>
+                                            </p:txEl>
+                                          </p:spTgt>
+                                        </p:tgtEl>
+                                        <p:attrNameLst>
+                                          <p:attrName>style.visibility</p:attrName>
+                                        </p:attrNameLst>
+                                      </p:cBhvr>
+                                      <p:to>
+                                        <p:strVal val="visible"/>
+                                      </p:to>
+                                    </p:set>
+                                    <p:animEffect transition="in" filter="fade">
+                                      <p:cBhvr>
+                                        <p:cTn id="7" dur="1000"/>
+                                        <p:tgtEl>
+                                          <p:spTgt spid="7">
+                                            <p:txEl>
+                                              <p:pRg st="0" end="0"/>
+                                            </p:txEl>
+                                          </p:spTgt>
+                                        </p:tgtEl>
+                                      </p:cBhvr>
+                                    </p:animEffect>
+                                    <p:anim calcmode="lin" valueType="num">
+                                      <p:cBhvr>
+                                        <p:cTn id="8" dur="1000" fill="hold"/>
+                                        <p:tgtEl>
+                                          <p:spTgt spid="7">
+                                            <p:txEl>
+                                              <p:pRg st="0" end="0"/>
+                                            </p:txEl>
+                                          </p:spTgt>
+                                        </p:tgtEl>
+                                        <p:attrNameLst>
+                                          <p:attrName>ppt_x</p:attrName>
+                                        </p:attrNameLst>
+                                      </p:cBhvr>
+                                      <p:tavLst>
+                                        <p:tav tm="0">
+                                          <p:val>
+                                            <p:strVal val="#ppt_x"/>
+                                          </p:val>
+                                        </p:tav>
+                                        <p:tav tm="100000">
+                                          <p:val>
+                                            <p:strVal val="#ppt_x"/>
+                                          </p:val>
+                                        </p:tav>
+                                      </p:tavLst>
+                                    </p:anim>
+                                    <p:anim calcmode="lin" valueType="num">
+                                      <p:cBhvr>
+                                        <p:cTn id="9" dur="1000" fill="hold"/>
+                                        <p:tgtEl>
+                                          <p:spTgt spid="7">
+                                            <p:txEl>
+                                              <p:pRg st="0" end="0"/>
+                                            </p:txEl>
+                                          </p:spTgt>
+                                        </p:tgtEl>
+                                        <p:attrNameLst>
+                                          <p:attrName>ppt_y</p:attrName>
+                                        </p:attrNameLst>
+                                      </p:cBhvr>
+                                      <p:tavLst>
+                                        <p:tav tm="0">
+                                          <p:val>
+                                            <p:strVal val="#ppt_y+.1"/>
+                                          </p:val>
+                                        </p:tav>
+                                        <p:tav tm="100000">
+                                          <p:val>
+                                            <p:strVal val="#ppt_y"/>
+                                          </p:val>
+                                        </p:tav>
+                                      </p:tavLst>
+                                    </p:anim>
+                                  </p:childTnLst>
+                                </p:cTn>
+                              </p:par>
+                            </p:childTnLst>
+                          </p:cTn>
+                        </p:par>
+                      </p:childTnLst>
+                    </p:cTn>
+                  </p:par>
+                  <p:par>
+                    <p:cTn id="10" fill="hold">
+                      <p:stCondLst>
+                        <p:cond delay="indefinite"/>
+                      </p:stCondLst>
+                      <p:childTnLst>
+                        <p:par>
+                          <p:cTn id="11" fill="hold">
+                            <p:stCondLst>
+                              <p:cond delay="0"/>
+                            </p:stCondLst>
+                            <p:childTnLst>
+                              <p:par>
+                                <p:cTn id="12" presetID="42" presetClass="entr" presetSubtype="0" fill="hold" nodeType="clickEffect">
+                                  <p:stCondLst>
+                                    <p:cond delay="0"/>
+                                  </p:stCondLst>
+                                  <p:childTnLst>
+                                    <p:set>
+                                      <p:cBhvr>
+                                        <p:cTn id="13" dur="1" fill="hold">
+                                          <p:stCondLst>
+                                            <p:cond delay="0"/>
+                                          </p:stCondLst>
+                                        </p:cTn>
+                                        <p:tgtEl>
+                                          <p:spTgt spid="7">
+                                            <p:txEl>
+                                              <p:pRg st="1" end="1"/>
+                                            </p:txEl>
+                                          </p:spTgt>
+                                        </p:tgtEl>
+                                        <p:attrNameLst>
+                                          <p:attrName>style.visibility</p:attrName>
+                                        </p:attrNameLst>
+                                      </p:cBhvr>
+                                      <p:to>
+                                        <p:strVal val="visible"/>
+                                      </p:to>
+                                    </p:set>
+                                    <p:animEffect transition="in" filter="fade">
+                                      <p:cBhvr>
+                                        <p:cTn id="14" dur="1000"/>
+                                        <p:tgtEl>
+                                          <p:spTgt spid="7">
+                                            <p:txEl>
+                                              <p:pRg st="1" end="1"/>
+                                            </p:txEl>
+                                          </p:spTgt>
+                                        </p:tgtEl>
+                                      </p:cBhvr>
+                                    </p:animEffect>
+                                    <p:anim calcmode="lin" valueType="num">
+                                      <p:cBhvr>
+                                        <p:cTn id="15" dur="1000" fill="hold"/>
+                                        <p:tgtEl>
+                                          <p:spTgt spid="7">
+                                            <p:txEl>
+                                              <p:pRg st="1" end="1"/>
+                                            </p:txEl>
+                                          </p:spTgt>
+                                        </p:tgtEl>
+                                        <p:attrNameLst>
+                                          <p:attrName>ppt_x</p:attrName>
+                                        </p:attrNameLst>
+                                      </p:cBhvr>
+                                      <p:tavLst>
+                                        <p:tav tm="0">
+                                          <p:val>
+                                            <p:strVal val="#ppt_x"/>
+                                          </p:val>
+                                        </p:tav>
+                                        <p:tav tm="100000">
+                                          <p:val>
+                                            <p:strVal val="#ppt_x"/>
+                                          </p:val>
+                                        </p:tav>
+                                      </p:tavLst>
+                                    </p:anim>
+                                    <p:anim calcmode="lin" valueType="num">
+                                      <p:cBhvr>
+                                        <p:cTn id="16" dur="1000" fill="hold"/>
+                                        <p:tgtEl>
+                                          <p:spTgt spid="7">
+                                            <p:txEl>
+                                              <p:pRg st="1" end="1"/>
+                                            </p:txEl>
+                                          </p:spTgt>
+                                        </p:tgtEl>
+                                        <p:attrNameLst>
+                                          <p:attrName>ppt_y</p:attrName>
+                                        </p:attrNameLst>
+                                      </p:cBhvr>
+                                      <p:tavLst>
+                                        <p:tav tm="0">
+                                          <p:val>
+                                            <p:strVal val="#ppt_y+.1"/>
+                                          </p:val>
+                                        </p:tav>
+                                        <p:tav tm="100000">
+                                          <p:val>
+                                            <p:strVal val="#ppt_y"/>
+                                          </p:val>
+                                        </p:tav>
+                                      </p:tavLst>
+                                    </p:anim>
+                                  </p:childTnLst>
+                                </p:cTn>
+                              </p:par>
+                            </p:childTnLst>
+                          </p:cTn>
+                        </p:par>
+                      </p:childTnLst>
+                    </p:cTn>
+                  </p:par>
+                </p:childTnLst>
+              </p:cTn>
+              <p:prevCondLst>
+                <p:cond evt="onPrev" delay="0">
+                  <p:tgtEl>
+                    <p:sldTgt/>
+                  </p:tgtEl>
+                </p:cond>
+              </p:prevCondLst>
+              <p:nextCondLst>
+                <p:cond evt="onNext" delay="0">
+                  <p:tgtEl>
+                    <p:sldTgt/>
+                  </p:tgtEl>
+                </p:cond>
+              </p:nextCondLst>
+            </p:seq>
+          </p:childTnLst>
+        </p:cTn>
       </p:par>
     </p:tnLst>
   </p:timing>
@@ -14680,22 +15375,775 @@
             <p:ph idx="1"/>
           </p:nvPr>
         </p:nvSpPr>
-        <p:spPr/>
+        <p:spPr>
+          <a:xfrm>
+            <a:off x="-55478" y="1786197"/>
+            <a:ext cx="9199478" cy="913727"/>
+          </a:xfrm>
+        </p:spPr>
         <p:txBody>
           <a:bodyPr/>
           <a:lstStyle/>
           <a:p>
-            <a:pPr marL="0" indent="0">
+            <a:pPr marL="0" indent="0" algn="ctr">
               <a:buNone/>
             </a:pPr>
             <a:r>
-              <a:rPr lang="en-US" b="1" smtClean="0"/>
-              <a:t>MÔ HÌNH MVC</a:t>
-            </a:r>
-            <a:endParaRPr lang="en-US" b="1"/>
+              <a:rPr lang="en-US" sz="2800" b="1" smtClean="0"/>
+              <a:t>MÔ HÌNH MỐI QUAN HỆ </a:t>
+            </a:r>
+            <a:r>
+              <a:rPr lang="en-US" sz="3200" b="1" smtClean="0"/>
+              <a:t/>
+            </a:r>
+            <a:br>
+              <a:rPr lang="en-US" sz="3200" b="1" smtClean="0"/>
+            </a:br>
+            <a:r>
+              <a:rPr lang="en-US" sz="2800" b="1" smtClean="0"/>
+              <a:t>CÁC THÀNH PHẦN TRONG SERVERSIDE</a:t>
+            </a:r>
+            <a:endParaRPr lang="en-US" sz="2800" b="1"/>
           </a:p>
         </p:txBody>
       </p:sp>
+      <p:grpSp>
+        <p:nvGrpSpPr>
+          <p:cNvPr id="43" name="Group 42"/>
+          <p:cNvGrpSpPr/>
+          <p:nvPr/>
+        </p:nvGrpSpPr>
+        <p:grpSpPr>
+          <a:xfrm>
+            <a:off x="329120" y="2783636"/>
+            <a:ext cx="8554260" cy="2982047"/>
+            <a:chOff x="329120" y="2783636"/>
+            <a:chExt cx="8554260" cy="2982047"/>
+          </a:xfrm>
+        </p:grpSpPr>
+        <p:grpSp>
+          <p:nvGrpSpPr>
+            <p:cNvPr id="25620" name="Group 25619"/>
+            <p:cNvGrpSpPr/>
+            <p:nvPr/>
+          </p:nvGrpSpPr>
+          <p:grpSpPr>
+            <a:xfrm>
+              <a:off x="329120" y="2987648"/>
+              <a:ext cx="8554260" cy="2438400"/>
+              <a:chOff x="284940" y="2857232"/>
+              <a:chExt cx="8554260" cy="2438400"/>
+            </a:xfrm>
+          </p:grpSpPr>
+          <p:sp>
+            <p:nvSpPr>
+              <p:cNvPr id="5" name="Rounded Rectangle 4"/>
+              <p:cNvSpPr/>
+              <p:nvPr/>
+            </p:nvSpPr>
+            <p:spPr>
+              <a:xfrm>
+                <a:off x="284940" y="2857232"/>
+                <a:ext cx="1828800" cy="2438400"/>
+              </a:xfrm>
+              <a:prstGeom prst="roundRect">
+                <a:avLst/>
+              </a:prstGeom>
+              <a:solidFill>
+                <a:srgbClr val="00B050"/>
+              </a:solidFill>
+              <a:effectLst>
+                <a:softEdge rad="31750"/>
+              </a:effectLst>
+            </p:spPr>
+            <p:style>
+              <a:lnRef idx="2">
+                <a:schemeClr val="dk1">
+                  <a:shade val="50000"/>
+                </a:schemeClr>
+              </a:lnRef>
+              <a:fillRef idx="1">
+                <a:schemeClr val="dk1"/>
+              </a:fillRef>
+              <a:effectRef idx="0">
+                <a:schemeClr val="dk1"/>
+              </a:effectRef>
+              <a:fontRef idx="minor">
+                <a:schemeClr val="lt1"/>
+              </a:fontRef>
+            </p:style>
+            <p:txBody>
+              <a:bodyPr rtlCol="0" anchor="ctr"/>
+              <a:lstStyle/>
+              <a:p>
+                <a:pPr algn="ctr"/>
+                <a:endParaRPr lang="en-US" sz="2400"/>
+              </a:p>
+            </p:txBody>
+          </p:sp>
+          <p:sp>
+            <p:nvSpPr>
+              <p:cNvPr id="6" name="Oval 5"/>
+              <p:cNvSpPr/>
+              <p:nvPr/>
+            </p:nvSpPr>
+            <p:spPr>
+              <a:xfrm>
+                <a:off x="3288760" y="3401031"/>
+                <a:ext cx="2438400" cy="1618845"/>
+              </a:xfrm>
+              <a:prstGeom prst="ellipse">
+                <a:avLst/>
+              </a:prstGeom>
+              <a:solidFill>
+                <a:srgbClr val="00B0F0"/>
+              </a:solidFill>
+            </p:spPr>
+            <p:style>
+              <a:lnRef idx="0">
+                <a:schemeClr val="accent5"/>
+              </a:lnRef>
+              <a:fillRef idx="3">
+                <a:schemeClr val="accent5"/>
+              </a:fillRef>
+              <a:effectRef idx="3">
+                <a:schemeClr val="accent5"/>
+              </a:effectRef>
+              <a:fontRef idx="minor">
+                <a:schemeClr val="lt1"/>
+              </a:fontRef>
+            </p:style>
+            <p:txBody>
+              <a:bodyPr rtlCol="0" anchor="ctr"/>
+              <a:lstStyle/>
+              <a:p>
+                <a:pPr algn="ctr"/>
+                <a:r>
+                  <a:rPr lang="en-US" sz="6000" smtClean="0"/>
+                  <a:t>API</a:t>
+                </a:r>
+                <a:endParaRPr lang="en-US" sz="6000"/>
+              </a:p>
+            </p:txBody>
+          </p:sp>
+          <p:sp>
+            <p:nvSpPr>
+              <p:cNvPr id="7" name="Can 6"/>
+              <p:cNvSpPr/>
+              <p:nvPr/>
+            </p:nvSpPr>
+            <p:spPr>
+              <a:xfrm>
+                <a:off x="6858000" y="3146625"/>
+                <a:ext cx="1981200" cy="2127659"/>
+              </a:xfrm>
+              <a:prstGeom prst="can">
+                <a:avLst/>
+              </a:prstGeom>
+              <a:solidFill>
+                <a:srgbClr val="FF9933"/>
+              </a:solidFill>
+            </p:spPr>
+            <p:style>
+              <a:lnRef idx="0">
+                <a:schemeClr val="accent5"/>
+              </a:lnRef>
+              <a:fillRef idx="3">
+                <a:schemeClr val="accent5"/>
+              </a:fillRef>
+              <a:effectRef idx="3">
+                <a:schemeClr val="accent5"/>
+              </a:effectRef>
+              <a:fontRef idx="minor">
+                <a:schemeClr val="lt1"/>
+              </a:fontRef>
+            </p:style>
+            <p:txBody>
+              <a:bodyPr rtlCol="0" anchor="ctr"/>
+              <a:lstStyle/>
+              <a:p>
+                <a:pPr algn="ctr"/>
+                <a:r>
+                  <a:rPr lang="en-US" sz="2800" smtClean="0"/>
+                  <a:t>SQL</a:t>
+                </a:r>
+                <a:br>
+                  <a:rPr lang="en-US" sz="2800" smtClean="0"/>
+                </a:br>
+                <a:r>
+                  <a:rPr lang="en-US" sz="2800" smtClean="0"/>
+                  <a:t>SERVER</a:t>
+                </a:r>
+                <a:endParaRPr lang="en-US" sz="2800"/>
+              </a:p>
+            </p:txBody>
+          </p:sp>
+          <p:cxnSp>
+            <p:nvCxnSpPr>
+              <p:cNvPr id="13" name="Curved Connector 12"/>
+              <p:cNvCxnSpPr>
+                <a:endCxn id="6" idx="1"/>
+              </p:cNvCxnSpPr>
+              <p:nvPr/>
+            </p:nvCxnSpPr>
+            <p:spPr>
+              <a:xfrm>
+                <a:off x="2113740" y="3146622"/>
+                <a:ext cx="1532115" cy="491483"/>
+              </a:xfrm>
+              <a:prstGeom prst="curvedConnector2">
+                <a:avLst/>
+              </a:prstGeom>
+              <a:ln w="76200">
+                <a:solidFill>
+                  <a:schemeClr val="bg2">
+                    <a:lumMod val="50000"/>
+                  </a:schemeClr>
+                </a:solidFill>
+                <a:tailEnd type="triangle"/>
+              </a:ln>
+            </p:spPr>
+            <p:style>
+              <a:lnRef idx="1">
+                <a:schemeClr val="accent1"/>
+              </a:lnRef>
+              <a:fillRef idx="0">
+                <a:schemeClr val="accent1"/>
+              </a:fillRef>
+              <a:effectRef idx="0">
+                <a:schemeClr val="accent1"/>
+              </a:effectRef>
+              <a:fontRef idx="minor">
+                <a:schemeClr val="tx1"/>
+              </a:fontRef>
+            </p:style>
+          </p:cxnSp>
+          <p:cxnSp>
+            <p:nvCxnSpPr>
+              <p:cNvPr id="28" name="Curved Connector 27"/>
+              <p:cNvCxnSpPr>
+                <a:stCxn id="6" idx="7"/>
+              </p:cNvCxnSpPr>
+              <p:nvPr/>
+            </p:nvCxnSpPr>
+            <p:spPr>
+              <a:xfrm rot="5400000" flipH="1" flipV="1">
+                <a:off x="6017586" y="2753510"/>
+                <a:ext cx="237075" cy="1532117"/>
+              </a:xfrm>
+              <a:prstGeom prst="curvedConnector2">
+                <a:avLst/>
+              </a:prstGeom>
+              <a:ln w="76200">
+                <a:solidFill>
+                  <a:schemeClr val="bg2">
+                    <a:lumMod val="50000"/>
+                  </a:schemeClr>
+                </a:solidFill>
+                <a:tailEnd type="triangle"/>
+              </a:ln>
+            </p:spPr>
+            <p:style>
+              <a:lnRef idx="1">
+                <a:schemeClr val="accent1"/>
+              </a:lnRef>
+              <a:fillRef idx="0">
+                <a:schemeClr val="accent1"/>
+              </a:fillRef>
+              <a:effectRef idx="0">
+                <a:schemeClr val="accent1"/>
+              </a:effectRef>
+              <a:fontRef idx="minor">
+                <a:schemeClr val="tx1"/>
+              </a:fontRef>
+            </p:style>
+          </p:cxnSp>
+          <p:cxnSp>
+            <p:nvCxnSpPr>
+              <p:cNvPr id="31" name="Curved Connector 30"/>
+              <p:cNvCxnSpPr>
+                <a:endCxn id="6" idx="5"/>
+              </p:cNvCxnSpPr>
+              <p:nvPr/>
+            </p:nvCxnSpPr>
+            <p:spPr>
+              <a:xfrm rot="10800000">
+                <a:off x="5370066" y="4782802"/>
+                <a:ext cx="1487935" cy="237074"/>
+              </a:xfrm>
+              <a:prstGeom prst="curvedConnector2">
+                <a:avLst/>
+              </a:prstGeom>
+              <a:ln w="76200">
+                <a:solidFill>
+                  <a:schemeClr val="bg2">
+                    <a:lumMod val="50000"/>
+                  </a:schemeClr>
+                </a:solidFill>
+                <a:tailEnd type="triangle"/>
+              </a:ln>
+            </p:spPr>
+            <p:style>
+              <a:lnRef idx="1">
+                <a:schemeClr val="accent1"/>
+              </a:lnRef>
+              <a:fillRef idx="0">
+                <a:schemeClr val="accent1"/>
+              </a:fillRef>
+              <a:effectRef idx="0">
+                <a:schemeClr val="accent1"/>
+              </a:effectRef>
+              <a:fontRef idx="minor">
+                <a:schemeClr val="tx1"/>
+              </a:fontRef>
+            </p:style>
+          </p:cxnSp>
+          <p:cxnSp>
+            <p:nvCxnSpPr>
+              <p:cNvPr id="25601" name="Curved Connector 25600"/>
+              <p:cNvCxnSpPr>
+                <a:stCxn id="6" idx="3"/>
+              </p:cNvCxnSpPr>
+              <p:nvPr/>
+            </p:nvCxnSpPr>
+            <p:spPr>
+              <a:xfrm rot="5400000">
+                <a:off x="2751590" y="4144953"/>
+                <a:ext cx="256417" cy="1532115"/>
+              </a:xfrm>
+              <a:prstGeom prst="curvedConnector2">
+                <a:avLst/>
+              </a:prstGeom>
+              <a:ln w="76200">
+                <a:solidFill>
+                  <a:schemeClr val="bg2">
+                    <a:lumMod val="50000"/>
+                  </a:schemeClr>
+                </a:solidFill>
+                <a:tailEnd type="triangle"/>
+              </a:ln>
+            </p:spPr>
+            <p:style>
+              <a:lnRef idx="1">
+                <a:schemeClr val="accent1"/>
+              </a:lnRef>
+              <a:fillRef idx="0">
+                <a:schemeClr val="accent1"/>
+              </a:fillRef>
+              <a:effectRef idx="0">
+                <a:schemeClr val="accent1"/>
+              </a:effectRef>
+              <a:fontRef idx="minor">
+                <a:schemeClr val="tx1"/>
+              </a:fontRef>
+            </p:style>
+          </p:cxnSp>
+        </p:grpSp>
+        <p:sp>
+          <p:nvSpPr>
+            <p:cNvPr id="25621" name="Rectangle 25620"/>
+            <p:cNvSpPr/>
+            <p:nvPr/>
+          </p:nvSpPr>
+          <p:spPr>
+            <a:xfrm>
+              <a:off x="343353" y="3277038"/>
+              <a:ext cx="1872629" cy="584775"/>
+            </a:xfrm>
+            <a:prstGeom prst="rect">
+              <a:avLst/>
+            </a:prstGeom>
+            <a:noFill/>
+          </p:spPr>
+          <p:txBody>
+            <a:bodyPr wrap="none" lIns="91440" tIns="45720" rIns="91440" bIns="45720">
+              <a:spAutoFit/>
+            </a:bodyPr>
+            <a:lstStyle/>
+            <a:p>
+              <a:pPr algn="ctr"/>
+              <a:r>
+                <a:rPr lang="en-US" sz="3200" b="1" smtClean="0">
+                  <a:ln w="10160">
+                    <a:solidFill>
+                      <a:schemeClr val="accent5"/>
+                    </a:solidFill>
+                    <a:prstDash val="solid"/>
+                  </a:ln>
+                  <a:solidFill>
+                    <a:srgbClr val="FFFFFF"/>
+                  </a:solidFill>
+                  <a:effectLst>
+                    <a:outerShdw blurRad="38100" dist="22860" dir="5400000" algn="tl" rotWithShape="0">
+                      <a:srgbClr val="000000">
+                        <a:alpha val="30000"/>
+                      </a:srgbClr>
+                    </a:outerShdw>
+                  </a:effectLst>
+                </a:rPr>
+                <a:t>NODEJS</a:t>
+              </a:r>
+              <a:endParaRPr lang="en-US" sz="3200" b="1" cap="none" spc="0">
+                <a:ln w="10160">
+                  <a:solidFill>
+                    <a:schemeClr val="accent5"/>
+                  </a:solidFill>
+                  <a:prstDash val="solid"/>
+                </a:ln>
+                <a:solidFill>
+                  <a:srgbClr val="FFFFFF"/>
+                </a:solidFill>
+                <a:effectLst>
+                  <a:outerShdw blurRad="38100" dist="22860" dir="5400000" algn="tl" rotWithShape="0">
+                    <a:srgbClr val="000000">
+                      <a:alpha val="30000"/>
+                    </a:srgbClr>
+                  </a:outerShdw>
+                </a:effectLst>
+              </a:endParaRPr>
+            </a:p>
+          </p:txBody>
+        </p:sp>
+        <p:sp>
+          <p:nvSpPr>
+            <p:cNvPr id="56" name="Rectangle 55"/>
+            <p:cNvSpPr/>
+            <p:nvPr/>
+          </p:nvSpPr>
+          <p:spPr>
+            <a:xfrm>
+              <a:off x="365421" y="4606400"/>
+              <a:ext cx="1784463" cy="400110"/>
+            </a:xfrm>
+            <a:prstGeom prst="rect">
+              <a:avLst/>
+            </a:prstGeom>
+            <a:noFill/>
+          </p:spPr>
+          <p:txBody>
+            <a:bodyPr wrap="none" lIns="91440" tIns="45720" rIns="91440" bIns="45720">
+              <a:spAutoFit/>
+            </a:bodyPr>
+            <a:lstStyle/>
+            <a:p>
+              <a:pPr algn="ctr"/>
+              <a:r>
+                <a:rPr lang="en-US" sz="2000" b="1" smtClean="0">
+                  <a:ln w="10160">
+                    <a:solidFill>
+                      <a:schemeClr val="accent5"/>
+                    </a:solidFill>
+                    <a:prstDash val="solid"/>
+                  </a:ln>
+                  <a:solidFill>
+                    <a:srgbClr val="FFFFFF"/>
+                  </a:solidFill>
+                  <a:effectLst>
+                    <a:outerShdw blurRad="38100" dist="22860" dir="5400000" algn="tl" rotWithShape="0">
+                      <a:srgbClr val="000000">
+                        <a:alpha val="30000"/>
+                      </a:srgbClr>
+                    </a:outerShdw>
+                  </a:effectLst>
+                </a:rPr>
+                <a:t>ANGULARJS</a:t>
+              </a:r>
+              <a:endParaRPr lang="en-US" sz="2000" b="1" cap="none" spc="0">
+                <a:ln w="10160">
+                  <a:solidFill>
+                    <a:schemeClr val="accent5"/>
+                  </a:solidFill>
+                  <a:prstDash val="solid"/>
+                </a:ln>
+                <a:solidFill>
+                  <a:srgbClr val="FFFFFF"/>
+                </a:solidFill>
+                <a:effectLst>
+                  <a:outerShdw blurRad="38100" dist="22860" dir="5400000" algn="tl" rotWithShape="0">
+                    <a:srgbClr val="000000">
+                      <a:alpha val="30000"/>
+                    </a:srgbClr>
+                  </a:outerShdw>
+                </a:effectLst>
+              </a:endParaRPr>
+            </a:p>
+          </p:txBody>
+        </p:sp>
+        <p:cxnSp>
+          <p:nvCxnSpPr>
+            <p:cNvPr id="25623" name="Straight Arrow Connector 25622"/>
+            <p:cNvCxnSpPr/>
+            <p:nvPr/>
+          </p:nvCxnSpPr>
+          <p:spPr>
+            <a:xfrm flipH="1">
+              <a:off x="1164534" y="3885967"/>
+              <a:ext cx="3371" cy="720433"/>
+            </a:xfrm>
+            <a:prstGeom prst="straightConnector1">
+              <a:avLst/>
+            </a:prstGeom>
+            <a:ln w="57150">
+              <a:tailEnd type="triangle"/>
+            </a:ln>
+          </p:spPr>
+          <p:style>
+            <a:lnRef idx="1">
+              <a:schemeClr val="accent1"/>
+            </a:lnRef>
+            <a:fillRef idx="0">
+              <a:schemeClr val="accent1"/>
+            </a:fillRef>
+            <a:effectRef idx="0">
+              <a:schemeClr val="accent1"/>
+            </a:effectRef>
+            <a:fontRef idx="minor">
+              <a:schemeClr val="tx1"/>
+            </a:fontRef>
+          </p:style>
+        </p:cxnSp>
+        <p:cxnSp>
+          <p:nvCxnSpPr>
+            <p:cNvPr id="60" name="Straight Arrow Connector 59"/>
+            <p:cNvCxnSpPr/>
+            <p:nvPr/>
+          </p:nvCxnSpPr>
+          <p:spPr>
+            <a:xfrm flipV="1">
+              <a:off x="983665" y="3889284"/>
+              <a:ext cx="1" cy="696278"/>
+            </a:xfrm>
+            <a:prstGeom prst="straightConnector1">
+              <a:avLst/>
+            </a:prstGeom>
+            <a:ln w="57150">
+              <a:tailEnd type="triangle"/>
+            </a:ln>
+          </p:spPr>
+          <p:style>
+            <a:lnRef idx="1">
+              <a:schemeClr val="accent1"/>
+            </a:lnRef>
+            <a:fillRef idx="0">
+              <a:schemeClr val="accent1"/>
+            </a:fillRef>
+            <a:effectRef idx="0">
+              <a:schemeClr val="accent1"/>
+            </a:effectRef>
+            <a:fontRef idx="minor">
+              <a:schemeClr val="tx1"/>
+            </a:fontRef>
+          </p:style>
+        </p:cxnSp>
+        <p:sp>
+          <p:nvSpPr>
+            <p:cNvPr id="63" name="Rectangle 62"/>
+            <p:cNvSpPr/>
+            <p:nvPr/>
+          </p:nvSpPr>
+          <p:spPr>
+            <a:xfrm>
+              <a:off x="2489403" y="5253941"/>
+              <a:ext cx="869149" cy="400110"/>
+            </a:xfrm>
+            <a:prstGeom prst="rect">
+              <a:avLst/>
+            </a:prstGeom>
+            <a:noFill/>
+          </p:spPr>
+          <p:txBody>
+            <a:bodyPr wrap="none" lIns="91440" tIns="45720" rIns="91440" bIns="45720">
+              <a:spAutoFit/>
+            </a:bodyPr>
+            <a:lstStyle/>
+            <a:p>
+              <a:pPr algn="ctr"/>
+              <a:r>
+                <a:rPr lang="en-US" sz="2000" smtClean="0">
+                  <a:ln w="0"/>
+                  <a:effectLst>
+                    <a:outerShdw blurRad="38100" dist="19050" dir="2700000" algn="tl" rotWithShape="0">
+                      <a:schemeClr val="dk1">
+                        <a:alpha val="40000"/>
+                      </a:schemeClr>
+                    </a:outerShdw>
+                  </a:effectLst>
+                </a:rPr>
+                <a:t>JSON</a:t>
+              </a:r>
+              <a:endParaRPr lang="en-US" sz="2000" b="0" cap="none" spc="0">
+                <a:ln w="0"/>
+                <a:solidFill>
+                  <a:schemeClr val="tx1"/>
+                </a:solidFill>
+                <a:effectLst>
+                  <a:outerShdw blurRad="38100" dist="19050" dir="2700000" algn="tl" rotWithShape="0">
+                    <a:schemeClr val="dk1">
+                      <a:alpha val="40000"/>
+                    </a:schemeClr>
+                  </a:outerShdw>
+                </a:effectLst>
+              </a:endParaRPr>
+            </a:p>
+          </p:txBody>
+        </p:sp>
+        <p:sp>
+          <p:nvSpPr>
+            <p:cNvPr id="64" name="Rectangle 63"/>
+            <p:cNvSpPr/>
+            <p:nvPr/>
+          </p:nvSpPr>
+          <p:spPr>
+            <a:xfrm>
+              <a:off x="2075765" y="2783636"/>
+              <a:ext cx="2494594" cy="400110"/>
+            </a:xfrm>
+            <a:prstGeom prst="rect">
+              <a:avLst/>
+            </a:prstGeom>
+            <a:noFill/>
+          </p:spPr>
+          <p:txBody>
+            <a:bodyPr wrap="none" lIns="91440" tIns="45720" rIns="91440" bIns="45720">
+              <a:spAutoFit/>
+            </a:bodyPr>
+            <a:lstStyle/>
+            <a:p>
+              <a:pPr algn="ctr"/>
+              <a:r>
+                <a:rPr lang="en-US" sz="2000" smtClean="0">
+                  <a:ln w="0"/>
+                  <a:effectLst>
+                    <a:outerShdw blurRad="38100" dist="19050" dir="2700000" algn="tl" rotWithShape="0">
+                      <a:schemeClr val="dk1">
+                        <a:alpha val="40000"/>
+                      </a:schemeClr>
+                    </a:outerShdw>
+                  </a:effectLst>
+                </a:rPr>
+                <a:t>call api/send objects</a:t>
+              </a:r>
+              <a:endParaRPr lang="en-US" sz="2000" b="0" cap="none" spc="0">
+                <a:ln w="0"/>
+                <a:solidFill>
+                  <a:schemeClr val="tx1"/>
+                </a:solidFill>
+                <a:effectLst>
+                  <a:outerShdw blurRad="38100" dist="19050" dir="2700000" algn="tl" rotWithShape="0">
+                    <a:schemeClr val="dk1">
+                      <a:alpha val="40000"/>
+                    </a:schemeClr>
+                  </a:outerShdw>
+                </a:effectLst>
+              </a:endParaRPr>
+            </a:p>
+          </p:txBody>
+        </p:sp>
+        <p:sp>
+          <p:nvSpPr>
+            <p:cNvPr id="65" name="Rectangle 64"/>
+            <p:cNvSpPr/>
+            <p:nvPr/>
+          </p:nvSpPr>
+          <p:spPr>
+            <a:xfrm>
+              <a:off x="4960434" y="2907706"/>
+              <a:ext cx="2685351" cy="369332"/>
+            </a:xfrm>
+            <a:prstGeom prst="rect">
+              <a:avLst/>
+            </a:prstGeom>
+            <a:noFill/>
+          </p:spPr>
+          <p:txBody>
+            <a:bodyPr wrap="none" lIns="91440" tIns="45720" rIns="91440" bIns="45720">
+              <a:spAutoFit/>
+            </a:bodyPr>
+            <a:lstStyle/>
+            <a:p>
+              <a:pPr algn="ctr"/>
+              <a:r>
+                <a:rPr lang="en-US" smtClean="0">
+                  <a:ln w="0"/>
+                  <a:effectLst>
+                    <a:outerShdw blurRad="38100" dist="19050" dir="2700000" algn="tl" rotWithShape="0">
+                      <a:schemeClr val="dk1">
+                        <a:alpha val="40000"/>
+                      </a:schemeClr>
+                    </a:outerShdw>
+                  </a:effectLst>
+                </a:rPr>
+                <a:t>Excute store procedures</a:t>
+              </a:r>
+              <a:endParaRPr lang="en-US" b="0" cap="none" spc="0">
+                <a:ln w="0"/>
+                <a:solidFill>
+                  <a:schemeClr val="tx1"/>
+                </a:solidFill>
+                <a:effectLst>
+                  <a:outerShdw blurRad="38100" dist="19050" dir="2700000" algn="tl" rotWithShape="0">
+                    <a:schemeClr val="dk1">
+                      <a:alpha val="40000"/>
+                    </a:schemeClr>
+                  </a:outerShdw>
+                </a:effectLst>
+              </a:endParaRPr>
+            </a:p>
+          </p:txBody>
+        </p:sp>
+        <p:sp>
+          <p:nvSpPr>
+            <p:cNvPr id="66" name="Rectangle 65"/>
+            <p:cNvSpPr/>
+            <p:nvPr/>
+          </p:nvSpPr>
+          <p:spPr>
+            <a:xfrm>
+              <a:off x="5466765" y="5396351"/>
+              <a:ext cx="1133645" cy="369332"/>
+            </a:xfrm>
+            <a:prstGeom prst="rect">
+              <a:avLst/>
+            </a:prstGeom>
+            <a:noFill/>
+          </p:spPr>
+          <p:txBody>
+            <a:bodyPr wrap="none" lIns="91440" tIns="45720" rIns="91440" bIns="45720">
+              <a:spAutoFit/>
+            </a:bodyPr>
+            <a:lstStyle/>
+            <a:p>
+              <a:pPr algn="ctr"/>
+              <a:r>
+                <a:rPr lang="en-US" smtClean="0">
+                  <a:ln w="0"/>
+                  <a:effectLst>
+                    <a:outerShdw blurRad="38100" dist="19050" dir="2700000" algn="tl" rotWithShape="0">
+                      <a:schemeClr val="dk1">
+                        <a:alpha val="40000"/>
+                      </a:schemeClr>
+                    </a:outerShdw>
+                  </a:effectLst>
+                </a:rPr>
+                <a:t>datatable</a:t>
+              </a:r>
+              <a:endParaRPr lang="en-US" b="0" cap="none" spc="0">
+                <a:ln w="0"/>
+                <a:solidFill>
+                  <a:schemeClr val="tx1"/>
+                </a:solidFill>
+                <a:effectLst>
+                  <a:outerShdw blurRad="38100" dist="19050" dir="2700000" algn="tl" rotWithShape="0">
+                    <a:schemeClr val="dk1">
+                      <a:alpha val="40000"/>
+                    </a:schemeClr>
+                  </a:outerShdw>
+                </a:effectLst>
+              </a:endParaRPr>
+            </a:p>
+          </p:txBody>
+        </p:sp>
+      </p:grpSp>
     </p:spTree>
     <p:extLst>
       <p:ext uri="{BB962C8B-B14F-4D97-AF65-F5344CB8AC3E}">
@@ -14706,6 +16154,9 @@
   <p:clrMapOvr>
     <a:masterClrMapping/>
   </p:clrMapOvr>
+  <p:transition spd="slow">
+    <p:push dir="u"/>
+  </p:transition>
   <p:timing>
     <p:tnLst>
       <p:par>
@@ -14755,104 +16206,8 @@
           <a:lstStyle/>
           <a:p>
             <a:r>
-              <a:rPr lang="vi-VN" altLang="en-US" sz="2800"/>
-              <a:t>2. </a:t>
-            </a:r>
-            <a:r>
-              <a:rPr lang="en-US" altLang="en-US" sz="2800"/>
-              <a:t>PHÂN TÍCH VÀ LỰA CHỌN GIẢI PHÁP</a:t>
-            </a:r>
-            <a:endParaRPr lang="en-US" altLang="en-US" sz="2800"/>
-          </a:p>
-        </p:txBody>
-      </p:sp>
-      <p:sp>
-        <p:nvSpPr>
-          <p:cNvPr id="2" name="Content Placeholder 1"/>
-          <p:cNvSpPr>
-            <a:spLocks noGrp="1"/>
-          </p:cNvSpPr>
-          <p:nvPr>
-            <p:ph idx="1"/>
-          </p:nvPr>
-        </p:nvSpPr>
-        <p:spPr/>
-        <p:txBody>
-          <a:bodyPr/>
-          <a:lstStyle/>
-          <a:p>
-            <a:pPr marL="0" indent="0">
-              <a:buNone/>
-            </a:pPr>
-            <a:r>
-              <a:rPr lang="en-US" b="1" smtClean="0"/>
-              <a:t>MÁY CHỦ API SERVICE</a:t>
-            </a:r>
-            <a:endParaRPr lang="en-US" b="1"/>
-          </a:p>
-        </p:txBody>
-      </p:sp>
-    </p:spTree>
-    <p:extLst>
-      <p:ext uri="{BB962C8B-B14F-4D97-AF65-F5344CB8AC3E}">
-        <p14:creationId xmlns:p14="http://schemas.microsoft.com/office/powerpoint/2010/main" val="3096238866"/>
-      </p:ext>
-    </p:extLst>
-  </p:cSld>
-  <p:clrMapOvr>
-    <a:masterClrMapping/>
-  </p:clrMapOvr>
-  <p:timing>
-    <p:tnLst>
-      <p:par>
-        <p:cTn id="1" dur="indefinite" restart="never" nodeType="tmRoot"/>
-      </p:par>
-    </p:tnLst>
-  </p:timing>
-</p:sld>
-</file>
-
-<file path=ppt/slides/slide14.xml><?xml version="1.0" encoding="utf-8"?>
-<p:sld xmlns:a="http://schemas.openxmlformats.org/drawingml/2006/main" xmlns:r="http://schemas.openxmlformats.org/officeDocument/2006/relationships" xmlns:p="http://schemas.openxmlformats.org/presentationml/2006/main">
-  <p:cSld>
-    <p:spTree>
-      <p:nvGrpSpPr>
-        <p:cNvPr id="1" name=""/>
-        <p:cNvGrpSpPr/>
-        <p:nvPr/>
-      </p:nvGrpSpPr>
-      <p:grpSpPr>
-        <a:xfrm>
-          <a:off x="0" y="0"/>
-          <a:ext cx="0" cy="0"/>
-          <a:chOff x="0" y="0"/>
-          <a:chExt cx="0" cy="0"/>
-        </a:xfrm>
-      </p:grpSpPr>
-      <p:sp>
-        <p:nvSpPr>
-          <p:cNvPr id="25602" name="Rectangle 2">
-            <a:extLst>
-              <a:ext uri="{FF2B5EF4-FFF2-40B4-BE49-F238E27FC236}">
-                <a16:creationId xmlns="" xmlns:a16="http://schemas.microsoft.com/office/drawing/2014/main" id="{D09A8D8C-80F7-440C-BEF1-9EFA4CBAAA33}"/>
-              </a:ext>
-            </a:extLst>
-          </p:cNvPr>
-          <p:cNvSpPr>
-            <a:spLocks noGrp="1" noChangeArrowheads="1"/>
-          </p:cNvSpPr>
-          <p:nvPr>
-            <p:ph type="title"/>
-          </p:nvPr>
-        </p:nvSpPr>
-        <p:spPr/>
-        <p:txBody>
-          <a:bodyPr/>
-          <a:lstStyle/>
-          <a:p>
-            <a:r>
               <a:rPr lang="en-US" altLang="en-US" smtClean="0"/>
-              <a:t>3. THIẾT KẾ VÀ CÀI ĐẶT</a:t>
+              <a:t>3. THIẾT KẾ, CÀI ĐẶT &amp; KIỂM THỬ</a:t>
             </a:r>
             <a:endParaRPr lang="en-US" altLang="en-US"/>
           </a:p>
@@ -15258,12 +16613,832 @@
   <p:clrMapOvr>
     <a:masterClrMapping/>
   </p:clrMapOvr>
+  <p:transition spd="slow">
+    <p:push dir="u"/>
+  </p:transition>
   <p:timing>
     <p:tnLst>
       <p:par>
         <p:cTn id="1" dur="indefinite" restart="never" nodeType="tmRoot"/>
       </p:par>
     </p:tnLst>
+  </p:timing>
+</p:sld>
+</file>
+
+<file path=ppt/slides/slide14.xml><?xml version="1.0" encoding="utf-8"?>
+<p:sld xmlns:a="http://schemas.openxmlformats.org/drawingml/2006/main" xmlns:r="http://schemas.openxmlformats.org/officeDocument/2006/relationships" xmlns:p="http://schemas.openxmlformats.org/presentationml/2006/main">
+  <p:cSld>
+    <p:spTree>
+      <p:nvGrpSpPr>
+        <p:cNvPr id="1" name=""/>
+        <p:cNvGrpSpPr/>
+        <p:nvPr/>
+      </p:nvGrpSpPr>
+      <p:grpSpPr>
+        <a:xfrm>
+          <a:off x="0" y="0"/>
+          <a:ext cx="0" cy="0"/>
+          <a:chOff x="0" y="0"/>
+          <a:chExt cx="0" cy="0"/>
+        </a:xfrm>
+      </p:grpSpPr>
+      <p:sp>
+        <p:nvSpPr>
+          <p:cNvPr id="25602" name="Rectangle 2">
+            <a:extLst>
+              <a:ext uri="{FF2B5EF4-FFF2-40B4-BE49-F238E27FC236}">
+                <a16:creationId xmlns="" xmlns:a16="http://schemas.microsoft.com/office/drawing/2014/main" id="{D09A8D8C-80F7-440C-BEF1-9EFA4CBAAA33}"/>
+              </a:ext>
+            </a:extLst>
+          </p:cNvPr>
+          <p:cNvSpPr>
+            <a:spLocks noGrp="1" noChangeArrowheads="1"/>
+          </p:cNvSpPr>
+          <p:nvPr>
+            <p:ph type="title"/>
+          </p:nvPr>
+        </p:nvSpPr>
+        <p:spPr/>
+        <p:txBody>
+          <a:bodyPr/>
+          <a:lstStyle/>
+          <a:p>
+            <a:r>
+              <a:rPr lang="en-US" altLang="en-US"/>
+              <a:t>3. THIẾT KẾ, CÀI ĐẶT &amp; KIỂM THỬ</a:t>
+            </a:r>
+            <a:endParaRPr lang="en-US" altLang="en-US"/>
+          </a:p>
+        </p:txBody>
+      </p:sp>
+      <p:sp>
+        <p:nvSpPr>
+          <p:cNvPr id="2" name="Content Placeholder 1"/>
+          <p:cNvSpPr>
+            <a:spLocks noGrp="1"/>
+          </p:cNvSpPr>
+          <p:nvPr>
+            <p:ph idx="1"/>
+          </p:nvPr>
+        </p:nvSpPr>
+        <p:spPr>
+          <a:xfrm>
+            <a:off x="609600" y="1447800"/>
+            <a:ext cx="8229600" cy="4691062"/>
+          </a:xfrm>
+        </p:spPr>
+        <p:txBody>
+          <a:bodyPr/>
+          <a:lstStyle/>
+          <a:p>
+            <a:pPr marL="0" indent="0">
+              <a:buNone/>
+            </a:pPr>
+            <a:r>
+              <a:rPr lang="en-US" sz="2800" b="1" smtClean="0"/>
+              <a:t>KIỂM THỬ VÀ KẾT QUẢ </a:t>
+            </a:r>
+          </a:p>
+          <a:p>
+            <a:r>
+              <a:rPr lang="en-US" sz="2800" smtClean="0"/>
+              <a:t>Kiểm thử các tính năng của các phân hệ chính:</a:t>
+            </a:r>
+          </a:p>
+          <a:p>
+            <a:pPr lvl="1"/>
+            <a:r>
+              <a:rPr lang="en-US" sz="2400" smtClean="0"/>
+              <a:t>Quản lý danh mục</a:t>
+            </a:r>
+          </a:p>
+          <a:p>
+            <a:pPr lvl="1"/>
+            <a:r>
+              <a:rPr lang="en-US" sz="2400" smtClean="0"/>
+              <a:t>Quản lý đăng ký và tìm kiếm luận văn</a:t>
+            </a:r>
+          </a:p>
+          <a:p>
+            <a:pPr lvl="1"/>
+            <a:r>
+              <a:rPr lang="en-US" sz="2400" smtClean="0"/>
+              <a:t>Quản lý thực hiện luận văn (hội đồng đề cương và hội đồng luận văn)</a:t>
+            </a:r>
+          </a:p>
+          <a:p>
+            <a:r>
+              <a:rPr lang="en-US" sz="2800" smtClean="0"/>
+              <a:t>Kết quả</a:t>
+            </a:r>
+          </a:p>
+          <a:p>
+            <a:pPr marL="0" indent="0">
+              <a:buNone/>
+            </a:pPr>
+            <a:r>
+              <a:rPr lang="en-US" sz="2800" smtClean="0"/>
+              <a:t>Thực hiện đầy đủ các chức năng cơ bản về quản lý thông tin các đối tượng trong quá trình thực hiện luận văn tốt nghiệp bậc thạc sĩ</a:t>
+            </a:r>
+            <a:br>
+              <a:rPr lang="en-US" sz="2800" smtClean="0"/>
+            </a:br>
+            <a:endParaRPr lang="en-US" sz="2800" smtClean="0"/>
+          </a:p>
+          <a:p>
+            <a:pPr lvl="1"/>
+            <a:endParaRPr lang="en-US" sz="2400" smtClean="0"/>
+          </a:p>
+          <a:p>
+            <a:pPr marL="0" indent="0">
+              <a:buNone/>
+            </a:pPr>
+            <a:endParaRPr lang="en-US" sz="2800"/>
+          </a:p>
+        </p:txBody>
+      </p:sp>
+    </p:spTree>
+    <p:extLst>
+      <p:ext uri="{BB962C8B-B14F-4D97-AF65-F5344CB8AC3E}">
+        <p14:creationId xmlns:p14="http://schemas.microsoft.com/office/powerpoint/2010/main" val="3245470443"/>
+      </p:ext>
+    </p:extLst>
+  </p:cSld>
+  <p:clrMapOvr>
+    <a:masterClrMapping/>
+  </p:clrMapOvr>
+  <p:transition spd="slow">
+    <p:push dir="u"/>
+  </p:transition>
+  <p:timing>
+    <p:tnLst>
+      <p:par>
+        <p:cTn id="1" dur="indefinite" restart="never" nodeType="tmRoot">
+          <p:childTnLst>
+            <p:seq concurrent="1" nextAc="seek">
+              <p:cTn id="2" dur="indefinite" nodeType="mainSeq">
+                <p:childTnLst>
+                  <p:par>
+                    <p:cTn id="3" fill="hold">
+                      <p:stCondLst>
+                        <p:cond delay="indefinite"/>
+                      </p:stCondLst>
+                      <p:childTnLst>
+                        <p:par>
+                          <p:cTn id="4" fill="hold">
+                            <p:stCondLst>
+                              <p:cond delay="0"/>
+                            </p:stCondLst>
+                            <p:childTnLst>
+                              <p:par>
+                                <p:cTn id="5" presetID="42" presetClass="entr" presetSubtype="0" fill="hold" grpId="0" nodeType="clickEffect">
+                                  <p:stCondLst>
+                                    <p:cond delay="0"/>
+                                  </p:stCondLst>
+                                  <p:childTnLst>
+                                    <p:set>
+                                      <p:cBhvr>
+                                        <p:cTn id="6" dur="1" fill="hold">
+                                          <p:stCondLst>
+                                            <p:cond delay="0"/>
+                                          </p:stCondLst>
+                                        </p:cTn>
+                                        <p:tgtEl>
+                                          <p:spTgt spid="2">
+                                            <p:txEl>
+                                              <p:pRg st="1" end="1"/>
+                                            </p:txEl>
+                                          </p:spTgt>
+                                        </p:tgtEl>
+                                        <p:attrNameLst>
+                                          <p:attrName>style.visibility</p:attrName>
+                                        </p:attrNameLst>
+                                      </p:cBhvr>
+                                      <p:to>
+                                        <p:strVal val="visible"/>
+                                      </p:to>
+                                    </p:set>
+                                    <p:animEffect transition="in" filter="fade">
+                                      <p:cBhvr>
+                                        <p:cTn id="7" dur="1000"/>
+                                        <p:tgtEl>
+                                          <p:spTgt spid="2">
+                                            <p:txEl>
+                                              <p:pRg st="1" end="1"/>
+                                            </p:txEl>
+                                          </p:spTgt>
+                                        </p:tgtEl>
+                                      </p:cBhvr>
+                                    </p:animEffect>
+                                    <p:anim calcmode="lin" valueType="num">
+                                      <p:cBhvr>
+                                        <p:cTn id="8" dur="1000" fill="hold"/>
+                                        <p:tgtEl>
+                                          <p:spTgt spid="2">
+                                            <p:txEl>
+                                              <p:pRg st="1" end="1"/>
+                                            </p:txEl>
+                                          </p:spTgt>
+                                        </p:tgtEl>
+                                        <p:attrNameLst>
+                                          <p:attrName>ppt_x</p:attrName>
+                                        </p:attrNameLst>
+                                      </p:cBhvr>
+                                      <p:tavLst>
+                                        <p:tav tm="0">
+                                          <p:val>
+                                            <p:strVal val="#ppt_x"/>
+                                          </p:val>
+                                        </p:tav>
+                                        <p:tav tm="100000">
+                                          <p:val>
+                                            <p:strVal val="#ppt_x"/>
+                                          </p:val>
+                                        </p:tav>
+                                      </p:tavLst>
+                                    </p:anim>
+                                    <p:anim calcmode="lin" valueType="num">
+                                      <p:cBhvr>
+                                        <p:cTn id="9" dur="1000" fill="hold"/>
+                                        <p:tgtEl>
+                                          <p:spTgt spid="2">
+                                            <p:txEl>
+                                              <p:pRg st="1" end="1"/>
+                                            </p:txEl>
+                                          </p:spTgt>
+                                        </p:tgtEl>
+                                        <p:attrNameLst>
+                                          <p:attrName>ppt_y</p:attrName>
+                                        </p:attrNameLst>
+                                      </p:cBhvr>
+                                      <p:tavLst>
+                                        <p:tav tm="0">
+                                          <p:val>
+                                            <p:strVal val="#ppt_y+.1"/>
+                                          </p:val>
+                                        </p:tav>
+                                        <p:tav tm="100000">
+                                          <p:val>
+                                            <p:strVal val="#ppt_y"/>
+                                          </p:val>
+                                        </p:tav>
+                                      </p:tavLst>
+                                    </p:anim>
+                                  </p:childTnLst>
+                                </p:cTn>
+                              </p:par>
+                              <p:par>
+                                <p:cTn id="10" presetID="42" presetClass="entr" presetSubtype="0" fill="hold" grpId="0" nodeType="withEffect">
+                                  <p:stCondLst>
+                                    <p:cond delay="0"/>
+                                  </p:stCondLst>
+                                  <p:childTnLst>
+                                    <p:set>
+                                      <p:cBhvr>
+                                        <p:cTn id="11" dur="1" fill="hold">
+                                          <p:stCondLst>
+                                            <p:cond delay="0"/>
+                                          </p:stCondLst>
+                                        </p:cTn>
+                                        <p:tgtEl>
+                                          <p:spTgt spid="2">
+                                            <p:txEl>
+                                              <p:pRg st="2" end="2"/>
+                                            </p:txEl>
+                                          </p:spTgt>
+                                        </p:tgtEl>
+                                        <p:attrNameLst>
+                                          <p:attrName>style.visibility</p:attrName>
+                                        </p:attrNameLst>
+                                      </p:cBhvr>
+                                      <p:to>
+                                        <p:strVal val="visible"/>
+                                      </p:to>
+                                    </p:set>
+                                    <p:animEffect transition="in" filter="fade">
+                                      <p:cBhvr>
+                                        <p:cTn id="12" dur="1000"/>
+                                        <p:tgtEl>
+                                          <p:spTgt spid="2">
+                                            <p:txEl>
+                                              <p:pRg st="2" end="2"/>
+                                            </p:txEl>
+                                          </p:spTgt>
+                                        </p:tgtEl>
+                                      </p:cBhvr>
+                                    </p:animEffect>
+                                    <p:anim calcmode="lin" valueType="num">
+                                      <p:cBhvr>
+                                        <p:cTn id="13" dur="1000" fill="hold"/>
+                                        <p:tgtEl>
+                                          <p:spTgt spid="2">
+                                            <p:txEl>
+                                              <p:pRg st="2" end="2"/>
+                                            </p:txEl>
+                                          </p:spTgt>
+                                        </p:tgtEl>
+                                        <p:attrNameLst>
+                                          <p:attrName>ppt_x</p:attrName>
+                                        </p:attrNameLst>
+                                      </p:cBhvr>
+                                      <p:tavLst>
+                                        <p:tav tm="0">
+                                          <p:val>
+                                            <p:strVal val="#ppt_x"/>
+                                          </p:val>
+                                        </p:tav>
+                                        <p:tav tm="100000">
+                                          <p:val>
+                                            <p:strVal val="#ppt_x"/>
+                                          </p:val>
+                                        </p:tav>
+                                      </p:tavLst>
+                                    </p:anim>
+                                    <p:anim calcmode="lin" valueType="num">
+                                      <p:cBhvr>
+                                        <p:cTn id="14" dur="1000" fill="hold"/>
+                                        <p:tgtEl>
+                                          <p:spTgt spid="2">
+                                            <p:txEl>
+                                              <p:pRg st="2" end="2"/>
+                                            </p:txEl>
+                                          </p:spTgt>
+                                        </p:tgtEl>
+                                        <p:attrNameLst>
+                                          <p:attrName>ppt_y</p:attrName>
+                                        </p:attrNameLst>
+                                      </p:cBhvr>
+                                      <p:tavLst>
+                                        <p:tav tm="0">
+                                          <p:val>
+                                            <p:strVal val="#ppt_y+.1"/>
+                                          </p:val>
+                                        </p:tav>
+                                        <p:tav tm="100000">
+                                          <p:val>
+                                            <p:strVal val="#ppt_y"/>
+                                          </p:val>
+                                        </p:tav>
+                                      </p:tavLst>
+                                    </p:anim>
+                                  </p:childTnLst>
+                                </p:cTn>
+                              </p:par>
+                              <p:par>
+                                <p:cTn id="15" presetID="42" presetClass="entr" presetSubtype="0" fill="hold" grpId="0" nodeType="withEffect">
+                                  <p:stCondLst>
+                                    <p:cond delay="0"/>
+                                  </p:stCondLst>
+                                  <p:childTnLst>
+                                    <p:set>
+                                      <p:cBhvr>
+                                        <p:cTn id="16" dur="1" fill="hold">
+                                          <p:stCondLst>
+                                            <p:cond delay="0"/>
+                                          </p:stCondLst>
+                                        </p:cTn>
+                                        <p:tgtEl>
+                                          <p:spTgt spid="2">
+                                            <p:txEl>
+                                              <p:pRg st="3" end="3"/>
+                                            </p:txEl>
+                                          </p:spTgt>
+                                        </p:tgtEl>
+                                        <p:attrNameLst>
+                                          <p:attrName>style.visibility</p:attrName>
+                                        </p:attrNameLst>
+                                      </p:cBhvr>
+                                      <p:to>
+                                        <p:strVal val="visible"/>
+                                      </p:to>
+                                    </p:set>
+                                    <p:animEffect transition="in" filter="fade">
+                                      <p:cBhvr>
+                                        <p:cTn id="17" dur="1000"/>
+                                        <p:tgtEl>
+                                          <p:spTgt spid="2">
+                                            <p:txEl>
+                                              <p:pRg st="3" end="3"/>
+                                            </p:txEl>
+                                          </p:spTgt>
+                                        </p:tgtEl>
+                                      </p:cBhvr>
+                                    </p:animEffect>
+                                    <p:anim calcmode="lin" valueType="num">
+                                      <p:cBhvr>
+                                        <p:cTn id="18" dur="1000" fill="hold"/>
+                                        <p:tgtEl>
+                                          <p:spTgt spid="2">
+                                            <p:txEl>
+                                              <p:pRg st="3" end="3"/>
+                                            </p:txEl>
+                                          </p:spTgt>
+                                        </p:tgtEl>
+                                        <p:attrNameLst>
+                                          <p:attrName>ppt_x</p:attrName>
+                                        </p:attrNameLst>
+                                      </p:cBhvr>
+                                      <p:tavLst>
+                                        <p:tav tm="0">
+                                          <p:val>
+                                            <p:strVal val="#ppt_x"/>
+                                          </p:val>
+                                        </p:tav>
+                                        <p:tav tm="100000">
+                                          <p:val>
+                                            <p:strVal val="#ppt_x"/>
+                                          </p:val>
+                                        </p:tav>
+                                      </p:tavLst>
+                                    </p:anim>
+                                    <p:anim calcmode="lin" valueType="num">
+                                      <p:cBhvr>
+                                        <p:cTn id="19" dur="1000" fill="hold"/>
+                                        <p:tgtEl>
+                                          <p:spTgt spid="2">
+                                            <p:txEl>
+                                              <p:pRg st="3" end="3"/>
+                                            </p:txEl>
+                                          </p:spTgt>
+                                        </p:tgtEl>
+                                        <p:attrNameLst>
+                                          <p:attrName>ppt_y</p:attrName>
+                                        </p:attrNameLst>
+                                      </p:cBhvr>
+                                      <p:tavLst>
+                                        <p:tav tm="0">
+                                          <p:val>
+                                            <p:strVal val="#ppt_y+.1"/>
+                                          </p:val>
+                                        </p:tav>
+                                        <p:tav tm="100000">
+                                          <p:val>
+                                            <p:strVal val="#ppt_y"/>
+                                          </p:val>
+                                        </p:tav>
+                                      </p:tavLst>
+                                    </p:anim>
+                                  </p:childTnLst>
+                                </p:cTn>
+                              </p:par>
+                              <p:par>
+                                <p:cTn id="20" presetID="42" presetClass="entr" presetSubtype="0" fill="hold" grpId="0" nodeType="withEffect">
+                                  <p:stCondLst>
+                                    <p:cond delay="0"/>
+                                  </p:stCondLst>
+                                  <p:childTnLst>
+                                    <p:set>
+                                      <p:cBhvr>
+                                        <p:cTn id="21" dur="1" fill="hold">
+                                          <p:stCondLst>
+                                            <p:cond delay="0"/>
+                                          </p:stCondLst>
+                                        </p:cTn>
+                                        <p:tgtEl>
+                                          <p:spTgt spid="2">
+                                            <p:txEl>
+                                              <p:pRg st="4" end="4"/>
+                                            </p:txEl>
+                                          </p:spTgt>
+                                        </p:tgtEl>
+                                        <p:attrNameLst>
+                                          <p:attrName>style.visibility</p:attrName>
+                                        </p:attrNameLst>
+                                      </p:cBhvr>
+                                      <p:to>
+                                        <p:strVal val="visible"/>
+                                      </p:to>
+                                    </p:set>
+                                    <p:animEffect transition="in" filter="fade">
+                                      <p:cBhvr>
+                                        <p:cTn id="22" dur="1000"/>
+                                        <p:tgtEl>
+                                          <p:spTgt spid="2">
+                                            <p:txEl>
+                                              <p:pRg st="4" end="4"/>
+                                            </p:txEl>
+                                          </p:spTgt>
+                                        </p:tgtEl>
+                                      </p:cBhvr>
+                                    </p:animEffect>
+                                    <p:anim calcmode="lin" valueType="num">
+                                      <p:cBhvr>
+                                        <p:cTn id="23" dur="1000" fill="hold"/>
+                                        <p:tgtEl>
+                                          <p:spTgt spid="2">
+                                            <p:txEl>
+                                              <p:pRg st="4" end="4"/>
+                                            </p:txEl>
+                                          </p:spTgt>
+                                        </p:tgtEl>
+                                        <p:attrNameLst>
+                                          <p:attrName>ppt_x</p:attrName>
+                                        </p:attrNameLst>
+                                      </p:cBhvr>
+                                      <p:tavLst>
+                                        <p:tav tm="0">
+                                          <p:val>
+                                            <p:strVal val="#ppt_x"/>
+                                          </p:val>
+                                        </p:tav>
+                                        <p:tav tm="100000">
+                                          <p:val>
+                                            <p:strVal val="#ppt_x"/>
+                                          </p:val>
+                                        </p:tav>
+                                      </p:tavLst>
+                                    </p:anim>
+                                    <p:anim calcmode="lin" valueType="num">
+                                      <p:cBhvr>
+                                        <p:cTn id="24" dur="1000" fill="hold"/>
+                                        <p:tgtEl>
+                                          <p:spTgt spid="2">
+                                            <p:txEl>
+                                              <p:pRg st="4" end="4"/>
+                                            </p:txEl>
+                                          </p:spTgt>
+                                        </p:tgtEl>
+                                        <p:attrNameLst>
+                                          <p:attrName>ppt_y</p:attrName>
+                                        </p:attrNameLst>
+                                      </p:cBhvr>
+                                      <p:tavLst>
+                                        <p:tav tm="0">
+                                          <p:val>
+                                            <p:strVal val="#ppt_y+.1"/>
+                                          </p:val>
+                                        </p:tav>
+                                        <p:tav tm="100000">
+                                          <p:val>
+                                            <p:strVal val="#ppt_y"/>
+                                          </p:val>
+                                        </p:tav>
+                                      </p:tavLst>
+                                    </p:anim>
+                                  </p:childTnLst>
+                                </p:cTn>
+                              </p:par>
+                            </p:childTnLst>
+                          </p:cTn>
+                        </p:par>
+                      </p:childTnLst>
+                    </p:cTn>
+                  </p:par>
+                  <p:par>
+                    <p:cTn id="25" fill="hold">
+                      <p:stCondLst>
+                        <p:cond delay="indefinite"/>
+                      </p:stCondLst>
+                      <p:childTnLst>
+                        <p:par>
+                          <p:cTn id="26" fill="hold">
+                            <p:stCondLst>
+                              <p:cond delay="0"/>
+                            </p:stCondLst>
+                            <p:childTnLst>
+                              <p:par>
+                                <p:cTn id="27" presetID="42" presetClass="entr" presetSubtype="0" fill="hold" grpId="0" nodeType="clickEffect">
+                                  <p:stCondLst>
+                                    <p:cond delay="0"/>
+                                  </p:stCondLst>
+                                  <p:childTnLst>
+                                    <p:set>
+                                      <p:cBhvr>
+                                        <p:cTn id="28" dur="1" fill="hold">
+                                          <p:stCondLst>
+                                            <p:cond delay="0"/>
+                                          </p:stCondLst>
+                                        </p:cTn>
+                                        <p:tgtEl>
+                                          <p:spTgt spid="2">
+                                            <p:txEl>
+                                              <p:pRg st="5" end="5"/>
+                                            </p:txEl>
+                                          </p:spTgt>
+                                        </p:tgtEl>
+                                        <p:attrNameLst>
+                                          <p:attrName>style.visibility</p:attrName>
+                                        </p:attrNameLst>
+                                      </p:cBhvr>
+                                      <p:to>
+                                        <p:strVal val="visible"/>
+                                      </p:to>
+                                    </p:set>
+                                    <p:animEffect transition="in" filter="fade">
+                                      <p:cBhvr>
+                                        <p:cTn id="29" dur="1000"/>
+                                        <p:tgtEl>
+                                          <p:spTgt spid="2">
+                                            <p:txEl>
+                                              <p:pRg st="5" end="5"/>
+                                            </p:txEl>
+                                          </p:spTgt>
+                                        </p:tgtEl>
+                                      </p:cBhvr>
+                                    </p:animEffect>
+                                    <p:anim calcmode="lin" valueType="num">
+                                      <p:cBhvr>
+                                        <p:cTn id="30" dur="1000" fill="hold"/>
+                                        <p:tgtEl>
+                                          <p:spTgt spid="2">
+                                            <p:txEl>
+                                              <p:pRg st="5" end="5"/>
+                                            </p:txEl>
+                                          </p:spTgt>
+                                        </p:tgtEl>
+                                        <p:attrNameLst>
+                                          <p:attrName>ppt_x</p:attrName>
+                                        </p:attrNameLst>
+                                      </p:cBhvr>
+                                      <p:tavLst>
+                                        <p:tav tm="0">
+                                          <p:val>
+                                            <p:strVal val="#ppt_x"/>
+                                          </p:val>
+                                        </p:tav>
+                                        <p:tav tm="100000">
+                                          <p:val>
+                                            <p:strVal val="#ppt_x"/>
+                                          </p:val>
+                                        </p:tav>
+                                      </p:tavLst>
+                                    </p:anim>
+                                    <p:anim calcmode="lin" valueType="num">
+                                      <p:cBhvr>
+                                        <p:cTn id="31" dur="1000" fill="hold"/>
+                                        <p:tgtEl>
+                                          <p:spTgt spid="2">
+                                            <p:txEl>
+                                              <p:pRg st="5" end="5"/>
+                                            </p:txEl>
+                                          </p:spTgt>
+                                        </p:tgtEl>
+                                        <p:attrNameLst>
+                                          <p:attrName>ppt_y</p:attrName>
+                                        </p:attrNameLst>
+                                      </p:cBhvr>
+                                      <p:tavLst>
+                                        <p:tav tm="0">
+                                          <p:val>
+                                            <p:strVal val="#ppt_y+.1"/>
+                                          </p:val>
+                                        </p:tav>
+                                        <p:tav tm="100000">
+                                          <p:val>
+                                            <p:strVal val="#ppt_y"/>
+                                          </p:val>
+                                        </p:tav>
+                                      </p:tavLst>
+                                    </p:anim>
+                                  </p:childTnLst>
+                                </p:cTn>
+                              </p:par>
+                            </p:childTnLst>
+                          </p:cTn>
+                        </p:par>
+                      </p:childTnLst>
+                    </p:cTn>
+                  </p:par>
+                  <p:par>
+                    <p:cTn id="32" fill="hold">
+                      <p:stCondLst>
+                        <p:cond delay="indefinite"/>
+                      </p:stCondLst>
+                      <p:childTnLst>
+                        <p:par>
+                          <p:cTn id="33" fill="hold">
+                            <p:stCondLst>
+                              <p:cond delay="0"/>
+                            </p:stCondLst>
+                            <p:childTnLst>
+                              <p:par>
+                                <p:cTn id="34" presetID="42" presetClass="entr" presetSubtype="0" fill="hold" grpId="0" nodeType="clickEffect">
+                                  <p:stCondLst>
+                                    <p:cond delay="0"/>
+                                  </p:stCondLst>
+                                  <p:childTnLst>
+                                    <p:set>
+                                      <p:cBhvr>
+                                        <p:cTn id="35" dur="1" fill="hold">
+                                          <p:stCondLst>
+                                            <p:cond delay="0"/>
+                                          </p:stCondLst>
+                                        </p:cTn>
+                                        <p:tgtEl>
+                                          <p:spTgt spid="2">
+                                            <p:txEl>
+                                              <p:pRg st="6" end="6"/>
+                                            </p:txEl>
+                                          </p:spTgt>
+                                        </p:tgtEl>
+                                        <p:attrNameLst>
+                                          <p:attrName>style.visibility</p:attrName>
+                                        </p:attrNameLst>
+                                      </p:cBhvr>
+                                      <p:to>
+                                        <p:strVal val="visible"/>
+                                      </p:to>
+                                    </p:set>
+                                    <p:animEffect transition="in" filter="fade">
+                                      <p:cBhvr>
+                                        <p:cTn id="36" dur="1000"/>
+                                        <p:tgtEl>
+                                          <p:spTgt spid="2">
+                                            <p:txEl>
+                                              <p:pRg st="6" end="6"/>
+                                            </p:txEl>
+                                          </p:spTgt>
+                                        </p:tgtEl>
+                                      </p:cBhvr>
+                                    </p:animEffect>
+                                    <p:anim calcmode="lin" valueType="num">
+                                      <p:cBhvr>
+                                        <p:cTn id="37" dur="1000" fill="hold"/>
+                                        <p:tgtEl>
+                                          <p:spTgt spid="2">
+                                            <p:txEl>
+                                              <p:pRg st="6" end="6"/>
+                                            </p:txEl>
+                                          </p:spTgt>
+                                        </p:tgtEl>
+                                        <p:attrNameLst>
+                                          <p:attrName>ppt_x</p:attrName>
+                                        </p:attrNameLst>
+                                      </p:cBhvr>
+                                      <p:tavLst>
+                                        <p:tav tm="0">
+                                          <p:val>
+                                            <p:strVal val="#ppt_x"/>
+                                          </p:val>
+                                        </p:tav>
+                                        <p:tav tm="100000">
+                                          <p:val>
+                                            <p:strVal val="#ppt_x"/>
+                                          </p:val>
+                                        </p:tav>
+                                      </p:tavLst>
+                                    </p:anim>
+                                    <p:anim calcmode="lin" valueType="num">
+                                      <p:cBhvr>
+                                        <p:cTn id="38" dur="1000" fill="hold"/>
+                                        <p:tgtEl>
+                                          <p:spTgt spid="2">
+                                            <p:txEl>
+                                              <p:pRg st="6" end="6"/>
+                                            </p:txEl>
+                                          </p:spTgt>
+                                        </p:tgtEl>
+                                        <p:attrNameLst>
+                                          <p:attrName>ppt_y</p:attrName>
+                                        </p:attrNameLst>
+                                      </p:cBhvr>
+                                      <p:tavLst>
+                                        <p:tav tm="0">
+                                          <p:val>
+                                            <p:strVal val="#ppt_y+.1"/>
+                                          </p:val>
+                                        </p:tav>
+                                        <p:tav tm="100000">
+                                          <p:val>
+                                            <p:strVal val="#ppt_y"/>
+                                          </p:val>
+                                        </p:tav>
+                                      </p:tavLst>
+                                    </p:anim>
+                                  </p:childTnLst>
+                                </p:cTn>
+                              </p:par>
+                            </p:childTnLst>
+                          </p:cTn>
+                        </p:par>
+                      </p:childTnLst>
+                    </p:cTn>
+                  </p:par>
+                </p:childTnLst>
+              </p:cTn>
+              <p:prevCondLst>
+                <p:cond evt="onPrev" delay="0">
+                  <p:tgtEl>
+                    <p:sldTgt/>
+                  </p:tgtEl>
+                </p:cond>
+              </p:prevCondLst>
+              <p:nextCondLst>
+                <p:cond evt="onNext" delay="0">
+                  <p:tgtEl>
+                    <p:sldTgt/>
+                  </p:tgtEl>
+                </p:cond>
+              </p:nextCondLst>
+            </p:seq>
+          </p:childTnLst>
+        </p:cTn>
+      </p:par>
+    </p:tnLst>
+    <p:bldLst>
+      <p:bldP spid="2" grpId="0" uiExpand="1" build="p"/>
+    </p:bldLst>
   </p:timing>
 </p:sld>
 </file>
@@ -15307,10 +17482,10 @@
           <a:lstStyle/>
           <a:p>
             <a:r>
-              <a:rPr lang="en-US" altLang="en-US"/>
-              <a:t>3. THIẾT KẾ VÀ CÀI ĐẶT</a:t>
-            </a:r>
-            <a:endParaRPr lang="en-US" altLang="en-US"/>
+              <a:rPr lang="en-US" altLang="en-US" sz="2800" smtClean="0"/>
+              <a:t>4. KẾT LUẬN VÀ HƯỚNG PHÁT TRIỂN</a:t>
+            </a:r>
+            <a:endParaRPr lang="en-US" altLang="en-US" sz="2800"/>
           </a:p>
         </p:txBody>
       </p:sp>
@@ -15338,84 +17513,305 @@
               <a:buNone/>
             </a:pPr>
             <a:r>
-              <a:rPr lang="en-US" sz="2800" b="1" smtClean="0"/>
-              <a:t>KIỂM THỬ VÀ KẾT QUẢ </a:t>
-            </a:r>
-          </a:p>
-          <a:p>
-            <a:r>
-              <a:rPr lang="en-US" sz="2800" smtClean="0"/>
-              <a:t>Kiểm thử các tính năng của các phân hệ chính:</a:t>
-            </a:r>
-          </a:p>
-          <a:p>
-            <a:pPr lvl="1"/>
-            <a:r>
-              <a:rPr lang="en-US" sz="2400" smtClean="0"/>
-              <a:t>Quản lý danh mục</a:t>
-            </a:r>
-          </a:p>
-          <a:p>
-            <a:pPr lvl="1"/>
-            <a:r>
-              <a:rPr lang="en-US" sz="2400" smtClean="0"/>
-              <a:t>Quản lý đăng ký và tìm kiếm luận văn</a:t>
-            </a:r>
-          </a:p>
-          <a:p>
-            <a:pPr lvl="1"/>
-            <a:r>
-              <a:rPr lang="en-US" sz="2400" smtClean="0"/>
-              <a:t>Quản lý thực hiện luận văn (hội đồng đề cương và hội đồng luận văn)</a:t>
-            </a:r>
-          </a:p>
-          <a:p>
-            <a:r>
-              <a:rPr lang="en-US" sz="2800" smtClean="0"/>
-              <a:t>Kết quả</a:t>
-            </a:r>
-          </a:p>
-          <a:p>
-            <a:pPr marL="0" indent="0">
-              <a:buNone/>
-            </a:pPr>
-            <a:r>
-              <a:rPr lang="en-US" sz="2800" smtClean="0"/>
-              <a:t>Thực hiện đầy đủ các chức năng cơ bản về quản lý thông tin các đối tượng trong quá trình thực hiện luận văn tốt nghiệp bậc thạc sĩ</a:t>
-            </a:r>
-            <a:br>
-              <a:rPr lang="en-US" sz="2800" smtClean="0"/>
-            </a:br>
+              <a:rPr lang="en-US" sz="3200" b="1" smtClean="0"/>
+              <a:t>KẾT LUẬN</a:t>
+            </a:r>
+          </a:p>
+          <a:p>
+            <a:r>
+              <a:rPr lang="en-US" sz="3200" smtClean="0"/>
+              <a:t>Đã xây dựng hệ thống cơ bản trên nền tảng công nghệ có tính khả dụng cao.</a:t>
+            </a:r>
+          </a:p>
+          <a:p>
+            <a:r>
+              <a:rPr lang="en-US" sz="3200" smtClean="0"/>
+              <a:t>Nhu cầu cần đổi mới và mở rộng quy mô hệ thống là điều cần thiết để trở nên hoàn chỉnh.</a:t>
+            </a:r>
+          </a:p>
+          <a:p>
+            <a:endParaRPr lang="en-US" sz="3200" smtClean="0"/>
+          </a:p>
+          <a:p>
             <a:endParaRPr lang="en-US" sz="2800" smtClean="0"/>
-          </a:p>
-          <a:p>
-            <a:pPr lvl="1"/>
-            <a:endParaRPr lang="en-US" sz="2400" smtClean="0"/>
-          </a:p>
-          <a:p>
-            <a:pPr marL="0" indent="0">
-              <a:buNone/>
-            </a:pPr>
-            <a:endParaRPr lang="en-US" sz="2800"/>
           </a:p>
         </p:txBody>
       </p:sp>
     </p:spTree>
     <p:extLst>
       <p:ext uri="{BB962C8B-B14F-4D97-AF65-F5344CB8AC3E}">
-        <p14:creationId xmlns:p14="http://schemas.microsoft.com/office/powerpoint/2010/main" val="3245470443"/>
+        <p14:creationId xmlns:p14="http://schemas.microsoft.com/office/powerpoint/2010/main" val="2474367087"/>
       </p:ext>
     </p:extLst>
   </p:cSld>
   <p:clrMapOvr>
     <a:masterClrMapping/>
   </p:clrMapOvr>
+  <p:transition spd="slow">
+    <p:push dir="u"/>
+  </p:transition>
   <p:timing>
     <p:tnLst>
       <p:par>
-        <p:cTn id="1" dur="indefinite" restart="never" nodeType="tmRoot"/>
+        <p:cTn id="1" dur="indefinite" restart="never" nodeType="tmRoot">
+          <p:childTnLst>
+            <p:seq concurrent="1" nextAc="seek">
+              <p:cTn id="2" dur="indefinite" nodeType="mainSeq">
+                <p:childTnLst>
+                  <p:par>
+                    <p:cTn id="3" fill="hold">
+                      <p:stCondLst>
+                        <p:cond delay="indefinite"/>
+                      </p:stCondLst>
+                      <p:childTnLst>
+                        <p:par>
+                          <p:cTn id="4" fill="hold">
+                            <p:stCondLst>
+                              <p:cond delay="0"/>
+                            </p:stCondLst>
+                            <p:childTnLst>
+                              <p:par>
+                                <p:cTn id="5" presetID="42" presetClass="entr" presetSubtype="0" fill="hold" grpId="0" nodeType="clickEffect">
+                                  <p:stCondLst>
+                                    <p:cond delay="0"/>
+                                  </p:stCondLst>
+                                  <p:childTnLst>
+                                    <p:set>
+                                      <p:cBhvr>
+                                        <p:cTn id="6" dur="1" fill="hold">
+                                          <p:stCondLst>
+                                            <p:cond delay="0"/>
+                                          </p:stCondLst>
+                                        </p:cTn>
+                                        <p:tgtEl>
+                                          <p:spTgt spid="2">
+                                            <p:txEl>
+                                              <p:pRg st="1" end="1"/>
+                                            </p:txEl>
+                                          </p:spTgt>
+                                        </p:tgtEl>
+                                        <p:attrNameLst>
+                                          <p:attrName>style.visibility</p:attrName>
+                                        </p:attrNameLst>
+                                      </p:cBhvr>
+                                      <p:to>
+                                        <p:strVal val="visible"/>
+                                      </p:to>
+                                    </p:set>
+                                    <p:animEffect transition="in" filter="fade">
+                                      <p:cBhvr>
+                                        <p:cTn id="7" dur="1000"/>
+                                        <p:tgtEl>
+                                          <p:spTgt spid="2">
+                                            <p:txEl>
+                                              <p:pRg st="1" end="1"/>
+                                            </p:txEl>
+                                          </p:spTgt>
+                                        </p:tgtEl>
+                                      </p:cBhvr>
+                                    </p:animEffect>
+                                    <p:anim calcmode="lin" valueType="num">
+                                      <p:cBhvr>
+                                        <p:cTn id="8" dur="1000" fill="hold"/>
+                                        <p:tgtEl>
+                                          <p:spTgt spid="2">
+                                            <p:txEl>
+                                              <p:pRg st="1" end="1"/>
+                                            </p:txEl>
+                                          </p:spTgt>
+                                        </p:tgtEl>
+                                        <p:attrNameLst>
+                                          <p:attrName>ppt_x</p:attrName>
+                                        </p:attrNameLst>
+                                      </p:cBhvr>
+                                      <p:tavLst>
+                                        <p:tav tm="0">
+                                          <p:val>
+                                            <p:strVal val="#ppt_x"/>
+                                          </p:val>
+                                        </p:tav>
+                                        <p:tav tm="100000">
+                                          <p:val>
+                                            <p:strVal val="#ppt_x"/>
+                                          </p:val>
+                                        </p:tav>
+                                      </p:tavLst>
+                                    </p:anim>
+                                    <p:anim calcmode="lin" valueType="num">
+                                      <p:cBhvr>
+                                        <p:cTn id="9" dur="1000" fill="hold"/>
+                                        <p:tgtEl>
+                                          <p:spTgt spid="2">
+                                            <p:txEl>
+                                              <p:pRg st="1" end="1"/>
+                                            </p:txEl>
+                                          </p:spTgt>
+                                        </p:tgtEl>
+                                        <p:attrNameLst>
+                                          <p:attrName>ppt_y</p:attrName>
+                                        </p:attrNameLst>
+                                      </p:cBhvr>
+                                      <p:tavLst>
+                                        <p:tav tm="0">
+                                          <p:val>
+                                            <p:strVal val="#ppt_y+.1"/>
+                                          </p:val>
+                                        </p:tav>
+                                        <p:tav tm="100000">
+                                          <p:val>
+                                            <p:strVal val="#ppt_y"/>
+                                          </p:val>
+                                        </p:tav>
+                                      </p:tavLst>
+                                    </p:anim>
+                                  </p:childTnLst>
+                                </p:cTn>
+                              </p:par>
+                            </p:childTnLst>
+                          </p:cTn>
+                        </p:par>
+                      </p:childTnLst>
+                    </p:cTn>
+                  </p:par>
+                  <p:par>
+                    <p:cTn id="10" fill="hold">
+                      <p:stCondLst>
+                        <p:cond delay="indefinite"/>
+                      </p:stCondLst>
+                      <p:childTnLst>
+                        <p:par>
+                          <p:cTn id="11" fill="hold">
+                            <p:stCondLst>
+                              <p:cond delay="0"/>
+                            </p:stCondLst>
+                            <p:childTnLst>
+                              <p:par>
+                                <p:cTn id="12" presetID="42" presetClass="entr" presetSubtype="0" fill="hold" grpId="0" nodeType="clickEffect">
+                                  <p:stCondLst>
+                                    <p:cond delay="0"/>
+                                  </p:stCondLst>
+                                  <p:childTnLst>
+                                    <p:set>
+                                      <p:cBhvr>
+                                        <p:cTn id="13" dur="1" fill="hold">
+                                          <p:stCondLst>
+                                            <p:cond delay="0"/>
+                                          </p:stCondLst>
+                                        </p:cTn>
+                                        <p:tgtEl>
+                                          <p:spTgt spid="2">
+                                            <p:txEl>
+                                              <p:pRg st="2" end="2"/>
+                                            </p:txEl>
+                                          </p:spTgt>
+                                        </p:tgtEl>
+                                        <p:attrNameLst>
+                                          <p:attrName>style.visibility</p:attrName>
+                                        </p:attrNameLst>
+                                      </p:cBhvr>
+                                      <p:to>
+                                        <p:strVal val="visible"/>
+                                      </p:to>
+                                    </p:set>
+                                    <p:animEffect transition="in" filter="fade">
+                                      <p:cBhvr>
+                                        <p:cTn id="14" dur="1000"/>
+                                        <p:tgtEl>
+                                          <p:spTgt spid="2">
+                                            <p:txEl>
+                                              <p:pRg st="2" end="2"/>
+                                            </p:txEl>
+                                          </p:spTgt>
+                                        </p:tgtEl>
+                                      </p:cBhvr>
+                                    </p:animEffect>
+                                    <p:anim calcmode="lin" valueType="num">
+                                      <p:cBhvr>
+                                        <p:cTn id="15" dur="1000" fill="hold"/>
+                                        <p:tgtEl>
+                                          <p:spTgt spid="2">
+                                            <p:txEl>
+                                              <p:pRg st="2" end="2"/>
+                                            </p:txEl>
+                                          </p:spTgt>
+                                        </p:tgtEl>
+                                        <p:attrNameLst>
+                                          <p:attrName>ppt_x</p:attrName>
+                                        </p:attrNameLst>
+                                      </p:cBhvr>
+                                      <p:tavLst>
+                                        <p:tav tm="0">
+                                          <p:val>
+                                            <p:strVal val="#ppt_x"/>
+                                          </p:val>
+                                        </p:tav>
+                                        <p:tav tm="100000">
+                                          <p:val>
+                                            <p:strVal val="#ppt_x"/>
+                                          </p:val>
+                                        </p:tav>
+                                      </p:tavLst>
+                                    </p:anim>
+                                    <p:anim calcmode="lin" valueType="num">
+                                      <p:cBhvr>
+                                        <p:cTn id="16" dur="1000" fill="hold"/>
+                                        <p:tgtEl>
+                                          <p:spTgt spid="2">
+                                            <p:txEl>
+                                              <p:pRg st="2" end="2"/>
+                                            </p:txEl>
+                                          </p:spTgt>
+                                        </p:tgtEl>
+                                        <p:attrNameLst>
+                                          <p:attrName>ppt_y</p:attrName>
+                                        </p:attrNameLst>
+                                      </p:cBhvr>
+                                      <p:tavLst>
+                                        <p:tav tm="0">
+                                          <p:val>
+                                            <p:strVal val="#ppt_y+.1"/>
+                                          </p:val>
+                                        </p:tav>
+                                        <p:tav tm="100000">
+                                          <p:val>
+                                            <p:strVal val="#ppt_y"/>
+                                          </p:val>
+                                        </p:tav>
+                                      </p:tavLst>
+                                    </p:anim>
+                                  </p:childTnLst>
+                                </p:cTn>
+                              </p:par>
+                            </p:childTnLst>
+                          </p:cTn>
+                        </p:par>
+                      </p:childTnLst>
+                    </p:cTn>
+                  </p:par>
+                </p:childTnLst>
+              </p:cTn>
+              <p:prevCondLst>
+                <p:cond evt="onPrev" delay="0">
+                  <p:tgtEl>
+                    <p:sldTgt/>
+                  </p:tgtEl>
+                </p:cond>
+              </p:prevCondLst>
+              <p:nextCondLst>
+                <p:cond evt="onNext" delay="0">
+                  <p:tgtEl>
+                    <p:sldTgt/>
+                  </p:tgtEl>
+                </p:cond>
+              </p:nextCondLst>
+            </p:seq>
+          </p:childTnLst>
+        </p:cTn>
       </p:par>
     </p:tnLst>
+    <p:bldLst>
+      <p:bldP spid="2" grpId="0" uiExpand="1" build="p"/>
+    </p:bldLst>
   </p:timing>
 </p:sld>
 </file>
@@ -15732,7 +18128,7 @@
             <a:pPr algn="just"/>
             <a:r>
               <a:rPr lang="en-US" sz="2400" smtClean="0"/>
-              <a:t>Thực hiện các chức năng quản lý thông tin cơ bản.</a:t>
+              <a:t>Thực hiện các chức năng quản lý thông tin và quá trình thực hiện luận văn cơ bản.</a:t>
             </a:r>
           </a:p>
           <a:p>
@@ -15784,7 +18180,7 @@
         <p:spPr bwMode="auto">
           <a:xfrm>
             <a:off x="4521740" y="1972282"/>
-            <a:ext cx="4229100" cy="4352317"/>
+            <a:ext cx="4229100" cy="4636041"/>
           </a:xfrm>
           <a:prstGeom prst="rect">
             <a:avLst/>
@@ -16001,6 +18397,13 @@
             <a:pPr algn="just"/>
             <a:r>
               <a:rPr lang="en-US" sz="2400" smtClean="0"/>
+              <a:t>Giao diện chưa trực quan.</a:t>
+            </a:r>
+          </a:p>
+          <a:p>
+            <a:pPr algn="just"/>
+            <a:r>
+              <a:rPr lang="en-US" sz="2400" smtClean="0"/>
               <a:t>Chức năng còn thiếu (kiểm tra sao chép, upload luận văn).</a:t>
             </a:r>
           </a:p>
@@ -16016,6 +18419,13 @@
             <a:r>
               <a:rPr lang="en-US" sz="2400" smtClean="0"/>
               <a:t>Ít trường hợp kiểm thử.</a:t>
+            </a:r>
+          </a:p>
+          <a:p>
+            <a:pPr algn="just"/>
+            <a:r>
+              <a:rPr lang="en-US" sz="2400" smtClean="0"/>
+              <a:t>Hiện chỉ sử dụng trên trình duyệt chrome.</a:t>
             </a:r>
           </a:p>
           <a:p>
@@ -16034,128 +18444,245 @@
   <p:clrMapOvr>
     <a:masterClrMapping/>
   </p:clrMapOvr>
+  <p:transition spd="slow">
+    <p:push dir="u"/>
+  </p:transition>
   <p:timing>
     <p:tnLst>
       <p:par>
-        <p:cTn id="1" dur="indefinite" restart="never" nodeType="tmRoot"/>
+        <p:cTn id="1" dur="indefinite" restart="never" nodeType="tmRoot">
+          <p:childTnLst>
+            <p:seq concurrent="1" nextAc="seek">
+              <p:cTn id="2" dur="indefinite" nodeType="mainSeq">
+                <p:childTnLst>
+                  <p:par>
+                    <p:cTn id="3" fill="hold">
+                      <p:stCondLst>
+                        <p:cond delay="indefinite"/>
+                      </p:stCondLst>
+                      <p:childTnLst>
+                        <p:par>
+                          <p:cTn id="4" fill="hold">
+                            <p:stCondLst>
+                              <p:cond delay="0"/>
+                            </p:stCondLst>
+                            <p:childTnLst>
+                              <p:par>
+                                <p:cTn id="5" presetID="42" presetClass="entr" presetSubtype="0" fill="hold" grpId="0" nodeType="clickEffect">
+                                  <p:stCondLst>
+                                    <p:cond delay="0"/>
+                                  </p:stCondLst>
+                                  <p:childTnLst>
+                                    <p:set>
+                                      <p:cBhvr>
+                                        <p:cTn id="6" dur="1" fill="hold">
+                                          <p:stCondLst>
+                                            <p:cond delay="0"/>
+                                          </p:stCondLst>
+                                        </p:cTn>
+                                        <p:tgtEl>
+                                          <p:spTgt spid="4"/>
+                                        </p:tgtEl>
+                                        <p:attrNameLst>
+                                          <p:attrName>style.visibility</p:attrName>
+                                        </p:attrNameLst>
+                                      </p:cBhvr>
+                                      <p:to>
+                                        <p:strVal val="visible"/>
+                                      </p:to>
+                                    </p:set>
+                                    <p:animEffect transition="in" filter="fade">
+                                      <p:cBhvr>
+                                        <p:cTn id="7" dur="1000"/>
+                                        <p:tgtEl>
+                                          <p:spTgt spid="4"/>
+                                        </p:tgtEl>
+                                      </p:cBhvr>
+                                    </p:animEffect>
+                                    <p:anim calcmode="lin" valueType="num">
+                                      <p:cBhvr>
+                                        <p:cTn id="8" dur="1000" fill="hold"/>
+                                        <p:tgtEl>
+                                          <p:spTgt spid="4"/>
+                                        </p:tgtEl>
+                                        <p:attrNameLst>
+                                          <p:attrName>ppt_x</p:attrName>
+                                        </p:attrNameLst>
+                                      </p:cBhvr>
+                                      <p:tavLst>
+                                        <p:tav tm="0">
+                                          <p:val>
+                                            <p:strVal val="#ppt_x"/>
+                                          </p:val>
+                                        </p:tav>
+                                        <p:tav tm="100000">
+                                          <p:val>
+                                            <p:strVal val="#ppt_x"/>
+                                          </p:val>
+                                        </p:tav>
+                                      </p:tavLst>
+                                    </p:anim>
+                                    <p:anim calcmode="lin" valueType="num">
+                                      <p:cBhvr>
+                                        <p:cTn id="9" dur="1000" fill="hold"/>
+                                        <p:tgtEl>
+                                          <p:spTgt spid="4"/>
+                                        </p:tgtEl>
+                                        <p:attrNameLst>
+                                          <p:attrName>ppt_y</p:attrName>
+                                        </p:attrNameLst>
+                                      </p:cBhvr>
+                                      <p:tavLst>
+                                        <p:tav tm="0">
+                                          <p:val>
+                                            <p:strVal val="#ppt_y+.1"/>
+                                          </p:val>
+                                        </p:tav>
+                                        <p:tav tm="100000">
+                                          <p:val>
+                                            <p:strVal val="#ppt_y"/>
+                                          </p:val>
+                                        </p:tav>
+                                      </p:tavLst>
+                                    </p:anim>
+                                  </p:childTnLst>
+                                </p:cTn>
+                              </p:par>
+                            </p:childTnLst>
+                          </p:cTn>
+                        </p:par>
+                      </p:childTnLst>
+                    </p:cTn>
+                  </p:par>
+                  <p:par>
+                    <p:cTn id="10" fill="hold">
+                      <p:stCondLst>
+                        <p:cond delay="indefinite"/>
+                      </p:stCondLst>
+                      <p:childTnLst>
+                        <p:par>
+                          <p:cTn id="11" fill="hold">
+                            <p:stCondLst>
+                              <p:cond delay="0"/>
+                            </p:stCondLst>
+                            <p:childTnLst>
+                              <p:par>
+                                <p:cTn id="12" presetID="42" presetClass="entr" presetSubtype="0" fill="hold" grpId="0" nodeType="clickEffect">
+                                  <p:stCondLst>
+                                    <p:cond delay="0"/>
+                                  </p:stCondLst>
+                                  <p:childTnLst>
+                                    <p:set>
+                                      <p:cBhvr>
+                                        <p:cTn id="13" dur="1" fill="hold">
+                                          <p:stCondLst>
+                                            <p:cond delay="0"/>
+                                          </p:stCondLst>
+                                        </p:cTn>
+                                        <p:tgtEl>
+                                          <p:spTgt spid="6"/>
+                                        </p:tgtEl>
+                                        <p:attrNameLst>
+                                          <p:attrName>style.visibility</p:attrName>
+                                        </p:attrNameLst>
+                                      </p:cBhvr>
+                                      <p:to>
+                                        <p:strVal val="visible"/>
+                                      </p:to>
+                                    </p:set>
+                                    <p:animEffect transition="in" filter="fade">
+                                      <p:cBhvr>
+                                        <p:cTn id="14" dur="1000"/>
+                                        <p:tgtEl>
+                                          <p:spTgt spid="6"/>
+                                        </p:tgtEl>
+                                      </p:cBhvr>
+                                    </p:animEffect>
+                                    <p:anim calcmode="lin" valueType="num">
+                                      <p:cBhvr>
+                                        <p:cTn id="15" dur="1000" fill="hold"/>
+                                        <p:tgtEl>
+                                          <p:spTgt spid="6"/>
+                                        </p:tgtEl>
+                                        <p:attrNameLst>
+                                          <p:attrName>ppt_x</p:attrName>
+                                        </p:attrNameLst>
+                                      </p:cBhvr>
+                                      <p:tavLst>
+                                        <p:tav tm="0">
+                                          <p:val>
+                                            <p:strVal val="#ppt_x"/>
+                                          </p:val>
+                                        </p:tav>
+                                        <p:tav tm="100000">
+                                          <p:val>
+                                            <p:strVal val="#ppt_x"/>
+                                          </p:val>
+                                        </p:tav>
+                                      </p:tavLst>
+                                    </p:anim>
+                                    <p:anim calcmode="lin" valueType="num">
+                                      <p:cBhvr>
+                                        <p:cTn id="16" dur="1000" fill="hold"/>
+                                        <p:tgtEl>
+                                          <p:spTgt spid="6"/>
+                                        </p:tgtEl>
+                                        <p:attrNameLst>
+                                          <p:attrName>ppt_y</p:attrName>
+                                        </p:attrNameLst>
+                                      </p:cBhvr>
+                                      <p:tavLst>
+                                        <p:tav tm="0">
+                                          <p:val>
+                                            <p:strVal val="#ppt_y+.1"/>
+                                          </p:val>
+                                        </p:tav>
+                                        <p:tav tm="100000">
+                                          <p:val>
+                                            <p:strVal val="#ppt_y"/>
+                                          </p:val>
+                                        </p:tav>
+                                      </p:tavLst>
+                                    </p:anim>
+                                  </p:childTnLst>
+                                </p:cTn>
+                              </p:par>
+                            </p:childTnLst>
+                          </p:cTn>
+                        </p:par>
+                      </p:childTnLst>
+                    </p:cTn>
+                  </p:par>
+                </p:childTnLst>
+              </p:cTn>
+              <p:prevCondLst>
+                <p:cond evt="onPrev" delay="0">
+                  <p:tgtEl>
+                    <p:sldTgt/>
+                  </p:tgtEl>
+                </p:cond>
+              </p:prevCondLst>
+              <p:nextCondLst>
+                <p:cond evt="onNext" delay="0">
+                  <p:tgtEl>
+                    <p:sldTgt/>
+                  </p:tgtEl>
+                </p:cond>
+              </p:nextCondLst>
+            </p:seq>
+          </p:childTnLst>
+        </p:cTn>
       </p:par>
     </p:tnLst>
+    <p:bldLst>
+      <p:bldP spid="4" grpId="0"/>
+      <p:bldP spid="6" grpId="0"/>
+    </p:bldLst>
   </p:timing>
 </p:sld>
 </file>
 
 <file path=ppt/slides/slide17.xml><?xml version="1.0" encoding="utf-8"?>
-<p:sld xmlns:a="http://schemas.openxmlformats.org/drawingml/2006/main" xmlns:r="http://schemas.openxmlformats.org/officeDocument/2006/relationships" xmlns:p="http://schemas.openxmlformats.org/presentationml/2006/main">
-  <p:cSld>
-    <p:spTree>
-      <p:nvGrpSpPr>
-        <p:cNvPr id="1" name=""/>
-        <p:cNvGrpSpPr/>
-        <p:nvPr/>
-      </p:nvGrpSpPr>
-      <p:grpSpPr>
-        <a:xfrm>
-          <a:off x="0" y="0"/>
-          <a:ext cx="0" cy="0"/>
-          <a:chOff x="0" y="0"/>
-          <a:chExt cx="0" cy="0"/>
-        </a:xfrm>
-      </p:grpSpPr>
-      <p:sp>
-        <p:nvSpPr>
-          <p:cNvPr id="25602" name="Rectangle 2">
-            <a:extLst>
-              <a:ext uri="{FF2B5EF4-FFF2-40B4-BE49-F238E27FC236}">
-                <a16:creationId xmlns="" xmlns:a16="http://schemas.microsoft.com/office/drawing/2014/main" id="{D09A8D8C-80F7-440C-BEF1-9EFA4CBAAA33}"/>
-              </a:ext>
-            </a:extLst>
-          </p:cNvPr>
-          <p:cNvSpPr>
-            <a:spLocks noGrp="1" noChangeArrowheads="1"/>
-          </p:cNvSpPr>
-          <p:nvPr>
-            <p:ph type="title"/>
-          </p:nvPr>
-        </p:nvSpPr>
-        <p:spPr/>
-        <p:txBody>
-          <a:bodyPr/>
-          <a:lstStyle/>
-          <a:p>
-            <a:r>
-              <a:rPr lang="en-US" altLang="en-US" sz="2800" smtClean="0"/>
-              <a:t>4. KẾT LUẬN VÀ HƯỚNG PHÁT TRIỂN</a:t>
-            </a:r>
-            <a:endParaRPr lang="en-US" altLang="en-US" sz="2800"/>
-          </a:p>
-        </p:txBody>
-      </p:sp>
-      <p:sp>
-        <p:nvSpPr>
-          <p:cNvPr id="2" name="Content Placeholder 1"/>
-          <p:cNvSpPr>
-            <a:spLocks noGrp="1"/>
-          </p:cNvSpPr>
-          <p:nvPr>
-            <p:ph idx="1"/>
-          </p:nvPr>
-        </p:nvSpPr>
-        <p:spPr>
-          <a:xfrm>
-            <a:off x="609600" y="1447800"/>
-            <a:ext cx="8229600" cy="4691062"/>
-          </a:xfrm>
-        </p:spPr>
-        <p:txBody>
-          <a:bodyPr/>
-          <a:lstStyle/>
-          <a:p>
-            <a:pPr marL="0" indent="0">
-              <a:buNone/>
-            </a:pPr>
-            <a:r>
-              <a:rPr lang="en-US" sz="3200" b="1" smtClean="0"/>
-              <a:t>KẾT LUẬN</a:t>
-            </a:r>
-          </a:p>
-          <a:p>
-            <a:r>
-              <a:rPr lang="en-US" sz="3200" smtClean="0"/>
-              <a:t>Đã xây dựng hệ thống cơ bản trên nền tảng công nghệ có tính khả dụng cao.</a:t>
-            </a:r>
-          </a:p>
-          <a:p>
-            <a:r>
-              <a:rPr lang="en-US" sz="3200" smtClean="0"/>
-              <a:t>Nhu cầu cần đổi mới và mở rộng quy mô hệ thống là điều cần thiết.</a:t>
-            </a:r>
-          </a:p>
-          <a:p>
-            <a:endParaRPr lang="en-US" sz="2800" smtClean="0"/>
-          </a:p>
-        </p:txBody>
-      </p:sp>
-    </p:spTree>
-    <p:extLst>
-      <p:ext uri="{BB962C8B-B14F-4D97-AF65-F5344CB8AC3E}">
-        <p14:creationId xmlns:p14="http://schemas.microsoft.com/office/powerpoint/2010/main" val="2474367087"/>
-      </p:ext>
-    </p:extLst>
-  </p:cSld>
-  <p:clrMapOvr>
-    <a:masterClrMapping/>
-  </p:clrMapOvr>
-  <p:timing>
-    <p:tnLst>
-      <p:par>
-        <p:cTn id="1" dur="indefinite" restart="never" nodeType="tmRoot"/>
-      </p:par>
-    </p:tnLst>
-  </p:timing>
-</p:sld>
-</file>
-
-<file path=ppt/slides/slide18.xml><?xml version="1.0" encoding="utf-8"?>
 <p:sld xmlns:a="http://schemas.openxmlformats.org/drawingml/2006/main" xmlns:r="http://schemas.openxmlformats.org/officeDocument/2006/relationships" xmlns:p="http://schemas.openxmlformats.org/presentationml/2006/main">
   <p:cSld>
     <p:spTree>
@@ -16286,242 +18813,506 @@
   <p:clrMapOvr>
     <a:masterClrMapping/>
   </p:clrMapOvr>
+  <p:transition spd="slow">
+    <p:push dir="u"/>
+  </p:transition>
   <p:timing>
     <p:tnLst>
       <p:par>
-        <p:cTn id="1" dur="indefinite" restart="never" nodeType="tmRoot"/>
+        <p:cTn id="1" dur="indefinite" restart="never" nodeType="tmRoot">
+          <p:childTnLst>
+            <p:seq concurrent="1" nextAc="seek">
+              <p:cTn id="2" dur="indefinite" nodeType="mainSeq">
+                <p:childTnLst>
+                  <p:par>
+                    <p:cTn id="3" fill="hold">
+                      <p:stCondLst>
+                        <p:cond delay="indefinite"/>
+                      </p:stCondLst>
+                      <p:childTnLst>
+                        <p:par>
+                          <p:cTn id="4" fill="hold">
+                            <p:stCondLst>
+                              <p:cond delay="0"/>
+                            </p:stCondLst>
+                            <p:childTnLst>
+                              <p:par>
+                                <p:cTn id="5" presetID="42" presetClass="entr" presetSubtype="0" fill="hold" grpId="0" nodeType="clickEffect">
+                                  <p:stCondLst>
+                                    <p:cond delay="0"/>
+                                  </p:stCondLst>
+                                  <p:childTnLst>
+                                    <p:set>
+                                      <p:cBhvr>
+                                        <p:cTn id="6" dur="1" fill="hold">
+                                          <p:stCondLst>
+                                            <p:cond delay="0"/>
+                                          </p:stCondLst>
+                                        </p:cTn>
+                                        <p:tgtEl>
+                                          <p:spTgt spid="3">
+                                            <p:txEl>
+                                              <p:pRg st="0" end="0"/>
+                                            </p:txEl>
+                                          </p:spTgt>
+                                        </p:tgtEl>
+                                        <p:attrNameLst>
+                                          <p:attrName>style.visibility</p:attrName>
+                                        </p:attrNameLst>
+                                      </p:cBhvr>
+                                      <p:to>
+                                        <p:strVal val="visible"/>
+                                      </p:to>
+                                    </p:set>
+                                    <p:animEffect transition="in" filter="fade">
+                                      <p:cBhvr>
+                                        <p:cTn id="7" dur="1000"/>
+                                        <p:tgtEl>
+                                          <p:spTgt spid="3">
+                                            <p:txEl>
+                                              <p:pRg st="0" end="0"/>
+                                            </p:txEl>
+                                          </p:spTgt>
+                                        </p:tgtEl>
+                                      </p:cBhvr>
+                                    </p:animEffect>
+                                    <p:anim calcmode="lin" valueType="num">
+                                      <p:cBhvr>
+                                        <p:cTn id="8" dur="1000" fill="hold"/>
+                                        <p:tgtEl>
+                                          <p:spTgt spid="3">
+                                            <p:txEl>
+                                              <p:pRg st="0" end="0"/>
+                                            </p:txEl>
+                                          </p:spTgt>
+                                        </p:tgtEl>
+                                        <p:attrNameLst>
+                                          <p:attrName>ppt_x</p:attrName>
+                                        </p:attrNameLst>
+                                      </p:cBhvr>
+                                      <p:tavLst>
+                                        <p:tav tm="0">
+                                          <p:val>
+                                            <p:strVal val="#ppt_x"/>
+                                          </p:val>
+                                        </p:tav>
+                                        <p:tav tm="100000">
+                                          <p:val>
+                                            <p:strVal val="#ppt_x"/>
+                                          </p:val>
+                                        </p:tav>
+                                      </p:tavLst>
+                                    </p:anim>
+                                    <p:anim calcmode="lin" valueType="num">
+                                      <p:cBhvr>
+                                        <p:cTn id="9" dur="1000" fill="hold"/>
+                                        <p:tgtEl>
+                                          <p:spTgt spid="3">
+                                            <p:txEl>
+                                              <p:pRg st="0" end="0"/>
+                                            </p:txEl>
+                                          </p:spTgt>
+                                        </p:tgtEl>
+                                        <p:attrNameLst>
+                                          <p:attrName>ppt_y</p:attrName>
+                                        </p:attrNameLst>
+                                      </p:cBhvr>
+                                      <p:tavLst>
+                                        <p:tav tm="0">
+                                          <p:val>
+                                            <p:strVal val="#ppt_y+.1"/>
+                                          </p:val>
+                                        </p:tav>
+                                        <p:tav tm="100000">
+                                          <p:val>
+                                            <p:strVal val="#ppt_y"/>
+                                          </p:val>
+                                        </p:tav>
+                                      </p:tavLst>
+                                    </p:anim>
+                                  </p:childTnLst>
+                                </p:cTn>
+                              </p:par>
+                            </p:childTnLst>
+                          </p:cTn>
+                        </p:par>
+                      </p:childTnLst>
+                    </p:cTn>
+                  </p:par>
+                  <p:par>
+                    <p:cTn id="10" fill="hold">
+                      <p:stCondLst>
+                        <p:cond delay="indefinite"/>
+                      </p:stCondLst>
+                      <p:childTnLst>
+                        <p:par>
+                          <p:cTn id="11" fill="hold">
+                            <p:stCondLst>
+                              <p:cond delay="0"/>
+                            </p:stCondLst>
+                            <p:childTnLst>
+                              <p:par>
+                                <p:cTn id="12" presetID="42" presetClass="entr" presetSubtype="0" fill="hold" grpId="0" nodeType="clickEffect">
+                                  <p:stCondLst>
+                                    <p:cond delay="0"/>
+                                  </p:stCondLst>
+                                  <p:childTnLst>
+                                    <p:set>
+                                      <p:cBhvr>
+                                        <p:cTn id="13" dur="1" fill="hold">
+                                          <p:stCondLst>
+                                            <p:cond delay="0"/>
+                                          </p:stCondLst>
+                                        </p:cTn>
+                                        <p:tgtEl>
+                                          <p:spTgt spid="3">
+                                            <p:txEl>
+                                              <p:pRg st="1" end="1"/>
+                                            </p:txEl>
+                                          </p:spTgt>
+                                        </p:tgtEl>
+                                        <p:attrNameLst>
+                                          <p:attrName>style.visibility</p:attrName>
+                                        </p:attrNameLst>
+                                      </p:cBhvr>
+                                      <p:to>
+                                        <p:strVal val="visible"/>
+                                      </p:to>
+                                    </p:set>
+                                    <p:animEffect transition="in" filter="fade">
+                                      <p:cBhvr>
+                                        <p:cTn id="14" dur="1000"/>
+                                        <p:tgtEl>
+                                          <p:spTgt spid="3">
+                                            <p:txEl>
+                                              <p:pRg st="1" end="1"/>
+                                            </p:txEl>
+                                          </p:spTgt>
+                                        </p:tgtEl>
+                                      </p:cBhvr>
+                                    </p:animEffect>
+                                    <p:anim calcmode="lin" valueType="num">
+                                      <p:cBhvr>
+                                        <p:cTn id="15" dur="1000" fill="hold"/>
+                                        <p:tgtEl>
+                                          <p:spTgt spid="3">
+                                            <p:txEl>
+                                              <p:pRg st="1" end="1"/>
+                                            </p:txEl>
+                                          </p:spTgt>
+                                        </p:tgtEl>
+                                        <p:attrNameLst>
+                                          <p:attrName>ppt_x</p:attrName>
+                                        </p:attrNameLst>
+                                      </p:cBhvr>
+                                      <p:tavLst>
+                                        <p:tav tm="0">
+                                          <p:val>
+                                            <p:strVal val="#ppt_x"/>
+                                          </p:val>
+                                        </p:tav>
+                                        <p:tav tm="100000">
+                                          <p:val>
+                                            <p:strVal val="#ppt_x"/>
+                                          </p:val>
+                                        </p:tav>
+                                      </p:tavLst>
+                                    </p:anim>
+                                    <p:anim calcmode="lin" valueType="num">
+                                      <p:cBhvr>
+                                        <p:cTn id="16" dur="1000" fill="hold"/>
+                                        <p:tgtEl>
+                                          <p:spTgt spid="3">
+                                            <p:txEl>
+                                              <p:pRg st="1" end="1"/>
+                                            </p:txEl>
+                                          </p:spTgt>
+                                        </p:tgtEl>
+                                        <p:attrNameLst>
+                                          <p:attrName>ppt_y</p:attrName>
+                                        </p:attrNameLst>
+                                      </p:cBhvr>
+                                      <p:tavLst>
+                                        <p:tav tm="0">
+                                          <p:val>
+                                            <p:strVal val="#ppt_y+.1"/>
+                                          </p:val>
+                                        </p:tav>
+                                        <p:tav tm="100000">
+                                          <p:val>
+                                            <p:strVal val="#ppt_y"/>
+                                          </p:val>
+                                        </p:tav>
+                                      </p:tavLst>
+                                    </p:anim>
+                                  </p:childTnLst>
+                                </p:cTn>
+                              </p:par>
+                            </p:childTnLst>
+                          </p:cTn>
+                        </p:par>
+                      </p:childTnLst>
+                    </p:cTn>
+                  </p:par>
+                  <p:par>
+                    <p:cTn id="17" fill="hold">
+                      <p:stCondLst>
+                        <p:cond delay="indefinite"/>
+                      </p:stCondLst>
+                      <p:childTnLst>
+                        <p:par>
+                          <p:cTn id="18" fill="hold">
+                            <p:stCondLst>
+                              <p:cond delay="0"/>
+                            </p:stCondLst>
+                            <p:childTnLst>
+                              <p:par>
+                                <p:cTn id="19" presetID="42" presetClass="entr" presetSubtype="0" fill="hold" grpId="0" nodeType="clickEffect">
+                                  <p:stCondLst>
+                                    <p:cond delay="0"/>
+                                  </p:stCondLst>
+                                  <p:childTnLst>
+                                    <p:set>
+                                      <p:cBhvr>
+                                        <p:cTn id="20" dur="1" fill="hold">
+                                          <p:stCondLst>
+                                            <p:cond delay="0"/>
+                                          </p:stCondLst>
+                                        </p:cTn>
+                                        <p:tgtEl>
+                                          <p:spTgt spid="3">
+                                            <p:txEl>
+                                              <p:pRg st="2" end="2"/>
+                                            </p:txEl>
+                                          </p:spTgt>
+                                        </p:tgtEl>
+                                        <p:attrNameLst>
+                                          <p:attrName>style.visibility</p:attrName>
+                                        </p:attrNameLst>
+                                      </p:cBhvr>
+                                      <p:to>
+                                        <p:strVal val="visible"/>
+                                      </p:to>
+                                    </p:set>
+                                    <p:animEffect transition="in" filter="fade">
+                                      <p:cBhvr>
+                                        <p:cTn id="21" dur="1000"/>
+                                        <p:tgtEl>
+                                          <p:spTgt spid="3">
+                                            <p:txEl>
+                                              <p:pRg st="2" end="2"/>
+                                            </p:txEl>
+                                          </p:spTgt>
+                                        </p:tgtEl>
+                                      </p:cBhvr>
+                                    </p:animEffect>
+                                    <p:anim calcmode="lin" valueType="num">
+                                      <p:cBhvr>
+                                        <p:cTn id="22" dur="1000" fill="hold"/>
+                                        <p:tgtEl>
+                                          <p:spTgt spid="3">
+                                            <p:txEl>
+                                              <p:pRg st="2" end="2"/>
+                                            </p:txEl>
+                                          </p:spTgt>
+                                        </p:tgtEl>
+                                        <p:attrNameLst>
+                                          <p:attrName>ppt_x</p:attrName>
+                                        </p:attrNameLst>
+                                      </p:cBhvr>
+                                      <p:tavLst>
+                                        <p:tav tm="0">
+                                          <p:val>
+                                            <p:strVal val="#ppt_x"/>
+                                          </p:val>
+                                        </p:tav>
+                                        <p:tav tm="100000">
+                                          <p:val>
+                                            <p:strVal val="#ppt_x"/>
+                                          </p:val>
+                                        </p:tav>
+                                      </p:tavLst>
+                                    </p:anim>
+                                    <p:anim calcmode="lin" valueType="num">
+                                      <p:cBhvr>
+                                        <p:cTn id="23" dur="1000" fill="hold"/>
+                                        <p:tgtEl>
+                                          <p:spTgt spid="3">
+                                            <p:txEl>
+                                              <p:pRg st="2" end="2"/>
+                                            </p:txEl>
+                                          </p:spTgt>
+                                        </p:tgtEl>
+                                        <p:attrNameLst>
+                                          <p:attrName>ppt_y</p:attrName>
+                                        </p:attrNameLst>
+                                      </p:cBhvr>
+                                      <p:tavLst>
+                                        <p:tav tm="0">
+                                          <p:val>
+                                            <p:strVal val="#ppt_y+.1"/>
+                                          </p:val>
+                                        </p:tav>
+                                        <p:tav tm="100000">
+                                          <p:val>
+                                            <p:strVal val="#ppt_y"/>
+                                          </p:val>
+                                        </p:tav>
+                                      </p:tavLst>
+                                    </p:anim>
+                                  </p:childTnLst>
+                                </p:cTn>
+                              </p:par>
+                            </p:childTnLst>
+                          </p:cTn>
+                        </p:par>
+                      </p:childTnLst>
+                    </p:cTn>
+                  </p:par>
+                  <p:par>
+                    <p:cTn id="24" fill="hold">
+                      <p:stCondLst>
+                        <p:cond delay="indefinite"/>
+                      </p:stCondLst>
+                      <p:childTnLst>
+                        <p:par>
+                          <p:cTn id="25" fill="hold">
+                            <p:stCondLst>
+                              <p:cond delay="0"/>
+                            </p:stCondLst>
+                            <p:childTnLst>
+                              <p:par>
+                                <p:cTn id="26" presetID="42" presetClass="entr" presetSubtype="0" fill="hold" grpId="0" nodeType="clickEffect">
+                                  <p:stCondLst>
+                                    <p:cond delay="0"/>
+                                  </p:stCondLst>
+                                  <p:childTnLst>
+                                    <p:set>
+                                      <p:cBhvr>
+                                        <p:cTn id="27" dur="1" fill="hold">
+                                          <p:stCondLst>
+                                            <p:cond delay="0"/>
+                                          </p:stCondLst>
+                                        </p:cTn>
+                                        <p:tgtEl>
+                                          <p:spTgt spid="3">
+                                            <p:txEl>
+                                              <p:pRg st="3" end="3"/>
+                                            </p:txEl>
+                                          </p:spTgt>
+                                        </p:tgtEl>
+                                        <p:attrNameLst>
+                                          <p:attrName>style.visibility</p:attrName>
+                                        </p:attrNameLst>
+                                      </p:cBhvr>
+                                      <p:to>
+                                        <p:strVal val="visible"/>
+                                      </p:to>
+                                    </p:set>
+                                    <p:animEffect transition="in" filter="fade">
+                                      <p:cBhvr>
+                                        <p:cTn id="28" dur="1000"/>
+                                        <p:tgtEl>
+                                          <p:spTgt spid="3">
+                                            <p:txEl>
+                                              <p:pRg st="3" end="3"/>
+                                            </p:txEl>
+                                          </p:spTgt>
+                                        </p:tgtEl>
+                                      </p:cBhvr>
+                                    </p:animEffect>
+                                    <p:anim calcmode="lin" valueType="num">
+                                      <p:cBhvr>
+                                        <p:cTn id="29" dur="1000" fill="hold"/>
+                                        <p:tgtEl>
+                                          <p:spTgt spid="3">
+                                            <p:txEl>
+                                              <p:pRg st="3" end="3"/>
+                                            </p:txEl>
+                                          </p:spTgt>
+                                        </p:tgtEl>
+                                        <p:attrNameLst>
+                                          <p:attrName>ppt_x</p:attrName>
+                                        </p:attrNameLst>
+                                      </p:cBhvr>
+                                      <p:tavLst>
+                                        <p:tav tm="0">
+                                          <p:val>
+                                            <p:strVal val="#ppt_x"/>
+                                          </p:val>
+                                        </p:tav>
+                                        <p:tav tm="100000">
+                                          <p:val>
+                                            <p:strVal val="#ppt_x"/>
+                                          </p:val>
+                                        </p:tav>
+                                      </p:tavLst>
+                                    </p:anim>
+                                    <p:anim calcmode="lin" valueType="num">
+                                      <p:cBhvr>
+                                        <p:cTn id="30" dur="1000" fill="hold"/>
+                                        <p:tgtEl>
+                                          <p:spTgt spid="3">
+                                            <p:txEl>
+                                              <p:pRg st="3" end="3"/>
+                                            </p:txEl>
+                                          </p:spTgt>
+                                        </p:tgtEl>
+                                        <p:attrNameLst>
+                                          <p:attrName>ppt_y</p:attrName>
+                                        </p:attrNameLst>
+                                      </p:cBhvr>
+                                      <p:tavLst>
+                                        <p:tav tm="0">
+                                          <p:val>
+                                            <p:strVal val="#ppt_y+.1"/>
+                                          </p:val>
+                                        </p:tav>
+                                        <p:tav tm="100000">
+                                          <p:val>
+                                            <p:strVal val="#ppt_y"/>
+                                          </p:val>
+                                        </p:tav>
+                                      </p:tavLst>
+                                    </p:anim>
+                                  </p:childTnLst>
+                                </p:cTn>
+                              </p:par>
+                            </p:childTnLst>
+                          </p:cTn>
+                        </p:par>
+                      </p:childTnLst>
+                    </p:cTn>
+                  </p:par>
+                </p:childTnLst>
+              </p:cTn>
+              <p:prevCondLst>
+                <p:cond evt="onPrev" delay="0">
+                  <p:tgtEl>
+                    <p:sldTgt/>
+                  </p:tgtEl>
+                </p:cond>
+              </p:prevCondLst>
+              <p:nextCondLst>
+                <p:cond evt="onNext" delay="0">
+                  <p:tgtEl>
+                    <p:sldTgt/>
+                  </p:tgtEl>
+                </p:cond>
+              </p:nextCondLst>
+            </p:seq>
+          </p:childTnLst>
+        </p:cTn>
       </p:par>
     </p:tnLst>
+    <p:bldLst>
+      <p:bldP spid="3" grpId="0" build="p"/>
+    </p:bldLst>
   </p:timing>
 </p:sld>
 </file>
 
-<file path=ppt/slides/slide19.xml><?xml version="1.0" encoding="utf-8"?>
-<p:sld xmlns:a="http://schemas.openxmlformats.org/drawingml/2006/main" xmlns:r="http://schemas.openxmlformats.org/officeDocument/2006/relationships" xmlns:p="http://schemas.openxmlformats.org/presentationml/2006/main">
-  <p:cSld>
-    <p:spTree>
-      <p:nvGrpSpPr>
-        <p:cNvPr id="1" name=""/>
-        <p:cNvGrpSpPr/>
-        <p:nvPr/>
-      </p:nvGrpSpPr>
-      <p:grpSpPr>
-        <a:xfrm>
-          <a:off x="0" y="0"/>
-          <a:ext cx="0" cy="0"/>
-          <a:chOff x="0" y="0"/>
-          <a:chExt cx="0" cy="0"/>
-        </a:xfrm>
-      </p:grpSpPr>
-      <p:sp>
-        <p:nvSpPr>
-          <p:cNvPr id="2" name="Title 1"/>
-          <p:cNvSpPr>
-            <a:spLocks noGrp="1"/>
-          </p:cNvSpPr>
-          <p:nvPr>
-            <p:ph type="title"/>
-          </p:nvPr>
-        </p:nvSpPr>
-        <p:spPr/>
-        <p:txBody>
-          <a:bodyPr/>
-          <a:lstStyle/>
-          <a:p>
-            <a:r>
-              <a:rPr lang="en-US" sz="2800"/>
-              <a:t>4. KẾT LUẬN VÀ HƯỚNG PHÁT TRIỂN</a:t>
-            </a:r>
-          </a:p>
-        </p:txBody>
-      </p:sp>
-      <p:sp>
-        <p:nvSpPr>
-          <p:cNvPr id="3" name="Content Placeholder 2"/>
-          <p:cNvSpPr>
-            <a:spLocks noGrp="1"/>
-          </p:cNvSpPr>
-          <p:nvPr>
-            <p:ph idx="1"/>
-          </p:nvPr>
-        </p:nvSpPr>
-        <p:spPr>
-          <a:xfrm>
-            <a:off x="609600" y="2170181"/>
-            <a:ext cx="8229600" cy="4691062"/>
-          </a:xfrm>
-        </p:spPr>
-        <p:txBody>
-          <a:bodyPr/>
-          <a:lstStyle/>
-          <a:p>
-            <a:pPr>
-              <a:spcBef>
-                <a:spcPts val="1800"/>
-              </a:spcBef>
-            </a:pPr>
-            <a:r>
-              <a:rPr lang="en-US" sz="3200" smtClean="0"/>
-              <a:t>Hoàn thiện tính năng kiểm tra sao chép. </a:t>
-            </a:r>
-          </a:p>
-          <a:p>
-            <a:pPr>
-              <a:spcBef>
-                <a:spcPts val="1800"/>
-              </a:spcBef>
-            </a:pPr>
-            <a:r>
-              <a:rPr lang="en-US" sz="3200" smtClean="0"/>
-              <a:t>Cải thiện giao diện người dùng, xây dựng bố cục trực quan hơn.</a:t>
-            </a:r>
-          </a:p>
-          <a:p>
-            <a:pPr>
-              <a:spcBef>
-                <a:spcPts val="1800"/>
-              </a:spcBef>
-            </a:pPr>
-            <a:r>
-              <a:rPr lang="en-US" sz="3200" smtClean="0"/>
-              <a:t>Tăng cường khả năng bảo mật.</a:t>
-            </a:r>
-          </a:p>
-          <a:p>
-            <a:pPr>
-              <a:spcBef>
-                <a:spcPts val="1800"/>
-              </a:spcBef>
-            </a:pPr>
-            <a:r>
-              <a:rPr lang="en-US" sz="3200" smtClean="0"/>
-              <a:t>Phát triển tính năng chatting, nhận xét trên tài liệu, upload tài liệu và hình ảnh.</a:t>
-            </a:r>
-          </a:p>
-          <a:p>
-            <a:pPr>
-              <a:spcBef>
-                <a:spcPts val="1800"/>
-              </a:spcBef>
-            </a:pPr>
-            <a:endParaRPr lang="en-US" sz="3200" smtClean="0"/>
-          </a:p>
-          <a:p>
-            <a:pPr>
-              <a:spcBef>
-                <a:spcPts val="1800"/>
-              </a:spcBef>
-            </a:pPr>
-            <a:endParaRPr lang="en-US" sz="3200" smtClean="0"/>
-          </a:p>
-        </p:txBody>
-      </p:sp>
-    </p:spTree>
-    <p:extLst>
-      <p:ext uri="{BB962C8B-B14F-4D97-AF65-F5344CB8AC3E}">
-        <p14:creationId xmlns:p14="http://schemas.microsoft.com/office/powerpoint/2010/main" val="3384921705"/>
-      </p:ext>
-    </p:extLst>
-  </p:cSld>
-  <p:clrMapOvr>
-    <a:masterClrMapping/>
-  </p:clrMapOvr>
-  <p:timing>
-    <p:tnLst>
-      <p:par>
-        <p:cTn id="1" dur="indefinite" restart="never" nodeType="tmRoot"/>
-      </p:par>
-    </p:tnLst>
-  </p:timing>
-</p:sld>
-</file>
-
-<file path=ppt/slides/slide2.xml><?xml version="1.0" encoding="utf-8"?>
-<p:sld xmlns:a="http://schemas.openxmlformats.org/drawingml/2006/main" xmlns:r="http://schemas.openxmlformats.org/officeDocument/2006/relationships" xmlns:p="http://schemas.openxmlformats.org/presentationml/2006/main">
-  <p:cSld>
-    <p:spTree>
-      <p:nvGrpSpPr>
-        <p:cNvPr id="1" name=""/>
-        <p:cNvGrpSpPr/>
-        <p:nvPr/>
-      </p:nvGrpSpPr>
-      <p:grpSpPr>
-        <a:xfrm>
-          <a:off x="0" y="0"/>
-          <a:ext cx="0" cy="0"/>
-          <a:chOff x="0" y="0"/>
-          <a:chExt cx="0" cy="0"/>
-        </a:xfrm>
-      </p:grpSpPr>
-      <p:sp>
-        <p:nvSpPr>
-          <p:cNvPr id="2" name="Title 1"/>
-          <p:cNvSpPr>
-            <a:spLocks noGrp="1"/>
-          </p:cNvSpPr>
-          <p:nvPr>
-            <p:ph type="title"/>
-          </p:nvPr>
-        </p:nvSpPr>
-        <p:spPr/>
-        <p:txBody>
-          <a:bodyPr/>
-          <a:lstStyle/>
-          <a:p>
-            <a:r>
-              <a:rPr lang="en-US" smtClean="0"/>
-              <a:t>NỘI DUNG BÁO CÁO </a:t>
-            </a:r>
-            <a:endParaRPr lang="en-US"/>
-          </a:p>
-        </p:txBody>
-      </p:sp>
-      <p:graphicFrame>
-        <p:nvGraphicFramePr>
-          <p:cNvPr id="6" name="Content Placeholder 5"/>
-          <p:cNvGraphicFramePr>
-            <a:graphicFrameLocks noGrp="1"/>
-          </p:cNvGraphicFramePr>
-          <p:nvPr>
-            <p:ph idx="1"/>
-            <p:extLst>
-              <p:ext uri="{D42A27DB-BD31-4B8C-83A1-F6EECF244321}">
-                <p14:modId xmlns:p14="http://schemas.microsoft.com/office/powerpoint/2010/main" val="2640686854"/>
-              </p:ext>
-            </p:extLst>
-          </p:nvPr>
-        </p:nvGraphicFramePr>
-        <p:xfrm>
-          <a:off x="304800" y="1633538"/>
-          <a:ext cx="8839200" cy="4691062"/>
-        </p:xfrm>
-        <a:graphic>
-          <a:graphicData uri="http://schemas.openxmlformats.org/drawingml/2006/diagram">
-            <dgm:relIds xmlns:dgm="http://schemas.openxmlformats.org/drawingml/2006/diagram" xmlns:r="http://schemas.openxmlformats.org/officeDocument/2006/relationships" r:dm="rId3" r:lo="rId4" r:qs="rId5" r:cs="rId6"/>
-          </a:graphicData>
-        </a:graphic>
-      </p:graphicFrame>
-    </p:spTree>
-    <p:extLst>
-      <p:ext uri="{BB962C8B-B14F-4D97-AF65-F5344CB8AC3E}">
-        <p14:creationId xmlns:p14="http://schemas.microsoft.com/office/powerpoint/2010/main" val="1770586525"/>
-      </p:ext>
-    </p:extLst>
-  </p:cSld>
-  <p:clrMapOvr>
-    <a:masterClrMapping/>
-  </p:clrMapOvr>
-  <p:timing>
-    <p:tnLst>
-      <p:par>
-        <p:cTn id="1" dur="indefinite" restart="never" nodeType="tmRoot"/>
-      </p:par>
-    </p:tnLst>
-  </p:timing>
-</p:sld>
-</file>
-
-<file path=ppt/slides/slide20.xml><?xml version="1.0" encoding="utf-8"?>
+<file path=ppt/slides/slide18.xml><?xml version="1.0" encoding="utf-8"?>
 <p:sld xmlns:a="http://schemas.openxmlformats.org/drawingml/2006/main" xmlns:r="http://schemas.openxmlformats.org/officeDocument/2006/relationships" xmlns:p="http://schemas.openxmlformats.org/presentationml/2006/main" showMasterSp="0">
   <p:cSld>
     <p:bg>
@@ -16941,12 +19732,222 @@
   <p:clrMapOvr>
     <a:masterClrMapping/>
   </p:clrMapOvr>
+  <p:transition spd="slow">
+    <p:push dir="u"/>
+  </p:transition>
   <p:timing>
     <p:tnLst>
       <p:par>
         <p:cTn id="1" dur="indefinite" restart="never" nodeType="tmRoot"/>
       </p:par>
     </p:tnLst>
+  </p:timing>
+</p:sld>
+</file>
+
+<file path=ppt/slides/slide2.xml><?xml version="1.0" encoding="utf-8"?>
+<p:sld xmlns:a="http://schemas.openxmlformats.org/drawingml/2006/main" xmlns:r="http://schemas.openxmlformats.org/officeDocument/2006/relationships" xmlns:p="http://schemas.openxmlformats.org/presentationml/2006/main">
+  <p:cSld>
+    <p:spTree>
+      <p:nvGrpSpPr>
+        <p:cNvPr id="1" name=""/>
+        <p:cNvGrpSpPr/>
+        <p:nvPr/>
+      </p:nvGrpSpPr>
+      <p:grpSpPr>
+        <a:xfrm>
+          <a:off x="0" y="0"/>
+          <a:ext cx="0" cy="0"/>
+          <a:chOff x="0" y="0"/>
+          <a:chExt cx="0" cy="0"/>
+        </a:xfrm>
+      </p:grpSpPr>
+      <p:sp>
+        <p:nvSpPr>
+          <p:cNvPr id="2" name="Title 1"/>
+          <p:cNvSpPr>
+            <a:spLocks noGrp="1"/>
+          </p:cNvSpPr>
+          <p:nvPr>
+            <p:ph type="title"/>
+          </p:nvPr>
+        </p:nvSpPr>
+        <p:spPr/>
+        <p:txBody>
+          <a:bodyPr/>
+          <a:lstStyle/>
+          <a:p>
+            <a:r>
+              <a:rPr lang="en-US" smtClean="0"/>
+              <a:t>NỘI DUNG BÁO CÁO </a:t>
+            </a:r>
+            <a:endParaRPr lang="en-US"/>
+          </a:p>
+        </p:txBody>
+      </p:sp>
+      <p:graphicFrame>
+        <p:nvGraphicFramePr>
+          <p:cNvPr id="6" name="Content Placeholder 5"/>
+          <p:cNvGraphicFramePr>
+            <a:graphicFrameLocks noGrp="1"/>
+          </p:cNvGraphicFramePr>
+          <p:nvPr>
+            <p:ph idx="1"/>
+            <p:extLst>
+              <p:ext uri="{D42A27DB-BD31-4B8C-83A1-F6EECF244321}">
+                <p14:modId xmlns:p14="http://schemas.microsoft.com/office/powerpoint/2010/main" val="466952029"/>
+              </p:ext>
+            </p:extLst>
+          </p:nvPr>
+        </p:nvGraphicFramePr>
+        <p:xfrm>
+          <a:off x="304800" y="1633538"/>
+          <a:ext cx="8839200" cy="4691062"/>
+        </p:xfrm>
+        <a:graphic>
+          <a:graphicData uri="http://schemas.openxmlformats.org/drawingml/2006/diagram">
+            <dgm:relIds xmlns:dgm="http://schemas.openxmlformats.org/drawingml/2006/diagram" xmlns:r="http://schemas.openxmlformats.org/officeDocument/2006/relationships" r:dm="rId3" r:lo="rId4" r:qs="rId5" r:cs="rId6"/>
+          </a:graphicData>
+        </a:graphic>
+      </p:graphicFrame>
+    </p:spTree>
+    <p:extLst>
+      <p:ext uri="{BB962C8B-B14F-4D97-AF65-F5344CB8AC3E}">
+        <p14:creationId xmlns:p14="http://schemas.microsoft.com/office/powerpoint/2010/main" val="1770586525"/>
+      </p:ext>
+    </p:extLst>
+  </p:cSld>
+  <p:clrMapOvr>
+    <a:masterClrMapping/>
+  </p:clrMapOvr>
+  <p:transition spd="slow">
+    <p:push dir="u"/>
+  </p:transition>
+  <p:timing>
+    <p:tnLst>
+      <p:par>
+        <p:cTn id="1" dur="indefinite" restart="never" nodeType="tmRoot">
+          <p:childTnLst>
+            <p:seq concurrent="1" nextAc="seek">
+              <p:cTn id="2" dur="indefinite" nodeType="mainSeq">
+                <p:childTnLst>
+                  <p:par>
+                    <p:cTn id="3" fill="hold">
+                      <p:stCondLst>
+                        <p:cond delay="indefinite"/>
+                      </p:stCondLst>
+                      <p:childTnLst>
+                        <p:par>
+                          <p:cTn id="4" fill="hold">
+                            <p:stCondLst>
+                              <p:cond delay="0"/>
+                            </p:stCondLst>
+                            <p:childTnLst>
+                              <p:par>
+                                <p:cTn id="5" presetID="17" presetClass="entr" presetSubtype="10" fill="hold" grpId="0" nodeType="clickEffect">
+                                  <p:stCondLst>
+                                    <p:cond delay="0"/>
+                                  </p:stCondLst>
+                                  <p:childTnLst>
+                                    <p:set>
+                                      <p:cBhvr>
+                                        <p:cTn id="6" dur="1" fill="hold">
+                                          <p:stCondLst>
+                                            <p:cond delay="0"/>
+                                          </p:stCondLst>
+                                        </p:cTn>
+                                        <p:tgtEl>
+                                          <p:spTgt spid="6"/>
+                                        </p:tgtEl>
+                                        <p:attrNameLst>
+                                          <p:attrName>style.visibility</p:attrName>
+                                        </p:attrNameLst>
+                                      </p:cBhvr>
+                                      <p:to>
+                                        <p:strVal val="visible"/>
+                                      </p:to>
+                                    </p:set>
+                                    <p:anim calcmode="lin" valueType="num">
+                                      <p:cBhvr>
+                                        <p:cTn id="7" dur="500" fill="hold"/>
+                                        <p:tgtEl>
+                                          <p:spTgt spid="6"/>
+                                        </p:tgtEl>
+                                        <p:attrNameLst>
+                                          <p:attrName>ppt_w</p:attrName>
+                                        </p:attrNameLst>
+                                      </p:cBhvr>
+                                      <p:tavLst>
+                                        <p:tav tm="0">
+                                          <p:val>
+                                            <p:fltVal val="0"/>
+                                          </p:val>
+                                        </p:tav>
+                                        <p:tav tm="100000">
+                                          <p:val>
+                                            <p:strVal val="#ppt_w"/>
+                                          </p:val>
+                                        </p:tav>
+                                      </p:tavLst>
+                                    </p:anim>
+                                    <p:anim calcmode="lin" valueType="num">
+                                      <p:cBhvr>
+                                        <p:cTn id="8" dur="500" fill="hold"/>
+                                        <p:tgtEl>
+                                          <p:spTgt spid="6"/>
+                                        </p:tgtEl>
+                                        <p:attrNameLst>
+                                          <p:attrName>ppt_h</p:attrName>
+                                        </p:attrNameLst>
+                                      </p:cBhvr>
+                                      <p:tavLst>
+                                        <p:tav tm="0">
+                                          <p:val>
+                                            <p:strVal val="#ppt_h"/>
+                                          </p:val>
+                                        </p:tav>
+                                        <p:tav tm="100000">
+                                          <p:val>
+                                            <p:strVal val="#ppt_h"/>
+                                          </p:val>
+                                        </p:tav>
+                                      </p:tavLst>
+                                    </p:anim>
+                                  </p:childTnLst>
+                                </p:cTn>
+                              </p:par>
+                            </p:childTnLst>
+                          </p:cTn>
+                        </p:par>
+                      </p:childTnLst>
+                    </p:cTn>
+                  </p:par>
+                </p:childTnLst>
+              </p:cTn>
+              <p:prevCondLst>
+                <p:cond evt="onPrev" delay="0">
+                  <p:tgtEl>
+                    <p:sldTgt/>
+                  </p:tgtEl>
+                </p:cond>
+              </p:prevCondLst>
+              <p:nextCondLst>
+                <p:cond evt="onNext" delay="0">
+                  <p:tgtEl>
+                    <p:sldTgt/>
+                  </p:tgtEl>
+                </p:cond>
+              </p:nextCondLst>
+            </p:seq>
+          </p:childTnLst>
+        </p:cTn>
+      </p:par>
+    </p:tnLst>
+    <p:bldLst>
+      <p:bldGraphic spid="6" grpId="0">
+        <p:bldAsOne/>
+      </p:bldGraphic>
+    </p:bldLst>
   </p:timing>
 </p:sld>
 </file>
@@ -17210,12 +20211,601 @@
   <p:clrMapOvr>
     <a:masterClrMapping/>
   </p:clrMapOvr>
+  <p:transition spd="slow">
+    <p:push dir="u"/>
+  </p:transition>
   <p:timing>
     <p:tnLst>
       <p:par>
-        <p:cTn id="1" dur="indefinite" restart="never" nodeType="tmRoot"/>
+        <p:cTn id="1" dur="indefinite" restart="never" nodeType="tmRoot">
+          <p:childTnLst>
+            <p:seq concurrent="1" nextAc="seek">
+              <p:cTn id="2" dur="indefinite" nodeType="mainSeq">
+                <p:childTnLst>
+                  <p:par>
+                    <p:cTn id="3" fill="hold">
+                      <p:stCondLst>
+                        <p:cond delay="indefinite"/>
+                        <p:cond evt="onBegin" delay="0">
+                          <p:tn val="2"/>
+                        </p:cond>
+                      </p:stCondLst>
+                      <p:childTnLst>
+                        <p:par>
+                          <p:cTn id="4" fill="hold">
+                            <p:stCondLst>
+                              <p:cond delay="0"/>
+                            </p:stCondLst>
+                            <p:childTnLst>
+                              <p:par>
+                                <p:cTn id="5" presetID="42" presetClass="entr" presetSubtype="0" fill="hold" grpId="0" nodeType="withEffect">
+                                  <p:stCondLst>
+                                    <p:cond delay="0"/>
+                                  </p:stCondLst>
+                                  <p:childTnLst>
+                                    <p:set>
+                                      <p:cBhvr>
+                                        <p:cTn id="6" dur="1" fill="hold">
+                                          <p:stCondLst>
+                                            <p:cond delay="0"/>
+                                          </p:stCondLst>
+                                        </p:cTn>
+                                        <p:tgtEl>
+                                          <p:spTgt spid="25603">
+                                            <p:txEl>
+                                              <p:pRg st="0" end="0"/>
+                                            </p:txEl>
+                                          </p:spTgt>
+                                        </p:tgtEl>
+                                        <p:attrNameLst>
+                                          <p:attrName>style.visibility</p:attrName>
+                                        </p:attrNameLst>
+                                      </p:cBhvr>
+                                      <p:to>
+                                        <p:strVal val="visible"/>
+                                      </p:to>
+                                    </p:set>
+                                    <p:animEffect transition="in" filter="fade">
+                                      <p:cBhvr>
+                                        <p:cTn id="7" dur="1000"/>
+                                        <p:tgtEl>
+                                          <p:spTgt spid="25603">
+                                            <p:txEl>
+                                              <p:pRg st="0" end="0"/>
+                                            </p:txEl>
+                                          </p:spTgt>
+                                        </p:tgtEl>
+                                      </p:cBhvr>
+                                    </p:animEffect>
+                                    <p:anim calcmode="lin" valueType="num">
+                                      <p:cBhvr>
+                                        <p:cTn id="8" dur="1000" fill="hold"/>
+                                        <p:tgtEl>
+                                          <p:spTgt spid="25603">
+                                            <p:txEl>
+                                              <p:pRg st="0" end="0"/>
+                                            </p:txEl>
+                                          </p:spTgt>
+                                        </p:tgtEl>
+                                        <p:attrNameLst>
+                                          <p:attrName>ppt_x</p:attrName>
+                                        </p:attrNameLst>
+                                      </p:cBhvr>
+                                      <p:tavLst>
+                                        <p:tav tm="0">
+                                          <p:val>
+                                            <p:strVal val="#ppt_x"/>
+                                          </p:val>
+                                        </p:tav>
+                                        <p:tav tm="100000">
+                                          <p:val>
+                                            <p:strVal val="#ppt_x"/>
+                                          </p:val>
+                                        </p:tav>
+                                      </p:tavLst>
+                                    </p:anim>
+                                    <p:anim calcmode="lin" valueType="num">
+                                      <p:cBhvr>
+                                        <p:cTn id="9" dur="1000" fill="hold"/>
+                                        <p:tgtEl>
+                                          <p:spTgt spid="25603">
+                                            <p:txEl>
+                                              <p:pRg st="0" end="0"/>
+                                            </p:txEl>
+                                          </p:spTgt>
+                                        </p:tgtEl>
+                                        <p:attrNameLst>
+                                          <p:attrName>ppt_y</p:attrName>
+                                        </p:attrNameLst>
+                                      </p:cBhvr>
+                                      <p:tavLst>
+                                        <p:tav tm="0">
+                                          <p:val>
+                                            <p:strVal val="#ppt_y+.1"/>
+                                          </p:val>
+                                        </p:tav>
+                                        <p:tav tm="100000">
+                                          <p:val>
+                                            <p:strVal val="#ppt_y"/>
+                                          </p:val>
+                                        </p:tav>
+                                      </p:tavLst>
+                                    </p:anim>
+                                  </p:childTnLst>
+                                </p:cTn>
+                              </p:par>
+                              <p:par>
+                                <p:cTn id="10" presetID="42" presetClass="entr" presetSubtype="0" fill="hold" grpId="0" nodeType="withEffect">
+                                  <p:stCondLst>
+                                    <p:cond delay="0"/>
+                                  </p:stCondLst>
+                                  <p:childTnLst>
+                                    <p:set>
+                                      <p:cBhvr>
+                                        <p:cTn id="11" dur="1" fill="hold">
+                                          <p:stCondLst>
+                                            <p:cond delay="0"/>
+                                          </p:stCondLst>
+                                        </p:cTn>
+                                        <p:tgtEl>
+                                          <p:spTgt spid="25603">
+                                            <p:txEl>
+                                              <p:pRg st="1" end="1"/>
+                                            </p:txEl>
+                                          </p:spTgt>
+                                        </p:tgtEl>
+                                        <p:attrNameLst>
+                                          <p:attrName>style.visibility</p:attrName>
+                                        </p:attrNameLst>
+                                      </p:cBhvr>
+                                      <p:to>
+                                        <p:strVal val="visible"/>
+                                      </p:to>
+                                    </p:set>
+                                    <p:animEffect transition="in" filter="fade">
+                                      <p:cBhvr>
+                                        <p:cTn id="12" dur="1000"/>
+                                        <p:tgtEl>
+                                          <p:spTgt spid="25603">
+                                            <p:txEl>
+                                              <p:pRg st="1" end="1"/>
+                                            </p:txEl>
+                                          </p:spTgt>
+                                        </p:tgtEl>
+                                      </p:cBhvr>
+                                    </p:animEffect>
+                                    <p:anim calcmode="lin" valueType="num">
+                                      <p:cBhvr>
+                                        <p:cTn id="13" dur="1000" fill="hold"/>
+                                        <p:tgtEl>
+                                          <p:spTgt spid="25603">
+                                            <p:txEl>
+                                              <p:pRg st="1" end="1"/>
+                                            </p:txEl>
+                                          </p:spTgt>
+                                        </p:tgtEl>
+                                        <p:attrNameLst>
+                                          <p:attrName>ppt_x</p:attrName>
+                                        </p:attrNameLst>
+                                      </p:cBhvr>
+                                      <p:tavLst>
+                                        <p:tav tm="0">
+                                          <p:val>
+                                            <p:strVal val="#ppt_x"/>
+                                          </p:val>
+                                        </p:tav>
+                                        <p:tav tm="100000">
+                                          <p:val>
+                                            <p:strVal val="#ppt_x"/>
+                                          </p:val>
+                                        </p:tav>
+                                      </p:tavLst>
+                                    </p:anim>
+                                    <p:anim calcmode="lin" valueType="num">
+                                      <p:cBhvr>
+                                        <p:cTn id="14" dur="1000" fill="hold"/>
+                                        <p:tgtEl>
+                                          <p:spTgt spid="25603">
+                                            <p:txEl>
+                                              <p:pRg st="1" end="1"/>
+                                            </p:txEl>
+                                          </p:spTgt>
+                                        </p:tgtEl>
+                                        <p:attrNameLst>
+                                          <p:attrName>ppt_y</p:attrName>
+                                        </p:attrNameLst>
+                                      </p:cBhvr>
+                                      <p:tavLst>
+                                        <p:tav tm="0">
+                                          <p:val>
+                                            <p:strVal val="#ppt_y+.1"/>
+                                          </p:val>
+                                        </p:tav>
+                                        <p:tav tm="100000">
+                                          <p:val>
+                                            <p:strVal val="#ppt_y"/>
+                                          </p:val>
+                                        </p:tav>
+                                      </p:tavLst>
+                                    </p:anim>
+                                  </p:childTnLst>
+                                </p:cTn>
+                              </p:par>
+                            </p:childTnLst>
+                          </p:cTn>
+                        </p:par>
+                      </p:childTnLst>
+                    </p:cTn>
+                  </p:par>
+                  <p:par>
+                    <p:cTn id="15" fill="hold">
+                      <p:stCondLst>
+                        <p:cond delay="indefinite"/>
+                      </p:stCondLst>
+                      <p:childTnLst>
+                        <p:par>
+                          <p:cTn id="16" fill="hold">
+                            <p:stCondLst>
+                              <p:cond delay="0"/>
+                            </p:stCondLst>
+                            <p:childTnLst>
+                              <p:par>
+                                <p:cTn id="17" presetID="42" presetClass="entr" presetSubtype="0" fill="hold" grpId="0" nodeType="clickEffect">
+                                  <p:stCondLst>
+                                    <p:cond delay="0"/>
+                                  </p:stCondLst>
+                                  <p:childTnLst>
+                                    <p:set>
+                                      <p:cBhvr>
+                                        <p:cTn id="18" dur="1" fill="hold">
+                                          <p:stCondLst>
+                                            <p:cond delay="0"/>
+                                          </p:stCondLst>
+                                        </p:cTn>
+                                        <p:tgtEl>
+                                          <p:spTgt spid="25603">
+                                            <p:txEl>
+                                              <p:pRg st="2" end="2"/>
+                                            </p:txEl>
+                                          </p:spTgt>
+                                        </p:tgtEl>
+                                        <p:attrNameLst>
+                                          <p:attrName>style.visibility</p:attrName>
+                                        </p:attrNameLst>
+                                      </p:cBhvr>
+                                      <p:to>
+                                        <p:strVal val="visible"/>
+                                      </p:to>
+                                    </p:set>
+                                    <p:animEffect transition="in" filter="fade">
+                                      <p:cBhvr>
+                                        <p:cTn id="19" dur="1000"/>
+                                        <p:tgtEl>
+                                          <p:spTgt spid="25603">
+                                            <p:txEl>
+                                              <p:pRg st="2" end="2"/>
+                                            </p:txEl>
+                                          </p:spTgt>
+                                        </p:tgtEl>
+                                      </p:cBhvr>
+                                    </p:animEffect>
+                                    <p:anim calcmode="lin" valueType="num">
+                                      <p:cBhvr>
+                                        <p:cTn id="20" dur="1000" fill="hold"/>
+                                        <p:tgtEl>
+                                          <p:spTgt spid="25603">
+                                            <p:txEl>
+                                              <p:pRg st="2" end="2"/>
+                                            </p:txEl>
+                                          </p:spTgt>
+                                        </p:tgtEl>
+                                        <p:attrNameLst>
+                                          <p:attrName>ppt_x</p:attrName>
+                                        </p:attrNameLst>
+                                      </p:cBhvr>
+                                      <p:tavLst>
+                                        <p:tav tm="0">
+                                          <p:val>
+                                            <p:strVal val="#ppt_x"/>
+                                          </p:val>
+                                        </p:tav>
+                                        <p:tav tm="100000">
+                                          <p:val>
+                                            <p:strVal val="#ppt_x"/>
+                                          </p:val>
+                                        </p:tav>
+                                      </p:tavLst>
+                                    </p:anim>
+                                    <p:anim calcmode="lin" valueType="num">
+                                      <p:cBhvr>
+                                        <p:cTn id="21" dur="1000" fill="hold"/>
+                                        <p:tgtEl>
+                                          <p:spTgt spid="25603">
+                                            <p:txEl>
+                                              <p:pRg st="2" end="2"/>
+                                            </p:txEl>
+                                          </p:spTgt>
+                                        </p:tgtEl>
+                                        <p:attrNameLst>
+                                          <p:attrName>ppt_y</p:attrName>
+                                        </p:attrNameLst>
+                                      </p:cBhvr>
+                                      <p:tavLst>
+                                        <p:tav tm="0">
+                                          <p:val>
+                                            <p:strVal val="#ppt_y+.1"/>
+                                          </p:val>
+                                        </p:tav>
+                                        <p:tav tm="100000">
+                                          <p:val>
+                                            <p:strVal val="#ppt_y"/>
+                                          </p:val>
+                                        </p:tav>
+                                      </p:tavLst>
+                                    </p:anim>
+                                  </p:childTnLst>
+                                </p:cTn>
+                              </p:par>
+                            </p:childTnLst>
+                          </p:cTn>
+                        </p:par>
+                      </p:childTnLst>
+                    </p:cTn>
+                  </p:par>
+                  <p:par>
+                    <p:cTn id="22" fill="hold">
+                      <p:stCondLst>
+                        <p:cond delay="indefinite"/>
+                      </p:stCondLst>
+                      <p:childTnLst>
+                        <p:par>
+                          <p:cTn id="23" fill="hold">
+                            <p:stCondLst>
+                              <p:cond delay="0"/>
+                            </p:stCondLst>
+                            <p:childTnLst>
+                              <p:par>
+                                <p:cTn id="24" presetID="42" presetClass="entr" presetSubtype="0" fill="hold" grpId="0" nodeType="clickEffect">
+                                  <p:stCondLst>
+                                    <p:cond delay="0"/>
+                                  </p:stCondLst>
+                                  <p:childTnLst>
+                                    <p:set>
+                                      <p:cBhvr>
+                                        <p:cTn id="25" dur="1" fill="hold">
+                                          <p:stCondLst>
+                                            <p:cond delay="0"/>
+                                          </p:stCondLst>
+                                        </p:cTn>
+                                        <p:tgtEl>
+                                          <p:spTgt spid="25603">
+                                            <p:txEl>
+                                              <p:pRg st="3" end="3"/>
+                                            </p:txEl>
+                                          </p:spTgt>
+                                        </p:tgtEl>
+                                        <p:attrNameLst>
+                                          <p:attrName>style.visibility</p:attrName>
+                                        </p:attrNameLst>
+                                      </p:cBhvr>
+                                      <p:to>
+                                        <p:strVal val="visible"/>
+                                      </p:to>
+                                    </p:set>
+                                    <p:animEffect transition="in" filter="fade">
+                                      <p:cBhvr>
+                                        <p:cTn id="26" dur="1000"/>
+                                        <p:tgtEl>
+                                          <p:spTgt spid="25603">
+                                            <p:txEl>
+                                              <p:pRg st="3" end="3"/>
+                                            </p:txEl>
+                                          </p:spTgt>
+                                        </p:tgtEl>
+                                      </p:cBhvr>
+                                    </p:animEffect>
+                                    <p:anim calcmode="lin" valueType="num">
+                                      <p:cBhvr>
+                                        <p:cTn id="27" dur="1000" fill="hold"/>
+                                        <p:tgtEl>
+                                          <p:spTgt spid="25603">
+                                            <p:txEl>
+                                              <p:pRg st="3" end="3"/>
+                                            </p:txEl>
+                                          </p:spTgt>
+                                        </p:tgtEl>
+                                        <p:attrNameLst>
+                                          <p:attrName>ppt_x</p:attrName>
+                                        </p:attrNameLst>
+                                      </p:cBhvr>
+                                      <p:tavLst>
+                                        <p:tav tm="0">
+                                          <p:val>
+                                            <p:strVal val="#ppt_x"/>
+                                          </p:val>
+                                        </p:tav>
+                                        <p:tav tm="100000">
+                                          <p:val>
+                                            <p:strVal val="#ppt_x"/>
+                                          </p:val>
+                                        </p:tav>
+                                      </p:tavLst>
+                                    </p:anim>
+                                    <p:anim calcmode="lin" valueType="num">
+                                      <p:cBhvr>
+                                        <p:cTn id="28" dur="1000" fill="hold"/>
+                                        <p:tgtEl>
+                                          <p:spTgt spid="25603">
+                                            <p:txEl>
+                                              <p:pRg st="3" end="3"/>
+                                            </p:txEl>
+                                          </p:spTgt>
+                                        </p:tgtEl>
+                                        <p:attrNameLst>
+                                          <p:attrName>ppt_y</p:attrName>
+                                        </p:attrNameLst>
+                                      </p:cBhvr>
+                                      <p:tavLst>
+                                        <p:tav tm="0">
+                                          <p:val>
+                                            <p:strVal val="#ppt_y+.1"/>
+                                          </p:val>
+                                        </p:tav>
+                                        <p:tav tm="100000">
+                                          <p:val>
+                                            <p:strVal val="#ppt_y"/>
+                                          </p:val>
+                                        </p:tav>
+                                      </p:tavLst>
+                                    </p:anim>
+                                  </p:childTnLst>
+                                </p:cTn>
+                              </p:par>
+                            </p:childTnLst>
+                          </p:cTn>
+                        </p:par>
+                      </p:childTnLst>
+                    </p:cTn>
+                  </p:par>
+                  <p:par>
+                    <p:cTn id="29" fill="hold">
+                      <p:stCondLst>
+                        <p:cond delay="indefinite"/>
+                      </p:stCondLst>
+                      <p:childTnLst>
+                        <p:par>
+                          <p:cTn id="30" fill="hold">
+                            <p:stCondLst>
+                              <p:cond delay="0"/>
+                            </p:stCondLst>
+                            <p:childTnLst>
+                              <p:par>
+                                <p:cTn id="31" presetID="42" presetClass="entr" presetSubtype="0" fill="hold" grpId="0" nodeType="clickEffect">
+                                  <p:stCondLst>
+                                    <p:cond delay="0"/>
+                                  </p:stCondLst>
+                                  <p:childTnLst>
+                                    <p:set>
+                                      <p:cBhvr>
+                                        <p:cTn id="32" dur="1" fill="hold">
+                                          <p:stCondLst>
+                                            <p:cond delay="0"/>
+                                          </p:stCondLst>
+                                        </p:cTn>
+                                        <p:tgtEl>
+                                          <p:spTgt spid="25603">
+                                            <p:txEl>
+                                              <p:pRg st="4" end="4"/>
+                                            </p:txEl>
+                                          </p:spTgt>
+                                        </p:tgtEl>
+                                        <p:attrNameLst>
+                                          <p:attrName>style.visibility</p:attrName>
+                                        </p:attrNameLst>
+                                      </p:cBhvr>
+                                      <p:to>
+                                        <p:strVal val="visible"/>
+                                      </p:to>
+                                    </p:set>
+                                    <p:animEffect transition="in" filter="fade">
+                                      <p:cBhvr>
+                                        <p:cTn id="33" dur="1000"/>
+                                        <p:tgtEl>
+                                          <p:spTgt spid="25603">
+                                            <p:txEl>
+                                              <p:pRg st="4" end="4"/>
+                                            </p:txEl>
+                                          </p:spTgt>
+                                        </p:tgtEl>
+                                      </p:cBhvr>
+                                    </p:animEffect>
+                                    <p:anim calcmode="lin" valueType="num">
+                                      <p:cBhvr>
+                                        <p:cTn id="34" dur="1000" fill="hold"/>
+                                        <p:tgtEl>
+                                          <p:spTgt spid="25603">
+                                            <p:txEl>
+                                              <p:pRg st="4" end="4"/>
+                                            </p:txEl>
+                                          </p:spTgt>
+                                        </p:tgtEl>
+                                        <p:attrNameLst>
+                                          <p:attrName>ppt_x</p:attrName>
+                                        </p:attrNameLst>
+                                      </p:cBhvr>
+                                      <p:tavLst>
+                                        <p:tav tm="0">
+                                          <p:val>
+                                            <p:strVal val="#ppt_x"/>
+                                          </p:val>
+                                        </p:tav>
+                                        <p:tav tm="100000">
+                                          <p:val>
+                                            <p:strVal val="#ppt_x"/>
+                                          </p:val>
+                                        </p:tav>
+                                      </p:tavLst>
+                                    </p:anim>
+                                    <p:anim calcmode="lin" valueType="num">
+                                      <p:cBhvr>
+                                        <p:cTn id="35" dur="1000" fill="hold"/>
+                                        <p:tgtEl>
+                                          <p:spTgt spid="25603">
+                                            <p:txEl>
+                                              <p:pRg st="4" end="4"/>
+                                            </p:txEl>
+                                          </p:spTgt>
+                                        </p:tgtEl>
+                                        <p:attrNameLst>
+                                          <p:attrName>ppt_y</p:attrName>
+                                        </p:attrNameLst>
+                                      </p:cBhvr>
+                                      <p:tavLst>
+                                        <p:tav tm="0">
+                                          <p:val>
+                                            <p:strVal val="#ppt_y+.1"/>
+                                          </p:val>
+                                        </p:tav>
+                                        <p:tav tm="100000">
+                                          <p:val>
+                                            <p:strVal val="#ppt_y"/>
+                                          </p:val>
+                                        </p:tav>
+                                      </p:tavLst>
+                                    </p:anim>
+                                  </p:childTnLst>
+                                </p:cTn>
+                              </p:par>
+                            </p:childTnLst>
+                          </p:cTn>
+                        </p:par>
+                      </p:childTnLst>
+                    </p:cTn>
+                  </p:par>
+                </p:childTnLst>
+              </p:cTn>
+              <p:prevCondLst>
+                <p:cond evt="onPrev" delay="0">
+                  <p:tgtEl>
+                    <p:sldTgt/>
+                  </p:tgtEl>
+                </p:cond>
+              </p:prevCondLst>
+              <p:nextCondLst>
+                <p:cond evt="onNext" delay="0">
+                  <p:tgtEl>
+                    <p:sldTgt/>
+                  </p:tgtEl>
+                </p:cond>
+              </p:nextCondLst>
+            </p:seq>
+          </p:childTnLst>
+        </p:cTn>
       </p:par>
     </p:tnLst>
+    <p:bldLst>
+      <p:bldP spid="25603" grpId="0" uiExpand="1" build="p"/>
+    </p:bldLst>
   </p:timing>
 </p:sld>
 </file>
@@ -17354,12 +20944,386 @@
   <p:clrMapOvr>
     <a:masterClrMapping/>
   </p:clrMapOvr>
+  <p:transition spd="slow">
+    <p:push dir="u"/>
+  </p:transition>
   <p:timing>
     <p:tnLst>
       <p:par>
-        <p:cTn id="1" dur="indefinite" restart="never" nodeType="tmRoot"/>
+        <p:cTn id="1" dur="indefinite" restart="never" nodeType="tmRoot">
+          <p:childTnLst>
+            <p:seq concurrent="1" nextAc="seek">
+              <p:cTn id="2" dur="indefinite" nodeType="mainSeq">
+                <p:childTnLst>
+                  <p:par>
+                    <p:cTn id="3" fill="hold">
+                      <p:stCondLst>
+                        <p:cond delay="indefinite"/>
+                      </p:stCondLst>
+                      <p:childTnLst>
+                        <p:par>
+                          <p:cTn id="4" fill="hold">
+                            <p:stCondLst>
+                              <p:cond delay="0"/>
+                            </p:stCondLst>
+                            <p:childTnLst>
+                              <p:par>
+                                <p:cTn id="5" presetID="42" presetClass="entr" presetSubtype="0" fill="hold" grpId="0" nodeType="clickEffect">
+                                  <p:stCondLst>
+                                    <p:cond delay="0"/>
+                                  </p:stCondLst>
+                                  <p:childTnLst>
+                                    <p:set>
+                                      <p:cBhvr>
+                                        <p:cTn id="6" dur="1" fill="hold">
+                                          <p:stCondLst>
+                                            <p:cond delay="0"/>
+                                          </p:stCondLst>
+                                        </p:cTn>
+                                        <p:tgtEl>
+                                          <p:spTgt spid="25603">
+                                            <p:txEl>
+                                              <p:pRg st="1" end="1"/>
+                                            </p:txEl>
+                                          </p:spTgt>
+                                        </p:tgtEl>
+                                        <p:attrNameLst>
+                                          <p:attrName>style.visibility</p:attrName>
+                                        </p:attrNameLst>
+                                      </p:cBhvr>
+                                      <p:to>
+                                        <p:strVal val="visible"/>
+                                      </p:to>
+                                    </p:set>
+                                    <p:animEffect transition="in" filter="fade">
+                                      <p:cBhvr>
+                                        <p:cTn id="7" dur="1000"/>
+                                        <p:tgtEl>
+                                          <p:spTgt spid="25603">
+                                            <p:txEl>
+                                              <p:pRg st="1" end="1"/>
+                                            </p:txEl>
+                                          </p:spTgt>
+                                        </p:tgtEl>
+                                      </p:cBhvr>
+                                    </p:animEffect>
+                                    <p:anim calcmode="lin" valueType="num">
+                                      <p:cBhvr>
+                                        <p:cTn id="8" dur="1000" fill="hold"/>
+                                        <p:tgtEl>
+                                          <p:spTgt spid="25603">
+                                            <p:txEl>
+                                              <p:pRg st="1" end="1"/>
+                                            </p:txEl>
+                                          </p:spTgt>
+                                        </p:tgtEl>
+                                        <p:attrNameLst>
+                                          <p:attrName>ppt_x</p:attrName>
+                                        </p:attrNameLst>
+                                      </p:cBhvr>
+                                      <p:tavLst>
+                                        <p:tav tm="0">
+                                          <p:val>
+                                            <p:strVal val="#ppt_x"/>
+                                          </p:val>
+                                        </p:tav>
+                                        <p:tav tm="100000">
+                                          <p:val>
+                                            <p:strVal val="#ppt_x"/>
+                                          </p:val>
+                                        </p:tav>
+                                      </p:tavLst>
+                                    </p:anim>
+                                    <p:anim calcmode="lin" valueType="num">
+                                      <p:cBhvr>
+                                        <p:cTn id="9" dur="1000" fill="hold"/>
+                                        <p:tgtEl>
+                                          <p:spTgt spid="25603">
+                                            <p:txEl>
+                                              <p:pRg st="1" end="1"/>
+                                            </p:txEl>
+                                          </p:spTgt>
+                                        </p:tgtEl>
+                                        <p:attrNameLst>
+                                          <p:attrName>ppt_y</p:attrName>
+                                        </p:attrNameLst>
+                                      </p:cBhvr>
+                                      <p:tavLst>
+                                        <p:tav tm="0">
+                                          <p:val>
+                                            <p:strVal val="#ppt_y+.1"/>
+                                          </p:val>
+                                        </p:tav>
+                                        <p:tav tm="100000">
+                                          <p:val>
+                                            <p:strVal val="#ppt_y"/>
+                                          </p:val>
+                                        </p:tav>
+                                      </p:tavLst>
+                                    </p:anim>
+                                  </p:childTnLst>
+                                </p:cTn>
+                              </p:par>
+                            </p:childTnLst>
+                          </p:cTn>
+                        </p:par>
+                      </p:childTnLst>
+                    </p:cTn>
+                  </p:par>
+                  <p:par>
+                    <p:cTn id="10" fill="hold">
+                      <p:stCondLst>
+                        <p:cond delay="indefinite"/>
+                      </p:stCondLst>
+                      <p:childTnLst>
+                        <p:par>
+                          <p:cTn id="11" fill="hold">
+                            <p:stCondLst>
+                              <p:cond delay="0"/>
+                            </p:stCondLst>
+                            <p:childTnLst>
+                              <p:par>
+                                <p:cTn id="12" presetID="42" presetClass="entr" presetSubtype="0" fill="hold" grpId="0" nodeType="clickEffect">
+                                  <p:stCondLst>
+                                    <p:cond delay="0"/>
+                                  </p:stCondLst>
+                                  <p:childTnLst>
+                                    <p:set>
+                                      <p:cBhvr>
+                                        <p:cTn id="13" dur="1" fill="hold">
+                                          <p:stCondLst>
+                                            <p:cond delay="0"/>
+                                          </p:stCondLst>
+                                        </p:cTn>
+                                        <p:tgtEl>
+                                          <p:spTgt spid="25603">
+                                            <p:txEl>
+                                              <p:pRg st="2" end="2"/>
+                                            </p:txEl>
+                                          </p:spTgt>
+                                        </p:tgtEl>
+                                        <p:attrNameLst>
+                                          <p:attrName>style.visibility</p:attrName>
+                                        </p:attrNameLst>
+                                      </p:cBhvr>
+                                      <p:to>
+                                        <p:strVal val="visible"/>
+                                      </p:to>
+                                    </p:set>
+                                    <p:animEffect transition="in" filter="fade">
+                                      <p:cBhvr>
+                                        <p:cTn id="14" dur="1000"/>
+                                        <p:tgtEl>
+                                          <p:spTgt spid="25603">
+                                            <p:txEl>
+                                              <p:pRg st="2" end="2"/>
+                                            </p:txEl>
+                                          </p:spTgt>
+                                        </p:tgtEl>
+                                      </p:cBhvr>
+                                    </p:animEffect>
+                                    <p:anim calcmode="lin" valueType="num">
+                                      <p:cBhvr>
+                                        <p:cTn id="15" dur="1000" fill="hold"/>
+                                        <p:tgtEl>
+                                          <p:spTgt spid="25603">
+                                            <p:txEl>
+                                              <p:pRg st="2" end="2"/>
+                                            </p:txEl>
+                                          </p:spTgt>
+                                        </p:tgtEl>
+                                        <p:attrNameLst>
+                                          <p:attrName>ppt_x</p:attrName>
+                                        </p:attrNameLst>
+                                      </p:cBhvr>
+                                      <p:tavLst>
+                                        <p:tav tm="0">
+                                          <p:val>
+                                            <p:strVal val="#ppt_x"/>
+                                          </p:val>
+                                        </p:tav>
+                                        <p:tav tm="100000">
+                                          <p:val>
+                                            <p:strVal val="#ppt_x"/>
+                                          </p:val>
+                                        </p:tav>
+                                      </p:tavLst>
+                                    </p:anim>
+                                    <p:anim calcmode="lin" valueType="num">
+                                      <p:cBhvr>
+                                        <p:cTn id="16" dur="1000" fill="hold"/>
+                                        <p:tgtEl>
+                                          <p:spTgt spid="25603">
+                                            <p:txEl>
+                                              <p:pRg st="2" end="2"/>
+                                            </p:txEl>
+                                          </p:spTgt>
+                                        </p:tgtEl>
+                                        <p:attrNameLst>
+                                          <p:attrName>ppt_y</p:attrName>
+                                        </p:attrNameLst>
+                                      </p:cBhvr>
+                                      <p:tavLst>
+                                        <p:tav tm="0">
+                                          <p:val>
+                                            <p:strVal val="#ppt_y+.1"/>
+                                          </p:val>
+                                        </p:tav>
+                                        <p:tav tm="100000">
+                                          <p:val>
+                                            <p:strVal val="#ppt_y"/>
+                                          </p:val>
+                                        </p:tav>
+                                      </p:tavLst>
+                                    </p:anim>
+                                  </p:childTnLst>
+                                </p:cTn>
+                              </p:par>
+                            </p:childTnLst>
+                          </p:cTn>
+                        </p:par>
+                      </p:childTnLst>
+                    </p:cTn>
+                  </p:par>
+                  <p:par>
+                    <p:cTn id="17" fill="hold">
+                      <p:stCondLst>
+                        <p:cond delay="indefinite"/>
+                      </p:stCondLst>
+                      <p:childTnLst>
+                        <p:par>
+                          <p:cTn id="18" fill="hold">
+                            <p:stCondLst>
+                              <p:cond delay="0"/>
+                            </p:stCondLst>
+                            <p:childTnLst>
+                              <p:par>
+                                <p:cTn id="19" presetID="42" presetClass="entr" presetSubtype="0" fill="hold" grpId="0" nodeType="clickEffect">
+                                  <p:stCondLst>
+                                    <p:cond delay="0"/>
+                                  </p:stCondLst>
+                                  <p:childTnLst>
+                                    <p:set>
+                                      <p:cBhvr>
+                                        <p:cTn id="20" dur="1" fill="hold">
+                                          <p:stCondLst>
+                                            <p:cond delay="0"/>
+                                          </p:stCondLst>
+                                        </p:cTn>
+                                        <p:tgtEl>
+                                          <p:spTgt spid="25603">
+                                            <p:txEl>
+                                              <p:pRg st="3" end="3"/>
+                                            </p:txEl>
+                                          </p:spTgt>
+                                        </p:tgtEl>
+                                        <p:attrNameLst>
+                                          <p:attrName>style.visibility</p:attrName>
+                                        </p:attrNameLst>
+                                      </p:cBhvr>
+                                      <p:to>
+                                        <p:strVal val="visible"/>
+                                      </p:to>
+                                    </p:set>
+                                    <p:animEffect transition="in" filter="fade">
+                                      <p:cBhvr>
+                                        <p:cTn id="21" dur="1000"/>
+                                        <p:tgtEl>
+                                          <p:spTgt spid="25603">
+                                            <p:txEl>
+                                              <p:pRg st="3" end="3"/>
+                                            </p:txEl>
+                                          </p:spTgt>
+                                        </p:tgtEl>
+                                      </p:cBhvr>
+                                    </p:animEffect>
+                                    <p:anim calcmode="lin" valueType="num">
+                                      <p:cBhvr>
+                                        <p:cTn id="22" dur="1000" fill="hold"/>
+                                        <p:tgtEl>
+                                          <p:spTgt spid="25603">
+                                            <p:txEl>
+                                              <p:pRg st="3" end="3"/>
+                                            </p:txEl>
+                                          </p:spTgt>
+                                        </p:tgtEl>
+                                        <p:attrNameLst>
+                                          <p:attrName>ppt_x</p:attrName>
+                                        </p:attrNameLst>
+                                      </p:cBhvr>
+                                      <p:tavLst>
+                                        <p:tav tm="0">
+                                          <p:val>
+                                            <p:strVal val="#ppt_x"/>
+                                          </p:val>
+                                        </p:tav>
+                                        <p:tav tm="100000">
+                                          <p:val>
+                                            <p:strVal val="#ppt_x"/>
+                                          </p:val>
+                                        </p:tav>
+                                      </p:tavLst>
+                                    </p:anim>
+                                    <p:anim calcmode="lin" valueType="num">
+                                      <p:cBhvr>
+                                        <p:cTn id="23" dur="1000" fill="hold"/>
+                                        <p:tgtEl>
+                                          <p:spTgt spid="25603">
+                                            <p:txEl>
+                                              <p:pRg st="3" end="3"/>
+                                            </p:txEl>
+                                          </p:spTgt>
+                                        </p:tgtEl>
+                                        <p:attrNameLst>
+                                          <p:attrName>ppt_y</p:attrName>
+                                        </p:attrNameLst>
+                                      </p:cBhvr>
+                                      <p:tavLst>
+                                        <p:tav tm="0">
+                                          <p:val>
+                                            <p:strVal val="#ppt_y+.1"/>
+                                          </p:val>
+                                        </p:tav>
+                                        <p:tav tm="100000">
+                                          <p:val>
+                                            <p:strVal val="#ppt_y"/>
+                                          </p:val>
+                                        </p:tav>
+                                      </p:tavLst>
+                                    </p:anim>
+                                  </p:childTnLst>
+                                </p:cTn>
+                              </p:par>
+                            </p:childTnLst>
+                          </p:cTn>
+                        </p:par>
+                      </p:childTnLst>
+                    </p:cTn>
+                  </p:par>
+                </p:childTnLst>
+              </p:cTn>
+              <p:prevCondLst>
+                <p:cond evt="onPrev" delay="0">
+                  <p:tgtEl>
+                    <p:sldTgt/>
+                  </p:tgtEl>
+                </p:cond>
+              </p:prevCondLst>
+              <p:nextCondLst>
+                <p:cond evt="onNext" delay="0">
+                  <p:tgtEl>
+                    <p:sldTgt/>
+                  </p:tgtEl>
+                </p:cond>
+              </p:nextCondLst>
+            </p:seq>
+          </p:childTnLst>
+        </p:cTn>
       </p:par>
     </p:tnLst>
+    <p:bldLst>
+      <p:bldP spid="25603" grpId="0" uiExpand="1" build="p"/>
+    </p:bldLst>
   </p:timing>
 </p:sld>
 </file>
@@ -17477,18 +21441,32 @@
             </a:r>
             <a:r>
               <a:rPr lang="vi-VN" altLang="en-US" sz="2800" u="sng"/>
-              <a:t>phân quyền </a:t>
-            </a:r>
-          </a:p>
-          <a:p>
-            <a:r>
-              <a:rPr lang="vi-VN" altLang="en-US" sz="2800"/>
+              <a:t>phân </a:t>
+            </a:r>
+            <a:r>
+              <a:rPr lang="vi-VN" altLang="en-US" sz="2800" u="sng" smtClean="0"/>
+              <a:t>quyền</a:t>
+            </a:r>
+            <a:r>
+              <a:rPr lang="en-US" altLang="en-US" sz="2800"/>
+              <a:t>.</a:t>
+            </a:r>
+            <a:endParaRPr lang="vi-VN" altLang="en-US" sz="2800" u="sng"/>
+          </a:p>
+          <a:p>
+            <a:r>
+              <a:rPr lang="en-US" altLang="en-US" sz="2800" smtClean="0"/>
               <a:t>Phải </a:t>
             </a:r>
             <a:r>
-              <a:rPr lang="vi-VN" altLang="en-US" sz="2800" u="sng"/>
+              <a:rPr lang="vi-VN" altLang="en-US" sz="2800" u="sng" smtClean="0"/>
               <a:t>bảo mật</a:t>
             </a:r>
+            <a:r>
+              <a:rPr lang="en-US" altLang="en-US" sz="2800"/>
+              <a:t>.</a:t>
+            </a:r>
+            <a:endParaRPr lang="vi-VN" altLang="en-US" sz="2800" u="sng"/>
           </a:p>
           <a:p>
             <a:r>
@@ -17505,8 +21483,32 @@
           <a:p>
             <a:r>
               <a:rPr lang="vi-VN" altLang="en-US" sz="2800"/>
-              <a:t>Có khả năng mở rộng và phát triển</a:t>
-            </a:r>
+              <a:t>Có khả năng mở rộng và </a:t>
+            </a:r>
+            <a:r>
+              <a:rPr lang="vi-VN" altLang="en-US" sz="2800"/>
+              <a:t>phát </a:t>
+            </a:r>
+            <a:r>
+              <a:rPr lang="vi-VN" altLang="en-US" sz="2800" smtClean="0"/>
+              <a:t>triển</a:t>
+            </a:r>
+            <a:r>
+              <a:rPr lang="en-US" altLang="en-US" sz="2800"/>
+              <a:t> </a:t>
+            </a:r>
+            <a:r>
+              <a:rPr lang="en-US" altLang="en-US" sz="2800" smtClean="0"/>
+              <a:t/>
+            </a:r>
+            <a:br>
+              <a:rPr lang="en-US" altLang="en-US" sz="2800" smtClean="0"/>
+            </a:br>
+            <a:r>
+              <a:rPr lang="en-US" altLang="en-US" sz="2800" smtClean="0"/>
+              <a:t>trong tương lai</a:t>
+            </a:r>
+            <a:endParaRPr lang="vi-VN" altLang="en-US" sz="2800"/>
           </a:p>
           <a:p>
             <a:pPr marL="0" indent="0">
@@ -17526,12 +21528,731 @@
   <p:clrMapOvr>
     <a:masterClrMapping/>
   </p:clrMapOvr>
+  <p:transition spd="slow">
+    <p:push dir="u"/>
+  </p:transition>
   <p:timing>
     <p:tnLst>
       <p:par>
-        <p:cTn id="1" dur="indefinite" restart="never" nodeType="tmRoot"/>
+        <p:cTn id="1" dur="indefinite" restart="never" nodeType="tmRoot">
+          <p:childTnLst>
+            <p:seq concurrent="1" nextAc="seek">
+              <p:cTn id="2" dur="indefinite" nodeType="mainSeq">
+                <p:childTnLst>
+                  <p:par>
+                    <p:cTn id="3" fill="hold">
+                      <p:stCondLst>
+                        <p:cond delay="indefinite"/>
+                      </p:stCondLst>
+                      <p:childTnLst>
+                        <p:par>
+                          <p:cTn id="4" fill="hold">
+                            <p:stCondLst>
+                              <p:cond delay="0"/>
+                            </p:stCondLst>
+                            <p:childTnLst>
+                              <p:par>
+                                <p:cTn id="5" presetID="42" presetClass="entr" presetSubtype="0" fill="hold" grpId="0" nodeType="clickEffect">
+                                  <p:stCondLst>
+                                    <p:cond delay="0"/>
+                                  </p:stCondLst>
+                                  <p:childTnLst>
+                                    <p:set>
+                                      <p:cBhvr>
+                                        <p:cTn id="6" dur="1" fill="hold">
+                                          <p:stCondLst>
+                                            <p:cond delay="0"/>
+                                          </p:stCondLst>
+                                        </p:cTn>
+                                        <p:tgtEl>
+                                          <p:spTgt spid="25603">
+                                            <p:txEl>
+                                              <p:pRg st="1" end="1"/>
+                                            </p:txEl>
+                                          </p:spTgt>
+                                        </p:tgtEl>
+                                        <p:attrNameLst>
+                                          <p:attrName>style.visibility</p:attrName>
+                                        </p:attrNameLst>
+                                      </p:cBhvr>
+                                      <p:to>
+                                        <p:strVal val="visible"/>
+                                      </p:to>
+                                    </p:set>
+                                    <p:animEffect transition="in" filter="fade">
+                                      <p:cBhvr>
+                                        <p:cTn id="7" dur="1000"/>
+                                        <p:tgtEl>
+                                          <p:spTgt spid="25603">
+                                            <p:txEl>
+                                              <p:pRg st="1" end="1"/>
+                                            </p:txEl>
+                                          </p:spTgt>
+                                        </p:tgtEl>
+                                      </p:cBhvr>
+                                    </p:animEffect>
+                                    <p:anim calcmode="lin" valueType="num">
+                                      <p:cBhvr>
+                                        <p:cTn id="8" dur="1000" fill="hold"/>
+                                        <p:tgtEl>
+                                          <p:spTgt spid="25603">
+                                            <p:txEl>
+                                              <p:pRg st="1" end="1"/>
+                                            </p:txEl>
+                                          </p:spTgt>
+                                        </p:tgtEl>
+                                        <p:attrNameLst>
+                                          <p:attrName>ppt_x</p:attrName>
+                                        </p:attrNameLst>
+                                      </p:cBhvr>
+                                      <p:tavLst>
+                                        <p:tav tm="0">
+                                          <p:val>
+                                            <p:strVal val="#ppt_x"/>
+                                          </p:val>
+                                        </p:tav>
+                                        <p:tav tm="100000">
+                                          <p:val>
+                                            <p:strVal val="#ppt_x"/>
+                                          </p:val>
+                                        </p:tav>
+                                      </p:tavLst>
+                                    </p:anim>
+                                    <p:anim calcmode="lin" valueType="num">
+                                      <p:cBhvr>
+                                        <p:cTn id="9" dur="1000" fill="hold"/>
+                                        <p:tgtEl>
+                                          <p:spTgt spid="25603">
+                                            <p:txEl>
+                                              <p:pRg st="1" end="1"/>
+                                            </p:txEl>
+                                          </p:spTgt>
+                                        </p:tgtEl>
+                                        <p:attrNameLst>
+                                          <p:attrName>ppt_y</p:attrName>
+                                        </p:attrNameLst>
+                                      </p:cBhvr>
+                                      <p:tavLst>
+                                        <p:tav tm="0">
+                                          <p:val>
+                                            <p:strVal val="#ppt_y+.1"/>
+                                          </p:val>
+                                        </p:tav>
+                                        <p:tav tm="100000">
+                                          <p:val>
+                                            <p:strVal val="#ppt_y"/>
+                                          </p:val>
+                                        </p:tav>
+                                      </p:tavLst>
+                                    </p:anim>
+                                  </p:childTnLst>
+                                </p:cTn>
+                              </p:par>
+                            </p:childTnLst>
+                          </p:cTn>
+                        </p:par>
+                      </p:childTnLst>
+                    </p:cTn>
+                  </p:par>
+                  <p:par>
+                    <p:cTn id="10" fill="hold">
+                      <p:stCondLst>
+                        <p:cond delay="indefinite"/>
+                      </p:stCondLst>
+                      <p:childTnLst>
+                        <p:par>
+                          <p:cTn id="11" fill="hold">
+                            <p:stCondLst>
+                              <p:cond delay="0"/>
+                            </p:stCondLst>
+                            <p:childTnLst>
+                              <p:par>
+                                <p:cTn id="12" presetID="42" presetClass="entr" presetSubtype="0" fill="hold" grpId="0" nodeType="clickEffect">
+                                  <p:stCondLst>
+                                    <p:cond delay="0"/>
+                                  </p:stCondLst>
+                                  <p:childTnLst>
+                                    <p:set>
+                                      <p:cBhvr>
+                                        <p:cTn id="13" dur="1" fill="hold">
+                                          <p:stCondLst>
+                                            <p:cond delay="0"/>
+                                          </p:stCondLst>
+                                        </p:cTn>
+                                        <p:tgtEl>
+                                          <p:spTgt spid="25603">
+                                            <p:txEl>
+                                              <p:pRg st="2" end="2"/>
+                                            </p:txEl>
+                                          </p:spTgt>
+                                        </p:tgtEl>
+                                        <p:attrNameLst>
+                                          <p:attrName>style.visibility</p:attrName>
+                                        </p:attrNameLst>
+                                      </p:cBhvr>
+                                      <p:to>
+                                        <p:strVal val="visible"/>
+                                      </p:to>
+                                    </p:set>
+                                    <p:animEffect transition="in" filter="fade">
+                                      <p:cBhvr>
+                                        <p:cTn id="14" dur="1000"/>
+                                        <p:tgtEl>
+                                          <p:spTgt spid="25603">
+                                            <p:txEl>
+                                              <p:pRg st="2" end="2"/>
+                                            </p:txEl>
+                                          </p:spTgt>
+                                        </p:tgtEl>
+                                      </p:cBhvr>
+                                    </p:animEffect>
+                                    <p:anim calcmode="lin" valueType="num">
+                                      <p:cBhvr>
+                                        <p:cTn id="15" dur="1000" fill="hold"/>
+                                        <p:tgtEl>
+                                          <p:spTgt spid="25603">
+                                            <p:txEl>
+                                              <p:pRg st="2" end="2"/>
+                                            </p:txEl>
+                                          </p:spTgt>
+                                        </p:tgtEl>
+                                        <p:attrNameLst>
+                                          <p:attrName>ppt_x</p:attrName>
+                                        </p:attrNameLst>
+                                      </p:cBhvr>
+                                      <p:tavLst>
+                                        <p:tav tm="0">
+                                          <p:val>
+                                            <p:strVal val="#ppt_x"/>
+                                          </p:val>
+                                        </p:tav>
+                                        <p:tav tm="100000">
+                                          <p:val>
+                                            <p:strVal val="#ppt_x"/>
+                                          </p:val>
+                                        </p:tav>
+                                      </p:tavLst>
+                                    </p:anim>
+                                    <p:anim calcmode="lin" valueType="num">
+                                      <p:cBhvr>
+                                        <p:cTn id="16" dur="1000" fill="hold"/>
+                                        <p:tgtEl>
+                                          <p:spTgt spid="25603">
+                                            <p:txEl>
+                                              <p:pRg st="2" end="2"/>
+                                            </p:txEl>
+                                          </p:spTgt>
+                                        </p:tgtEl>
+                                        <p:attrNameLst>
+                                          <p:attrName>ppt_y</p:attrName>
+                                        </p:attrNameLst>
+                                      </p:cBhvr>
+                                      <p:tavLst>
+                                        <p:tav tm="0">
+                                          <p:val>
+                                            <p:strVal val="#ppt_y+.1"/>
+                                          </p:val>
+                                        </p:tav>
+                                        <p:tav tm="100000">
+                                          <p:val>
+                                            <p:strVal val="#ppt_y"/>
+                                          </p:val>
+                                        </p:tav>
+                                      </p:tavLst>
+                                    </p:anim>
+                                  </p:childTnLst>
+                                </p:cTn>
+                              </p:par>
+                            </p:childTnLst>
+                          </p:cTn>
+                        </p:par>
+                      </p:childTnLst>
+                    </p:cTn>
+                  </p:par>
+                  <p:par>
+                    <p:cTn id="17" fill="hold">
+                      <p:stCondLst>
+                        <p:cond delay="indefinite"/>
+                      </p:stCondLst>
+                      <p:childTnLst>
+                        <p:par>
+                          <p:cTn id="18" fill="hold">
+                            <p:stCondLst>
+                              <p:cond delay="0"/>
+                            </p:stCondLst>
+                            <p:childTnLst>
+                              <p:par>
+                                <p:cTn id="19" presetID="42" presetClass="entr" presetSubtype="0" fill="hold" grpId="0" nodeType="clickEffect">
+                                  <p:stCondLst>
+                                    <p:cond delay="0"/>
+                                  </p:stCondLst>
+                                  <p:childTnLst>
+                                    <p:set>
+                                      <p:cBhvr>
+                                        <p:cTn id="20" dur="1" fill="hold">
+                                          <p:stCondLst>
+                                            <p:cond delay="0"/>
+                                          </p:stCondLst>
+                                        </p:cTn>
+                                        <p:tgtEl>
+                                          <p:spTgt spid="25603">
+                                            <p:txEl>
+                                              <p:pRg st="3" end="3"/>
+                                            </p:txEl>
+                                          </p:spTgt>
+                                        </p:tgtEl>
+                                        <p:attrNameLst>
+                                          <p:attrName>style.visibility</p:attrName>
+                                        </p:attrNameLst>
+                                      </p:cBhvr>
+                                      <p:to>
+                                        <p:strVal val="visible"/>
+                                      </p:to>
+                                    </p:set>
+                                    <p:animEffect transition="in" filter="fade">
+                                      <p:cBhvr>
+                                        <p:cTn id="21" dur="1000"/>
+                                        <p:tgtEl>
+                                          <p:spTgt spid="25603">
+                                            <p:txEl>
+                                              <p:pRg st="3" end="3"/>
+                                            </p:txEl>
+                                          </p:spTgt>
+                                        </p:tgtEl>
+                                      </p:cBhvr>
+                                    </p:animEffect>
+                                    <p:anim calcmode="lin" valueType="num">
+                                      <p:cBhvr>
+                                        <p:cTn id="22" dur="1000" fill="hold"/>
+                                        <p:tgtEl>
+                                          <p:spTgt spid="25603">
+                                            <p:txEl>
+                                              <p:pRg st="3" end="3"/>
+                                            </p:txEl>
+                                          </p:spTgt>
+                                        </p:tgtEl>
+                                        <p:attrNameLst>
+                                          <p:attrName>ppt_x</p:attrName>
+                                        </p:attrNameLst>
+                                      </p:cBhvr>
+                                      <p:tavLst>
+                                        <p:tav tm="0">
+                                          <p:val>
+                                            <p:strVal val="#ppt_x"/>
+                                          </p:val>
+                                        </p:tav>
+                                        <p:tav tm="100000">
+                                          <p:val>
+                                            <p:strVal val="#ppt_x"/>
+                                          </p:val>
+                                        </p:tav>
+                                      </p:tavLst>
+                                    </p:anim>
+                                    <p:anim calcmode="lin" valueType="num">
+                                      <p:cBhvr>
+                                        <p:cTn id="23" dur="1000" fill="hold"/>
+                                        <p:tgtEl>
+                                          <p:spTgt spid="25603">
+                                            <p:txEl>
+                                              <p:pRg st="3" end="3"/>
+                                            </p:txEl>
+                                          </p:spTgt>
+                                        </p:tgtEl>
+                                        <p:attrNameLst>
+                                          <p:attrName>ppt_y</p:attrName>
+                                        </p:attrNameLst>
+                                      </p:cBhvr>
+                                      <p:tavLst>
+                                        <p:tav tm="0">
+                                          <p:val>
+                                            <p:strVal val="#ppt_y+.1"/>
+                                          </p:val>
+                                        </p:tav>
+                                        <p:tav tm="100000">
+                                          <p:val>
+                                            <p:strVal val="#ppt_y"/>
+                                          </p:val>
+                                        </p:tav>
+                                      </p:tavLst>
+                                    </p:anim>
+                                  </p:childTnLst>
+                                </p:cTn>
+                              </p:par>
+                            </p:childTnLst>
+                          </p:cTn>
+                        </p:par>
+                      </p:childTnLst>
+                    </p:cTn>
+                  </p:par>
+                  <p:par>
+                    <p:cTn id="24" fill="hold">
+                      <p:stCondLst>
+                        <p:cond delay="indefinite"/>
+                      </p:stCondLst>
+                      <p:childTnLst>
+                        <p:par>
+                          <p:cTn id="25" fill="hold">
+                            <p:stCondLst>
+                              <p:cond delay="0"/>
+                            </p:stCondLst>
+                            <p:childTnLst>
+                              <p:par>
+                                <p:cTn id="26" presetID="42" presetClass="entr" presetSubtype="0" fill="hold" grpId="0" nodeType="clickEffect">
+                                  <p:stCondLst>
+                                    <p:cond delay="0"/>
+                                  </p:stCondLst>
+                                  <p:childTnLst>
+                                    <p:set>
+                                      <p:cBhvr>
+                                        <p:cTn id="27" dur="1" fill="hold">
+                                          <p:stCondLst>
+                                            <p:cond delay="0"/>
+                                          </p:stCondLst>
+                                        </p:cTn>
+                                        <p:tgtEl>
+                                          <p:spTgt spid="25603">
+                                            <p:txEl>
+                                              <p:pRg st="4" end="4"/>
+                                            </p:txEl>
+                                          </p:spTgt>
+                                        </p:tgtEl>
+                                        <p:attrNameLst>
+                                          <p:attrName>style.visibility</p:attrName>
+                                        </p:attrNameLst>
+                                      </p:cBhvr>
+                                      <p:to>
+                                        <p:strVal val="visible"/>
+                                      </p:to>
+                                    </p:set>
+                                    <p:animEffect transition="in" filter="fade">
+                                      <p:cBhvr>
+                                        <p:cTn id="28" dur="1000"/>
+                                        <p:tgtEl>
+                                          <p:spTgt spid="25603">
+                                            <p:txEl>
+                                              <p:pRg st="4" end="4"/>
+                                            </p:txEl>
+                                          </p:spTgt>
+                                        </p:tgtEl>
+                                      </p:cBhvr>
+                                    </p:animEffect>
+                                    <p:anim calcmode="lin" valueType="num">
+                                      <p:cBhvr>
+                                        <p:cTn id="29" dur="1000" fill="hold"/>
+                                        <p:tgtEl>
+                                          <p:spTgt spid="25603">
+                                            <p:txEl>
+                                              <p:pRg st="4" end="4"/>
+                                            </p:txEl>
+                                          </p:spTgt>
+                                        </p:tgtEl>
+                                        <p:attrNameLst>
+                                          <p:attrName>ppt_x</p:attrName>
+                                        </p:attrNameLst>
+                                      </p:cBhvr>
+                                      <p:tavLst>
+                                        <p:tav tm="0">
+                                          <p:val>
+                                            <p:strVal val="#ppt_x"/>
+                                          </p:val>
+                                        </p:tav>
+                                        <p:tav tm="100000">
+                                          <p:val>
+                                            <p:strVal val="#ppt_x"/>
+                                          </p:val>
+                                        </p:tav>
+                                      </p:tavLst>
+                                    </p:anim>
+                                    <p:anim calcmode="lin" valueType="num">
+                                      <p:cBhvr>
+                                        <p:cTn id="30" dur="1000" fill="hold"/>
+                                        <p:tgtEl>
+                                          <p:spTgt spid="25603">
+                                            <p:txEl>
+                                              <p:pRg st="4" end="4"/>
+                                            </p:txEl>
+                                          </p:spTgt>
+                                        </p:tgtEl>
+                                        <p:attrNameLst>
+                                          <p:attrName>ppt_y</p:attrName>
+                                        </p:attrNameLst>
+                                      </p:cBhvr>
+                                      <p:tavLst>
+                                        <p:tav tm="0">
+                                          <p:val>
+                                            <p:strVal val="#ppt_y+.1"/>
+                                          </p:val>
+                                        </p:tav>
+                                        <p:tav tm="100000">
+                                          <p:val>
+                                            <p:strVal val="#ppt_y"/>
+                                          </p:val>
+                                        </p:tav>
+                                      </p:tavLst>
+                                    </p:anim>
+                                  </p:childTnLst>
+                                </p:cTn>
+                              </p:par>
+                            </p:childTnLst>
+                          </p:cTn>
+                        </p:par>
+                      </p:childTnLst>
+                    </p:cTn>
+                  </p:par>
+                  <p:par>
+                    <p:cTn id="31" fill="hold">
+                      <p:stCondLst>
+                        <p:cond delay="indefinite"/>
+                      </p:stCondLst>
+                      <p:childTnLst>
+                        <p:par>
+                          <p:cTn id="32" fill="hold">
+                            <p:stCondLst>
+                              <p:cond delay="0"/>
+                            </p:stCondLst>
+                            <p:childTnLst>
+                              <p:par>
+                                <p:cTn id="33" presetID="42" presetClass="entr" presetSubtype="0" fill="hold" grpId="0" nodeType="clickEffect">
+                                  <p:stCondLst>
+                                    <p:cond delay="0"/>
+                                  </p:stCondLst>
+                                  <p:childTnLst>
+                                    <p:set>
+                                      <p:cBhvr>
+                                        <p:cTn id="34" dur="1" fill="hold">
+                                          <p:stCondLst>
+                                            <p:cond delay="0"/>
+                                          </p:stCondLst>
+                                        </p:cTn>
+                                        <p:tgtEl>
+                                          <p:spTgt spid="25603">
+                                            <p:txEl>
+                                              <p:pRg st="5" end="5"/>
+                                            </p:txEl>
+                                          </p:spTgt>
+                                        </p:tgtEl>
+                                        <p:attrNameLst>
+                                          <p:attrName>style.visibility</p:attrName>
+                                        </p:attrNameLst>
+                                      </p:cBhvr>
+                                      <p:to>
+                                        <p:strVal val="visible"/>
+                                      </p:to>
+                                    </p:set>
+                                    <p:animEffect transition="in" filter="fade">
+                                      <p:cBhvr>
+                                        <p:cTn id="35" dur="1000"/>
+                                        <p:tgtEl>
+                                          <p:spTgt spid="25603">
+                                            <p:txEl>
+                                              <p:pRg st="5" end="5"/>
+                                            </p:txEl>
+                                          </p:spTgt>
+                                        </p:tgtEl>
+                                      </p:cBhvr>
+                                    </p:animEffect>
+                                    <p:anim calcmode="lin" valueType="num">
+                                      <p:cBhvr>
+                                        <p:cTn id="36" dur="1000" fill="hold"/>
+                                        <p:tgtEl>
+                                          <p:spTgt spid="25603">
+                                            <p:txEl>
+                                              <p:pRg st="5" end="5"/>
+                                            </p:txEl>
+                                          </p:spTgt>
+                                        </p:tgtEl>
+                                        <p:attrNameLst>
+                                          <p:attrName>ppt_x</p:attrName>
+                                        </p:attrNameLst>
+                                      </p:cBhvr>
+                                      <p:tavLst>
+                                        <p:tav tm="0">
+                                          <p:val>
+                                            <p:strVal val="#ppt_x"/>
+                                          </p:val>
+                                        </p:tav>
+                                        <p:tav tm="100000">
+                                          <p:val>
+                                            <p:strVal val="#ppt_x"/>
+                                          </p:val>
+                                        </p:tav>
+                                      </p:tavLst>
+                                    </p:anim>
+                                    <p:anim calcmode="lin" valueType="num">
+                                      <p:cBhvr>
+                                        <p:cTn id="37" dur="1000" fill="hold"/>
+                                        <p:tgtEl>
+                                          <p:spTgt spid="25603">
+                                            <p:txEl>
+                                              <p:pRg st="5" end="5"/>
+                                            </p:txEl>
+                                          </p:spTgt>
+                                        </p:tgtEl>
+                                        <p:attrNameLst>
+                                          <p:attrName>ppt_y</p:attrName>
+                                        </p:attrNameLst>
+                                      </p:cBhvr>
+                                      <p:tavLst>
+                                        <p:tav tm="0">
+                                          <p:val>
+                                            <p:strVal val="#ppt_y+.1"/>
+                                          </p:val>
+                                        </p:tav>
+                                        <p:tav tm="100000">
+                                          <p:val>
+                                            <p:strVal val="#ppt_y"/>
+                                          </p:val>
+                                        </p:tav>
+                                      </p:tavLst>
+                                    </p:anim>
+                                  </p:childTnLst>
+                                </p:cTn>
+                              </p:par>
+                            </p:childTnLst>
+                          </p:cTn>
+                        </p:par>
+                      </p:childTnLst>
+                    </p:cTn>
+                  </p:par>
+                  <p:par>
+                    <p:cTn id="38" fill="hold">
+                      <p:stCondLst>
+                        <p:cond delay="indefinite"/>
+                      </p:stCondLst>
+                      <p:childTnLst>
+                        <p:par>
+                          <p:cTn id="39" fill="hold">
+                            <p:stCondLst>
+                              <p:cond delay="0"/>
+                            </p:stCondLst>
+                            <p:childTnLst>
+                              <p:par>
+                                <p:cTn id="40" presetID="42" presetClass="entr" presetSubtype="0" fill="hold" grpId="0" nodeType="clickEffect">
+                                  <p:stCondLst>
+                                    <p:cond delay="0"/>
+                                  </p:stCondLst>
+                                  <p:childTnLst>
+                                    <p:set>
+                                      <p:cBhvr>
+                                        <p:cTn id="41" dur="1" fill="hold">
+                                          <p:stCondLst>
+                                            <p:cond delay="0"/>
+                                          </p:stCondLst>
+                                        </p:cTn>
+                                        <p:tgtEl>
+                                          <p:spTgt spid="25603">
+                                            <p:txEl>
+                                              <p:pRg st="6" end="6"/>
+                                            </p:txEl>
+                                          </p:spTgt>
+                                        </p:tgtEl>
+                                        <p:attrNameLst>
+                                          <p:attrName>style.visibility</p:attrName>
+                                        </p:attrNameLst>
+                                      </p:cBhvr>
+                                      <p:to>
+                                        <p:strVal val="visible"/>
+                                      </p:to>
+                                    </p:set>
+                                    <p:animEffect transition="in" filter="fade">
+                                      <p:cBhvr>
+                                        <p:cTn id="42" dur="1000"/>
+                                        <p:tgtEl>
+                                          <p:spTgt spid="25603">
+                                            <p:txEl>
+                                              <p:pRg st="6" end="6"/>
+                                            </p:txEl>
+                                          </p:spTgt>
+                                        </p:tgtEl>
+                                      </p:cBhvr>
+                                    </p:animEffect>
+                                    <p:anim calcmode="lin" valueType="num">
+                                      <p:cBhvr>
+                                        <p:cTn id="43" dur="1000" fill="hold"/>
+                                        <p:tgtEl>
+                                          <p:spTgt spid="25603">
+                                            <p:txEl>
+                                              <p:pRg st="6" end="6"/>
+                                            </p:txEl>
+                                          </p:spTgt>
+                                        </p:tgtEl>
+                                        <p:attrNameLst>
+                                          <p:attrName>ppt_x</p:attrName>
+                                        </p:attrNameLst>
+                                      </p:cBhvr>
+                                      <p:tavLst>
+                                        <p:tav tm="0">
+                                          <p:val>
+                                            <p:strVal val="#ppt_x"/>
+                                          </p:val>
+                                        </p:tav>
+                                        <p:tav tm="100000">
+                                          <p:val>
+                                            <p:strVal val="#ppt_x"/>
+                                          </p:val>
+                                        </p:tav>
+                                      </p:tavLst>
+                                    </p:anim>
+                                    <p:anim calcmode="lin" valueType="num">
+                                      <p:cBhvr>
+                                        <p:cTn id="44" dur="1000" fill="hold"/>
+                                        <p:tgtEl>
+                                          <p:spTgt spid="25603">
+                                            <p:txEl>
+                                              <p:pRg st="6" end="6"/>
+                                            </p:txEl>
+                                          </p:spTgt>
+                                        </p:tgtEl>
+                                        <p:attrNameLst>
+                                          <p:attrName>ppt_y</p:attrName>
+                                        </p:attrNameLst>
+                                      </p:cBhvr>
+                                      <p:tavLst>
+                                        <p:tav tm="0">
+                                          <p:val>
+                                            <p:strVal val="#ppt_y+.1"/>
+                                          </p:val>
+                                        </p:tav>
+                                        <p:tav tm="100000">
+                                          <p:val>
+                                            <p:strVal val="#ppt_y"/>
+                                          </p:val>
+                                        </p:tav>
+                                      </p:tavLst>
+                                    </p:anim>
+                                  </p:childTnLst>
+                                </p:cTn>
+                              </p:par>
+                            </p:childTnLst>
+                          </p:cTn>
+                        </p:par>
+                      </p:childTnLst>
+                    </p:cTn>
+                  </p:par>
+                </p:childTnLst>
+              </p:cTn>
+              <p:prevCondLst>
+                <p:cond evt="onPrev" delay="0">
+                  <p:tgtEl>
+                    <p:sldTgt/>
+                  </p:tgtEl>
+                </p:cond>
+              </p:prevCondLst>
+              <p:nextCondLst>
+                <p:cond evt="onNext" delay="0">
+                  <p:tgtEl>
+                    <p:sldTgt/>
+                  </p:tgtEl>
+                </p:cond>
+              </p:nextCondLst>
+            </p:seq>
+          </p:childTnLst>
+        </p:cTn>
       </p:par>
     </p:tnLst>
+    <p:bldLst>
+      <p:bldP spid="25603" grpId="0" uiExpand="1" build="p"/>
+    </p:bldLst>
   </p:timing>
 </p:sld>
 </file>
@@ -17768,12 +22489,695 @@
   <p:clrMapOvr>
     <a:masterClrMapping/>
   </p:clrMapOvr>
+  <p:transition spd="slow">
+    <p:push dir="u"/>
+  </p:transition>
   <p:timing>
     <p:tnLst>
       <p:par>
-        <p:cTn id="1" dur="indefinite" restart="never" nodeType="tmRoot"/>
+        <p:cTn id="1" dur="indefinite" restart="never" nodeType="tmRoot">
+          <p:childTnLst>
+            <p:seq concurrent="1" nextAc="seek">
+              <p:cTn id="2" dur="indefinite" nodeType="mainSeq">
+                <p:childTnLst>
+                  <p:par>
+                    <p:cTn id="3" fill="hold">
+                      <p:stCondLst>
+                        <p:cond delay="indefinite"/>
+                      </p:stCondLst>
+                      <p:childTnLst>
+                        <p:par>
+                          <p:cTn id="4" fill="hold">
+                            <p:stCondLst>
+                              <p:cond delay="0"/>
+                            </p:stCondLst>
+                            <p:childTnLst>
+                              <p:par>
+                                <p:cTn id="5" presetID="42" presetClass="entr" presetSubtype="0" fill="hold" grpId="0" nodeType="clickEffect">
+                                  <p:stCondLst>
+                                    <p:cond delay="0"/>
+                                  </p:stCondLst>
+                                  <p:childTnLst>
+                                    <p:set>
+                                      <p:cBhvr>
+                                        <p:cTn id="6" dur="1" fill="hold">
+                                          <p:stCondLst>
+                                            <p:cond delay="0"/>
+                                          </p:stCondLst>
+                                        </p:cTn>
+                                        <p:tgtEl>
+                                          <p:spTgt spid="25603">
+                                            <p:txEl>
+                                              <p:pRg st="1" end="1"/>
+                                            </p:txEl>
+                                          </p:spTgt>
+                                        </p:tgtEl>
+                                        <p:attrNameLst>
+                                          <p:attrName>style.visibility</p:attrName>
+                                        </p:attrNameLst>
+                                      </p:cBhvr>
+                                      <p:to>
+                                        <p:strVal val="visible"/>
+                                      </p:to>
+                                    </p:set>
+                                    <p:animEffect transition="in" filter="fade">
+                                      <p:cBhvr>
+                                        <p:cTn id="7" dur="1000"/>
+                                        <p:tgtEl>
+                                          <p:spTgt spid="25603">
+                                            <p:txEl>
+                                              <p:pRg st="1" end="1"/>
+                                            </p:txEl>
+                                          </p:spTgt>
+                                        </p:tgtEl>
+                                      </p:cBhvr>
+                                    </p:animEffect>
+                                    <p:anim calcmode="lin" valueType="num">
+                                      <p:cBhvr>
+                                        <p:cTn id="8" dur="1000" fill="hold"/>
+                                        <p:tgtEl>
+                                          <p:spTgt spid="25603">
+                                            <p:txEl>
+                                              <p:pRg st="1" end="1"/>
+                                            </p:txEl>
+                                          </p:spTgt>
+                                        </p:tgtEl>
+                                        <p:attrNameLst>
+                                          <p:attrName>ppt_x</p:attrName>
+                                        </p:attrNameLst>
+                                      </p:cBhvr>
+                                      <p:tavLst>
+                                        <p:tav tm="0">
+                                          <p:val>
+                                            <p:strVal val="#ppt_x"/>
+                                          </p:val>
+                                        </p:tav>
+                                        <p:tav tm="100000">
+                                          <p:val>
+                                            <p:strVal val="#ppt_x"/>
+                                          </p:val>
+                                        </p:tav>
+                                      </p:tavLst>
+                                    </p:anim>
+                                    <p:anim calcmode="lin" valueType="num">
+                                      <p:cBhvr>
+                                        <p:cTn id="9" dur="1000" fill="hold"/>
+                                        <p:tgtEl>
+                                          <p:spTgt spid="25603">
+                                            <p:txEl>
+                                              <p:pRg st="1" end="1"/>
+                                            </p:txEl>
+                                          </p:spTgt>
+                                        </p:tgtEl>
+                                        <p:attrNameLst>
+                                          <p:attrName>ppt_y</p:attrName>
+                                        </p:attrNameLst>
+                                      </p:cBhvr>
+                                      <p:tavLst>
+                                        <p:tav tm="0">
+                                          <p:val>
+                                            <p:strVal val="#ppt_y+.1"/>
+                                          </p:val>
+                                        </p:tav>
+                                        <p:tav tm="100000">
+                                          <p:val>
+                                            <p:strVal val="#ppt_y"/>
+                                          </p:val>
+                                        </p:tav>
+                                      </p:tavLst>
+                                    </p:anim>
+                                  </p:childTnLst>
+                                </p:cTn>
+                              </p:par>
+                              <p:par>
+                                <p:cTn id="10" presetID="42" presetClass="entr" presetSubtype="0" fill="hold" grpId="0" nodeType="withEffect">
+                                  <p:stCondLst>
+                                    <p:cond delay="0"/>
+                                  </p:stCondLst>
+                                  <p:childTnLst>
+                                    <p:set>
+                                      <p:cBhvr>
+                                        <p:cTn id="11" dur="1" fill="hold">
+                                          <p:stCondLst>
+                                            <p:cond delay="0"/>
+                                          </p:stCondLst>
+                                        </p:cTn>
+                                        <p:tgtEl>
+                                          <p:spTgt spid="25603">
+                                            <p:txEl>
+                                              <p:pRg st="2" end="2"/>
+                                            </p:txEl>
+                                          </p:spTgt>
+                                        </p:tgtEl>
+                                        <p:attrNameLst>
+                                          <p:attrName>style.visibility</p:attrName>
+                                        </p:attrNameLst>
+                                      </p:cBhvr>
+                                      <p:to>
+                                        <p:strVal val="visible"/>
+                                      </p:to>
+                                    </p:set>
+                                    <p:animEffect transition="in" filter="fade">
+                                      <p:cBhvr>
+                                        <p:cTn id="12" dur="1000"/>
+                                        <p:tgtEl>
+                                          <p:spTgt spid="25603">
+                                            <p:txEl>
+                                              <p:pRg st="2" end="2"/>
+                                            </p:txEl>
+                                          </p:spTgt>
+                                        </p:tgtEl>
+                                      </p:cBhvr>
+                                    </p:animEffect>
+                                    <p:anim calcmode="lin" valueType="num">
+                                      <p:cBhvr>
+                                        <p:cTn id="13" dur="1000" fill="hold"/>
+                                        <p:tgtEl>
+                                          <p:spTgt spid="25603">
+                                            <p:txEl>
+                                              <p:pRg st="2" end="2"/>
+                                            </p:txEl>
+                                          </p:spTgt>
+                                        </p:tgtEl>
+                                        <p:attrNameLst>
+                                          <p:attrName>ppt_x</p:attrName>
+                                        </p:attrNameLst>
+                                      </p:cBhvr>
+                                      <p:tavLst>
+                                        <p:tav tm="0">
+                                          <p:val>
+                                            <p:strVal val="#ppt_x"/>
+                                          </p:val>
+                                        </p:tav>
+                                        <p:tav tm="100000">
+                                          <p:val>
+                                            <p:strVal val="#ppt_x"/>
+                                          </p:val>
+                                        </p:tav>
+                                      </p:tavLst>
+                                    </p:anim>
+                                    <p:anim calcmode="lin" valueType="num">
+                                      <p:cBhvr>
+                                        <p:cTn id="14" dur="1000" fill="hold"/>
+                                        <p:tgtEl>
+                                          <p:spTgt spid="25603">
+                                            <p:txEl>
+                                              <p:pRg st="2" end="2"/>
+                                            </p:txEl>
+                                          </p:spTgt>
+                                        </p:tgtEl>
+                                        <p:attrNameLst>
+                                          <p:attrName>ppt_y</p:attrName>
+                                        </p:attrNameLst>
+                                      </p:cBhvr>
+                                      <p:tavLst>
+                                        <p:tav tm="0">
+                                          <p:val>
+                                            <p:strVal val="#ppt_y+.1"/>
+                                          </p:val>
+                                        </p:tav>
+                                        <p:tav tm="100000">
+                                          <p:val>
+                                            <p:strVal val="#ppt_y"/>
+                                          </p:val>
+                                        </p:tav>
+                                      </p:tavLst>
+                                    </p:anim>
+                                  </p:childTnLst>
+                                </p:cTn>
+                              </p:par>
+                              <p:par>
+                                <p:cTn id="15" presetID="42" presetClass="entr" presetSubtype="0" fill="hold" grpId="0" nodeType="withEffect">
+                                  <p:stCondLst>
+                                    <p:cond delay="0"/>
+                                  </p:stCondLst>
+                                  <p:childTnLst>
+                                    <p:set>
+                                      <p:cBhvr>
+                                        <p:cTn id="16" dur="1" fill="hold">
+                                          <p:stCondLst>
+                                            <p:cond delay="0"/>
+                                          </p:stCondLst>
+                                        </p:cTn>
+                                        <p:tgtEl>
+                                          <p:spTgt spid="25603">
+                                            <p:txEl>
+                                              <p:pRg st="3" end="3"/>
+                                            </p:txEl>
+                                          </p:spTgt>
+                                        </p:tgtEl>
+                                        <p:attrNameLst>
+                                          <p:attrName>style.visibility</p:attrName>
+                                        </p:attrNameLst>
+                                      </p:cBhvr>
+                                      <p:to>
+                                        <p:strVal val="visible"/>
+                                      </p:to>
+                                    </p:set>
+                                    <p:animEffect transition="in" filter="fade">
+                                      <p:cBhvr>
+                                        <p:cTn id="17" dur="1000"/>
+                                        <p:tgtEl>
+                                          <p:spTgt spid="25603">
+                                            <p:txEl>
+                                              <p:pRg st="3" end="3"/>
+                                            </p:txEl>
+                                          </p:spTgt>
+                                        </p:tgtEl>
+                                      </p:cBhvr>
+                                    </p:animEffect>
+                                    <p:anim calcmode="lin" valueType="num">
+                                      <p:cBhvr>
+                                        <p:cTn id="18" dur="1000" fill="hold"/>
+                                        <p:tgtEl>
+                                          <p:spTgt spid="25603">
+                                            <p:txEl>
+                                              <p:pRg st="3" end="3"/>
+                                            </p:txEl>
+                                          </p:spTgt>
+                                        </p:tgtEl>
+                                        <p:attrNameLst>
+                                          <p:attrName>ppt_x</p:attrName>
+                                        </p:attrNameLst>
+                                      </p:cBhvr>
+                                      <p:tavLst>
+                                        <p:tav tm="0">
+                                          <p:val>
+                                            <p:strVal val="#ppt_x"/>
+                                          </p:val>
+                                        </p:tav>
+                                        <p:tav tm="100000">
+                                          <p:val>
+                                            <p:strVal val="#ppt_x"/>
+                                          </p:val>
+                                        </p:tav>
+                                      </p:tavLst>
+                                    </p:anim>
+                                    <p:anim calcmode="lin" valueType="num">
+                                      <p:cBhvr>
+                                        <p:cTn id="19" dur="1000" fill="hold"/>
+                                        <p:tgtEl>
+                                          <p:spTgt spid="25603">
+                                            <p:txEl>
+                                              <p:pRg st="3" end="3"/>
+                                            </p:txEl>
+                                          </p:spTgt>
+                                        </p:tgtEl>
+                                        <p:attrNameLst>
+                                          <p:attrName>ppt_y</p:attrName>
+                                        </p:attrNameLst>
+                                      </p:cBhvr>
+                                      <p:tavLst>
+                                        <p:tav tm="0">
+                                          <p:val>
+                                            <p:strVal val="#ppt_y+.1"/>
+                                          </p:val>
+                                        </p:tav>
+                                        <p:tav tm="100000">
+                                          <p:val>
+                                            <p:strVal val="#ppt_y"/>
+                                          </p:val>
+                                        </p:tav>
+                                      </p:tavLst>
+                                    </p:anim>
+                                  </p:childTnLst>
+                                </p:cTn>
+                              </p:par>
+                            </p:childTnLst>
+                          </p:cTn>
+                        </p:par>
+                      </p:childTnLst>
+                    </p:cTn>
+                  </p:par>
+                  <p:par>
+                    <p:cTn id="20" fill="hold">
+                      <p:stCondLst>
+                        <p:cond delay="indefinite"/>
+                      </p:stCondLst>
+                      <p:childTnLst>
+                        <p:par>
+                          <p:cTn id="21" fill="hold">
+                            <p:stCondLst>
+                              <p:cond delay="0"/>
+                            </p:stCondLst>
+                            <p:childTnLst>
+                              <p:par>
+                                <p:cTn id="22" presetID="42" presetClass="entr" presetSubtype="0" fill="hold" grpId="0" nodeType="clickEffect">
+                                  <p:stCondLst>
+                                    <p:cond delay="0"/>
+                                  </p:stCondLst>
+                                  <p:childTnLst>
+                                    <p:set>
+                                      <p:cBhvr>
+                                        <p:cTn id="23" dur="1" fill="hold">
+                                          <p:stCondLst>
+                                            <p:cond delay="0"/>
+                                          </p:stCondLst>
+                                        </p:cTn>
+                                        <p:tgtEl>
+                                          <p:spTgt spid="25603">
+                                            <p:txEl>
+                                              <p:pRg st="4" end="4"/>
+                                            </p:txEl>
+                                          </p:spTgt>
+                                        </p:tgtEl>
+                                        <p:attrNameLst>
+                                          <p:attrName>style.visibility</p:attrName>
+                                        </p:attrNameLst>
+                                      </p:cBhvr>
+                                      <p:to>
+                                        <p:strVal val="visible"/>
+                                      </p:to>
+                                    </p:set>
+                                    <p:animEffect transition="in" filter="fade">
+                                      <p:cBhvr>
+                                        <p:cTn id="24" dur="1000"/>
+                                        <p:tgtEl>
+                                          <p:spTgt spid="25603">
+                                            <p:txEl>
+                                              <p:pRg st="4" end="4"/>
+                                            </p:txEl>
+                                          </p:spTgt>
+                                        </p:tgtEl>
+                                      </p:cBhvr>
+                                    </p:animEffect>
+                                    <p:anim calcmode="lin" valueType="num">
+                                      <p:cBhvr>
+                                        <p:cTn id="25" dur="1000" fill="hold"/>
+                                        <p:tgtEl>
+                                          <p:spTgt spid="25603">
+                                            <p:txEl>
+                                              <p:pRg st="4" end="4"/>
+                                            </p:txEl>
+                                          </p:spTgt>
+                                        </p:tgtEl>
+                                        <p:attrNameLst>
+                                          <p:attrName>ppt_x</p:attrName>
+                                        </p:attrNameLst>
+                                      </p:cBhvr>
+                                      <p:tavLst>
+                                        <p:tav tm="0">
+                                          <p:val>
+                                            <p:strVal val="#ppt_x"/>
+                                          </p:val>
+                                        </p:tav>
+                                        <p:tav tm="100000">
+                                          <p:val>
+                                            <p:strVal val="#ppt_x"/>
+                                          </p:val>
+                                        </p:tav>
+                                      </p:tavLst>
+                                    </p:anim>
+                                    <p:anim calcmode="lin" valueType="num">
+                                      <p:cBhvr>
+                                        <p:cTn id="26" dur="1000" fill="hold"/>
+                                        <p:tgtEl>
+                                          <p:spTgt spid="25603">
+                                            <p:txEl>
+                                              <p:pRg st="4" end="4"/>
+                                            </p:txEl>
+                                          </p:spTgt>
+                                        </p:tgtEl>
+                                        <p:attrNameLst>
+                                          <p:attrName>ppt_y</p:attrName>
+                                        </p:attrNameLst>
+                                      </p:cBhvr>
+                                      <p:tavLst>
+                                        <p:tav tm="0">
+                                          <p:val>
+                                            <p:strVal val="#ppt_y+.1"/>
+                                          </p:val>
+                                        </p:tav>
+                                        <p:tav tm="100000">
+                                          <p:val>
+                                            <p:strVal val="#ppt_y"/>
+                                          </p:val>
+                                        </p:tav>
+                                      </p:tavLst>
+                                    </p:anim>
+                                  </p:childTnLst>
+                                </p:cTn>
+                              </p:par>
+                            </p:childTnLst>
+                          </p:cTn>
+                        </p:par>
+                      </p:childTnLst>
+                    </p:cTn>
+                  </p:par>
+                  <p:par>
+                    <p:cTn id="27" fill="hold">
+                      <p:stCondLst>
+                        <p:cond delay="indefinite"/>
+                      </p:stCondLst>
+                      <p:childTnLst>
+                        <p:par>
+                          <p:cTn id="28" fill="hold">
+                            <p:stCondLst>
+                              <p:cond delay="0"/>
+                            </p:stCondLst>
+                            <p:childTnLst>
+                              <p:par>
+                                <p:cTn id="29" presetID="42" presetClass="entr" presetSubtype="0" fill="hold" grpId="0" nodeType="clickEffect">
+                                  <p:stCondLst>
+                                    <p:cond delay="0"/>
+                                  </p:stCondLst>
+                                  <p:childTnLst>
+                                    <p:set>
+                                      <p:cBhvr>
+                                        <p:cTn id="30" dur="1" fill="hold">
+                                          <p:stCondLst>
+                                            <p:cond delay="0"/>
+                                          </p:stCondLst>
+                                        </p:cTn>
+                                        <p:tgtEl>
+                                          <p:spTgt spid="25603">
+                                            <p:txEl>
+                                              <p:pRg st="5" end="5"/>
+                                            </p:txEl>
+                                          </p:spTgt>
+                                        </p:tgtEl>
+                                        <p:attrNameLst>
+                                          <p:attrName>style.visibility</p:attrName>
+                                        </p:attrNameLst>
+                                      </p:cBhvr>
+                                      <p:to>
+                                        <p:strVal val="visible"/>
+                                      </p:to>
+                                    </p:set>
+                                    <p:animEffect transition="in" filter="fade">
+                                      <p:cBhvr>
+                                        <p:cTn id="31" dur="1000"/>
+                                        <p:tgtEl>
+                                          <p:spTgt spid="25603">
+                                            <p:txEl>
+                                              <p:pRg st="5" end="5"/>
+                                            </p:txEl>
+                                          </p:spTgt>
+                                        </p:tgtEl>
+                                      </p:cBhvr>
+                                    </p:animEffect>
+                                    <p:anim calcmode="lin" valueType="num">
+                                      <p:cBhvr>
+                                        <p:cTn id="32" dur="1000" fill="hold"/>
+                                        <p:tgtEl>
+                                          <p:spTgt spid="25603">
+                                            <p:txEl>
+                                              <p:pRg st="5" end="5"/>
+                                            </p:txEl>
+                                          </p:spTgt>
+                                        </p:tgtEl>
+                                        <p:attrNameLst>
+                                          <p:attrName>ppt_x</p:attrName>
+                                        </p:attrNameLst>
+                                      </p:cBhvr>
+                                      <p:tavLst>
+                                        <p:tav tm="0">
+                                          <p:val>
+                                            <p:strVal val="#ppt_x"/>
+                                          </p:val>
+                                        </p:tav>
+                                        <p:tav tm="100000">
+                                          <p:val>
+                                            <p:strVal val="#ppt_x"/>
+                                          </p:val>
+                                        </p:tav>
+                                      </p:tavLst>
+                                    </p:anim>
+                                    <p:anim calcmode="lin" valueType="num">
+                                      <p:cBhvr>
+                                        <p:cTn id="33" dur="1000" fill="hold"/>
+                                        <p:tgtEl>
+                                          <p:spTgt spid="25603">
+                                            <p:txEl>
+                                              <p:pRg st="5" end="5"/>
+                                            </p:txEl>
+                                          </p:spTgt>
+                                        </p:tgtEl>
+                                        <p:attrNameLst>
+                                          <p:attrName>ppt_y</p:attrName>
+                                        </p:attrNameLst>
+                                      </p:cBhvr>
+                                      <p:tavLst>
+                                        <p:tav tm="0">
+                                          <p:val>
+                                            <p:strVal val="#ppt_y+.1"/>
+                                          </p:val>
+                                        </p:tav>
+                                        <p:tav tm="100000">
+                                          <p:val>
+                                            <p:strVal val="#ppt_y"/>
+                                          </p:val>
+                                        </p:tav>
+                                      </p:tavLst>
+                                    </p:anim>
+                                  </p:childTnLst>
+                                </p:cTn>
+                              </p:par>
+                            </p:childTnLst>
+                          </p:cTn>
+                        </p:par>
+                      </p:childTnLst>
+                    </p:cTn>
+                  </p:par>
+                  <p:par>
+                    <p:cTn id="34" fill="hold">
+                      <p:stCondLst>
+                        <p:cond delay="indefinite"/>
+                      </p:stCondLst>
+                      <p:childTnLst>
+                        <p:par>
+                          <p:cTn id="35" fill="hold">
+                            <p:stCondLst>
+                              <p:cond delay="0"/>
+                            </p:stCondLst>
+                            <p:childTnLst>
+                              <p:par>
+                                <p:cTn id="36" presetID="42" presetClass="entr" presetSubtype="0" fill="hold" grpId="0" nodeType="clickEffect">
+                                  <p:stCondLst>
+                                    <p:cond delay="0"/>
+                                  </p:stCondLst>
+                                  <p:childTnLst>
+                                    <p:set>
+                                      <p:cBhvr>
+                                        <p:cTn id="37" dur="1" fill="hold">
+                                          <p:stCondLst>
+                                            <p:cond delay="0"/>
+                                          </p:stCondLst>
+                                        </p:cTn>
+                                        <p:tgtEl>
+                                          <p:spTgt spid="25603">
+                                            <p:txEl>
+                                              <p:pRg st="6" end="6"/>
+                                            </p:txEl>
+                                          </p:spTgt>
+                                        </p:tgtEl>
+                                        <p:attrNameLst>
+                                          <p:attrName>style.visibility</p:attrName>
+                                        </p:attrNameLst>
+                                      </p:cBhvr>
+                                      <p:to>
+                                        <p:strVal val="visible"/>
+                                      </p:to>
+                                    </p:set>
+                                    <p:animEffect transition="in" filter="fade">
+                                      <p:cBhvr>
+                                        <p:cTn id="38" dur="1000"/>
+                                        <p:tgtEl>
+                                          <p:spTgt spid="25603">
+                                            <p:txEl>
+                                              <p:pRg st="6" end="6"/>
+                                            </p:txEl>
+                                          </p:spTgt>
+                                        </p:tgtEl>
+                                      </p:cBhvr>
+                                    </p:animEffect>
+                                    <p:anim calcmode="lin" valueType="num">
+                                      <p:cBhvr>
+                                        <p:cTn id="39" dur="1000" fill="hold"/>
+                                        <p:tgtEl>
+                                          <p:spTgt spid="25603">
+                                            <p:txEl>
+                                              <p:pRg st="6" end="6"/>
+                                            </p:txEl>
+                                          </p:spTgt>
+                                        </p:tgtEl>
+                                        <p:attrNameLst>
+                                          <p:attrName>ppt_x</p:attrName>
+                                        </p:attrNameLst>
+                                      </p:cBhvr>
+                                      <p:tavLst>
+                                        <p:tav tm="0">
+                                          <p:val>
+                                            <p:strVal val="#ppt_x"/>
+                                          </p:val>
+                                        </p:tav>
+                                        <p:tav tm="100000">
+                                          <p:val>
+                                            <p:strVal val="#ppt_x"/>
+                                          </p:val>
+                                        </p:tav>
+                                      </p:tavLst>
+                                    </p:anim>
+                                    <p:anim calcmode="lin" valueType="num">
+                                      <p:cBhvr>
+                                        <p:cTn id="40" dur="1000" fill="hold"/>
+                                        <p:tgtEl>
+                                          <p:spTgt spid="25603">
+                                            <p:txEl>
+                                              <p:pRg st="6" end="6"/>
+                                            </p:txEl>
+                                          </p:spTgt>
+                                        </p:tgtEl>
+                                        <p:attrNameLst>
+                                          <p:attrName>ppt_y</p:attrName>
+                                        </p:attrNameLst>
+                                      </p:cBhvr>
+                                      <p:tavLst>
+                                        <p:tav tm="0">
+                                          <p:val>
+                                            <p:strVal val="#ppt_y+.1"/>
+                                          </p:val>
+                                        </p:tav>
+                                        <p:tav tm="100000">
+                                          <p:val>
+                                            <p:strVal val="#ppt_y"/>
+                                          </p:val>
+                                        </p:tav>
+                                      </p:tavLst>
+                                    </p:anim>
+                                  </p:childTnLst>
+                                </p:cTn>
+                              </p:par>
+                            </p:childTnLst>
+                          </p:cTn>
+                        </p:par>
+                      </p:childTnLst>
+                    </p:cTn>
+                  </p:par>
+                </p:childTnLst>
+              </p:cTn>
+              <p:prevCondLst>
+                <p:cond evt="onPrev" delay="0">
+                  <p:tgtEl>
+                    <p:sldTgt/>
+                  </p:tgtEl>
+                </p:cond>
+              </p:prevCondLst>
+              <p:nextCondLst>
+                <p:cond evt="onNext" delay="0">
+                  <p:tgtEl>
+                    <p:sldTgt/>
+                  </p:tgtEl>
+                </p:cond>
+              </p:nextCondLst>
+            </p:seq>
+          </p:childTnLst>
+        </p:cTn>
       </p:par>
     </p:tnLst>
+    <p:bldLst>
+      <p:bldP spid="25603" grpId="0" uiExpand="1" build="p"/>
+    </p:bldLst>
   </p:timing>
 </p:sld>
 </file>
@@ -17917,12 +23321,386 @@
   <p:clrMapOvr>
     <a:masterClrMapping/>
   </p:clrMapOvr>
+  <p:transition spd="slow">
+    <p:push dir="u"/>
+  </p:transition>
   <p:timing>
     <p:tnLst>
       <p:par>
-        <p:cTn id="1" dur="indefinite" restart="never" nodeType="tmRoot"/>
+        <p:cTn id="1" dur="indefinite" restart="never" nodeType="tmRoot">
+          <p:childTnLst>
+            <p:seq concurrent="1" nextAc="seek">
+              <p:cTn id="2" dur="indefinite" nodeType="mainSeq">
+                <p:childTnLst>
+                  <p:par>
+                    <p:cTn id="3" fill="hold">
+                      <p:stCondLst>
+                        <p:cond delay="indefinite"/>
+                      </p:stCondLst>
+                      <p:childTnLst>
+                        <p:par>
+                          <p:cTn id="4" fill="hold">
+                            <p:stCondLst>
+                              <p:cond delay="0"/>
+                            </p:stCondLst>
+                            <p:childTnLst>
+                              <p:par>
+                                <p:cTn id="5" presetID="42" presetClass="entr" presetSubtype="0" fill="hold" grpId="0" nodeType="clickEffect">
+                                  <p:stCondLst>
+                                    <p:cond delay="0"/>
+                                  </p:stCondLst>
+                                  <p:childTnLst>
+                                    <p:set>
+                                      <p:cBhvr>
+                                        <p:cTn id="6" dur="1" fill="hold">
+                                          <p:stCondLst>
+                                            <p:cond delay="0"/>
+                                          </p:stCondLst>
+                                        </p:cTn>
+                                        <p:tgtEl>
+                                          <p:spTgt spid="2">
+                                            <p:txEl>
+                                              <p:pRg st="1" end="1"/>
+                                            </p:txEl>
+                                          </p:spTgt>
+                                        </p:tgtEl>
+                                        <p:attrNameLst>
+                                          <p:attrName>style.visibility</p:attrName>
+                                        </p:attrNameLst>
+                                      </p:cBhvr>
+                                      <p:to>
+                                        <p:strVal val="visible"/>
+                                      </p:to>
+                                    </p:set>
+                                    <p:animEffect transition="in" filter="fade">
+                                      <p:cBhvr>
+                                        <p:cTn id="7" dur="1000"/>
+                                        <p:tgtEl>
+                                          <p:spTgt spid="2">
+                                            <p:txEl>
+                                              <p:pRg st="1" end="1"/>
+                                            </p:txEl>
+                                          </p:spTgt>
+                                        </p:tgtEl>
+                                      </p:cBhvr>
+                                    </p:animEffect>
+                                    <p:anim calcmode="lin" valueType="num">
+                                      <p:cBhvr>
+                                        <p:cTn id="8" dur="1000" fill="hold"/>
+                                        <p:tgtEl>
+                                          <p:spTgt spid="2">
+                                            <p:txEl>
+                                              <p:pRg st="1" end="1"/>
+                                            </p:txEl>
+                                          </p:spTgt>
+                                        </p:tgtEl>
+                                        <p:attrNameLst>
+                                          <p:attrName>ppt_x</p:attrName>
+                                        </p:attrNameLst>
+                                      </p:cBhvr>
+                                      <p:tavLst>
+                                        <p:tav tm="0">
+                                          <p:val>
+                                            <p:strVal val="#ppt_x"/>
+                                          </p:val>
+                                        </p:tav>
+                                        <p:tav tm="100000">
+                                          <p:val>
+                                            <p:strVal val="#ppt_x"/>
+                                          </p:val>
+                                        </p:tav>
+                                      </p:tavLst>
+                                    </p:anim>
+                                    <p:anim calcmode="lin" valueType="num">
+                                      <p:cBhvr>
+                                        <p:cTn id="9" dur="1000" fill="hold"/>
+                                        <p:tgtEl>
+                                          <p:spTgt spid="2">
+                                            <p:txEl>
+                                              <p:pRg st="1" end="1"/>
+                                            </p:txEl>
+                                          </p:spTgt>
+                                        </p:tgtEl>
+                                        <p:attrNameLst>
+                                          <p:attrName>ppt_y</p:attrName>
+                                        </p:attrNameLst>
+                                      </p:cBhvr>
+                                      <p:tavLst>
+                                        <p:tav tm="0">
+                                          <p:val>
+                                            <p:strVal val="#ppt_y+.1"/>
+                                          </p:val>
+                                        </p:tav>
+                                        <p:tav tm="100000">
+                                          <p:val>
+                                            <p:strVal val="#ppt_y"/>
+                                          </p:val>
+                                        </p:tav>
+                                      </p:tavLst>
+                                    </p:anim>
+                                  </p:childTnLst>
+                                </p:cTn>
+                              </p:par>
+                            </p:childTnLst>
+                          </p:cTn>
+                        </p:par>
+                      </p:childTnLst>
+                    </p:cTn>
+                  </p:par>
+                  <p:par>
+                    <p:cTn id="10" fill="hold">
+                      <p:stCondLst>
+                        <p:cond delay="indefinite"/>
+                      </p:stCondLst>
+                      <p:childTnLst>
+                        <p:par>
+                          <p:cTn id="11" fill="hold">
+                            <p:stCondLst>
+                              <p:cond delay="0"/>
+                            </p:stCondLst>
+                            <p:childTnLst>
+                              <p:par>
+                                <p:cTn id="12" presetID="42" presetClass="entr" presetSubtype="0" fill="hold" grpId="0" nodeType="clickEffect">
+                                  <p:stCondLst>
+                                    <p:cond delay="0"/>
+                                  </p:stCondLst>
+                                  <p:childTnLst>
+                                    <p:set>
+                                      <p:cBhvr>
+                                        <p:cTn id="13" dur="1" fill="hold">
+                                          <p:stCondLst>
+                                            <p:cond delay="0"/>
+                                          </p:stCondLst>
+                                        </p:cTn>
+                                        <p:tgtEl>
+                                          <p:spTgt spid="2">
+                                            <p:txEl>
+                                              <p:pRg st="2" end="2"/>
+                                            </p:txEl>
+                                          </p:spTgt>
+                                        </p:tgtEl>
+                                        <p:attrNameLst>
+                                          <p:attrName>style.visibility</p:attrName>
+                                        </p:attrNameLst>
+                                      </p:cBhvr>
+                                      <p:to>
+                                        <p:strVal val="visible"/>
+                                      </p:to>
+                                    </p:set>
+                                    <p:animEffect transition="in" filter="fade">
+                                      <p:cBhvr>
+                                        <p:cTn id="14" dur="1000"/>
+                                        <p:tgtEl>
+                                          <p:spTgt spid="2">
+                                            <p:txEl>
+                                              <p:pRg st="2" end="2"/>
+                                            </p:txEl>
+                                          </p:spTgt>
+                                        </p:tgtEl>
+                                      </p:cBhvr>
+                                    </p:animEffect>
+                                    <p:anim calcmode="lin" valueType="num">
+                                      <p:cBhvr>
+                                        <p:cTn id="15" dur="1000" fill="hold"/>
+                                        <p:tgtEl>
+                                          <p:spTgt spid="2">
+                                            <p:txEl>
+                                              <p:pRg st="2" end="2"/>
+                                            </p:txEl>
+                                          </p:spTgt>
+                                        </p:tgtEl>
+                                        <p:attrNameLst>
+                                          <p:attrName>ppt_x</p:attrName>
+                                        </p:attrNameLst>
+                                      </p:cBhvr>
+                                      <p:tavLst>
+                                        <p:tav tm="0">
+                                          <p:val>
+                                            <p:strVal val="#ppt_x"/>
+                                          </p:val>
+                                        </p:tav>
+                                        <p:tav tm="100000">
+                                          <p:val>
+                                            <p:strVal val="#ppt_x"/>
+                                          </p:val>
+                                        </p:tav>
+                                      </p:tavLst>
+                                    </p:anim>
+                                    <p:anim calcmode="lin" valueType="num">
+                                      <p:cBhvr>
+                                        <p:cTn id="16" dur="1000" fill="hold"/>
+                                        <p:tgtEl>
+                                          <p:spTgt spid="2">
+                                            <p:txEl>
+                                              <p:pRg st="2" end="2"/>
+                                            </p:txEl>
+                                          </p:spTgt>
+                                        </p:tgtEl>
+                                        <p:attrNameLst>
+                                          <p:attrName>ppt_y</p:attrName>
+                                        </p:attrNameLst>
+                                      </p:cBhvr>
+                                      <p:tavLst>
+                                        <p:tav tm="0">
+                                          <p:val>
+                                            <p:strVal val="#ppt_y+.1"/>
+                                          </p:val>
+                                        </p:tav>
+                                        <p:tav tm="100000">
+                                          <p:val>
+                                            <p:strVal val="#ppt_y"/>
+                                          </p:val>
+                                        </p:tav>
+                                      </p:tavLst>
+                                    </p:anim>
+                                  </p:childTnLst>
+                                </p:cTn>
+                              </p:par>
+                            </p:childTnLst>
+                          </p:cTn>
+                        </p:par>
+                      </p:childTnLst>
+                    </p:cTn>
+                  </p:par>
+                  <p:par>
+                    <p:cTn id="17" fill="hold">
+                      <p:stCondLst>
+                        <p:cond delay="indefinite"/>
+                      </p:stCondLst>
+                      <p:childTnLst>
+                        <p:par>
+                          <p:cTn id="18" fill="hold">
+                            <p:stCondLst>
+                              <p:cond delay="0"/>
+                            </p:stCondLst>
+                            <p:childTnLst>
+                              <p:par>
+                                <p:cTn id="19" presetID="42" presetClass="entr" presetSubtype="0" fill="hold" grpId="0" nodeType="clickEffect">
+                                  <p:stCondLst>
+                                    <p:cond delay="0"/>
+                                  </p:stCondLst>
+                                  <p:childTnLst>
+                                    <p:set>
+                                      <p:cBhvr>
+                                        <p:cTn id="20" dur="1" fill="hold">
+                                          <p:stCondLst>
+                                            <p:cond delay="0"/>
+                                          </p:stCondLst>
+                                        </p:cTn>
+                                        <p:tgtEl>
+                                          <p:spTgt spid="2">
+                                            <p:txEl>
+                                              <p:pRg st="3" end="3"/>
+                                            </p:txEl>
+                                          </p:spTgt>
+                                        </p:tgtEl>
+                                        <p:attrNameLst>
+                                          <p:attrName>style.visibility</p:attrName>
+                                        </p:attrNameLst>
+                                      </p:cBhvr>
+                                      <p:to>
+                                        <p:strVal val="visible"/>
+                                      </p:to>
+                                    </p:set>
+                                    <p:animEffect transition="in" filter="fade">
+                                      <p:cBhvr>
+                                        <p:cTn id="21" dur="1000"/>
+                                        <p:tgtEl>
+                                          <p:spTgt spid="2">
+                                            <p:txEl>
+                                              <p:pRg st="3" end="3"/>
+                                            </p:txEl>
+                                          </p:spTgt>
+                                        </p:tgtEl>
+                                      </p:cBhvr>
+                                    </p:animEffect>
+                                    <p:anim calcmode="lin" valueType="num">
+                                      <p:cBhvr>
+                                        <p:cTn id="22" dur="1000" fill="hold"/>
+                                        <p:tgtEl>
+                                          <p:spTgt spid="2">
+                                            <p:txEl>
+                                              <p:pRg st="3" end="3"/>
+                                            </p:txEl>
+                                          </p:spTgt>
+                                        </p:tgtEl>
+                                        <p:attrNameLst>
+                                          <p:attrName>ppt_x</p:attrName>
+                                        </p:attrNameLst>
+                                      </p:cBhvr>
+                                      <p:tavLst>
+                                        <p:tav tm="0">
+                                          <p:val>
+                                            <p:strVal val="#ppt_x"/>
+                                          </p:val>
+                                        </p:tav>
+                                        <p:tav tm="100000">
+                                          <p:val>
+                                            <p:strVal val="#ppt_x"/>
+                                          </p:val>
+                                        </p:tav>
+                                      </p:tavLst>
+                                    </p:anim>
+                                    <p:anim calcmode="lin" valueType="num">
+                                      <p:cBhvr>
+                                        <p:cTn id="23" dur="1000" fill="hold"/>
+                                        <p:tgtEl>
+                                          <p:spTgt spid="2">
+                                            <p:txEl>
+                                              <p:pRg st="3" end="3"/>
+                                            </p:txEl>
+                                          </p:spTgt>
+                                        </p:tgtEl>
+                                        <p:attrNameLst>
+                                          <p:attrName>ppt_y</p:attrName>
+                                        </p:attrNameLst>
+                                      </p:cBhvr>
+                                      <p:tavLst>
+                                        <p:tav tm="0">
+                                          <p:val>
+                                            <p:strVal val="#ppt_y+.1"/>
+                                          </p:val>
+                                        </p:tav>
+                                        <p:tav tm="100000">
+                                          <p:val>
+                                            <p:strVal val="#ppt_y"/>
+                                          </p:val>
+                                        </p:tav>
+                                      </p:tavLst>
+                                    </p:anim>
+                                  </p:childTnLst>
+                                </p:cTn>
+                              </p:par>
+                            </p:childTnLst>
+                          </p:cTn>
+                        </p:par>
+                      </p:childTnLst>
+                    </p:cTn>
+                  </p:par>
+                </p:childTnLst>
+              </p:cTn>
+              <p:prevCondLst>
+                <p:cond evt="onPrev" delay="0">
+                  <p:tgtEl>
+                    <p:sldTgt/>
+                  </p:tgtEl>
+                </p:cond>
+              </p:prevCondLst>
+              <p:nextCondLst>
+                <p:cond evt="onNext" delay="0">
+                  <p:tgtEl>
+                    <p:sldTgt/>
+                  </p:tgtEl>
+                </p:cond>
+              </p:nextCondLst>
+            </p:seq>
+          </p:childTnLst>
+        </p:cTn>
       </p:par>
     </p:tnLst>
+    <p:bldLst>
+      <p:bldP spid="2" grpId="0" uiExpand="1" build="p"/>
+    </p:bldLst>
   </p:timing>
 </p:sld>
 </file>
@@ -18059,7 +23837,7 @@
             </a:r>
             <a:r>
               <a:rPr lang="en-US" u="sng" smtClean="0"/>
-              <a:t>Các thành phần được module hóa.</a:t>
+              <a:t>Các tính năng thành phần được module hóa</a:t>
             </a:r>
             <a:endParaRPr lang="en-US" smtClean="0"/>
           </a:p>
@@ -18075,12 +23853,731 @@
   <p:clrMapOvr>
     <a:masterClrMapping/>
   </p:clrMapOvr>
+  <p:transition spd="slow">
+    <p:push dir="u"/>
+  </p:transition>
   <p:timing>
     <p:tnLst>
       <p:par>
-        <p:cTn id="1" dur="indefinite" restart="never" nodeType="tmRoot"/>
+        <p:cTn id="1" dur="indefinite" restart="never" nodeType="tmRoot">
+          <p:childTnLst>
+            <p:seq concurrent="1" nextAc="seek">
+              <p:cTn id="2" dur="indefinite" nodeType="mainSeq">
+                <p:childTnLst>
+                  <p:par>
+                    <p:cTn id="3" fill="hold">
+                      <p:stCondLst>
+                        <p:cond delay="indefinite"/>
+                      </p:stCondLst>
+                      <p:childTnLst>
+                        <p:par>
+                          <p:cTn id="4" fill="hold">
+                            <p:stCondLst>
+                              <p:cond delay="0"/>
+                            </p:stCondLst>
+                            <p:childTnLst>
+                              <p:par>
+                                <p:cTn id="5" presetID="42" presetClass="entr" presetSubtype="0" fill="hold" grpId="0" nodeType="clickEffect">
+                                  <p:stCondLst>
+                                    <p:cond delay="0"/>
+                                  </p:stCondLst>
+                                  <p:childTnLst>
+                                    <p:set>
+                                      <p:cBhvr>
+                                        <p:cTn id="6" dur="1" fill="hold">
+                                          <p:stCondLst>
+                                            <p:cond delay="0"/>
+                                          </p:stCondLst>
+                                        </p:cTn>
+                                        <p:tgtEl>
+                                          <p:spTgt spid="2">
+                                            <p:txEl>
+                                              <p:pRg st="1" end="1"/>
+                                            </p:txEl>
+                                          </p:spTgt>
+                                        </p:tgtEl>
+                                        <p:attrNameLst>
+                                          <p:attrName>style.visibility</p:attrName>
+                                        </p:attrNameLst>
+                                      </p:cBhvr>
+                                      <p:to>
+                                        <p:strVal val="visible"/>
+                                      </p:to>
+                                    </p:set>
+                                    <p:animEffect transition="in" filter="fade">
+                                      <p:cBhvr>
+                                        <p:cTn id="7" dur="1000"/>
+                                        <p:tgtEl>
+                                          <p:spTgt spid="2">
+                                            <p:txEl>
+                                              <p:pRg st="1" end="1"/>
+                                            </p:txEl>
+                                          </p:spTgt>
+                                        </p:tgtEl>
+                                      </p:cBhvr>
+                                    </p:animEffect>
+                                    <p:anim calcmode="lin" valueType="num">
+                                      <p:cBhvr>
+                                        <p:cTn id="8" dur="1000" fill="hold"/>
+                                        <p:tgtEl>
+                                          <p:spTgt spid="2">
+                                            <p:txEl>
+                                              <p:pRg st="1" end="1"/>
+                                            </p:txEl>
+                                          </p:spTgt>
+                                        </p:tgtEl>
+                                        <p:attrNameLst>
+                                          <p:attrName>ppt_x</p:attrName>
+                                        </p:attrNameLst>
+                                      </p:cBhvr>
+                                      <p:tavLst>
+                                        <p:tav tm="0">
+                                          <p:val>
+                                            <p:strVal val="#ppt_x"/>
+                                          </p:val>
+                                        </p:tav>
+                                        <p:tav tm="100000">
+                                          <p:val>
+                                            <p:strVal val="#ppt_x"/>
+                                          </p:val>
+                                        </p:tav>
+                                      </p:tavLst>
+                                    </p:anim>
+                                    <p:anim calcmode="lin" valueType="num">
+                                      <p:cBhvr>
+                                        <p:cTn id="9" dur="1000" fill="hold"/>
+                                        <p:tgtEl>
+                                          <p:spTgt spid="2">
+                                            <p:txEl>
+                                              <p:pRg st="1" end="1"/>
+                                            </p:txEl>
+                                          </p:spTgt>
+                                        </p:tgtEl>
+                                        <p:attrNameLst>
+                                          <p:attrName>ppt_y</p:attrName>
+                                        </p:attrNameLst>
+                                      </p:cBhvr>
+                                      <p:tavLst>
+                                        <p:tav tm="0">
+                                          <p:val>
+                                            <p:strVal val="#ppt_y+.1"/>
+                                          </p:val>
+                                        </p:tav>
+                                        <p:tav tm="100000">
+                                          <p:val>
+                                            <p:strVal val="#ppt_y"/>
+                                          </p:val>
+                                        </p:tav>
+                                      </p:tavLst>
+                                    </p:anim>
+                                  </p:childTnLst>
+                                </p:cTn>
+                              </p:par>
+                            </p:childTnLst>
+                          </p:cTn>
+                        </p:par>
+                      </p:childTnLst>
+                    </p:cTn>
+                  </p:par>
+                  <p:par>
+                    <p:cTn id="10" fill="hold">
+                      <p:stCondLst>
+                        <p:cond delay="indefinite"/>
+                      </p:stCondLst>
+                      <p:childTnLst>
+                        <p:par>
+                          <p:cTn id="11" fill="hold">
+                            <p:stCondLst>
+                              <p:cond delay="0"/>
+                            </p:stCondLst>
+                            <p:childTnLst>
+                              <p:par>
+                                <p:cTn id="12" presetID="42" presetClass="entr" presetSubtype="0" fill="hold" grpId="0" nodeType="clickEffect">
+                                  <p:stCondLst>
+                                    <p:cond delay="0"/>
+                                  </p:stCondLst>
+                                  <p:childTnLst>
+                                    <p:set>
+                                      <p:cBhvr>
+                                        <p:cTn id="13" dur="1" fill="hold">
+                                          <p:stCondLst>
+                                            <p:cond delay="0"/>
+                                          </p:stCondLst>
+                                        </p:cTn>
+                                        <p:tgtEl>
+                                          <p:spTgt spid="2">
+                                            <p:txEl>
+                                              <p:pRg st="2" end="2"/>
+                                            </p:txEl>
+                                          </p:spTgt>
+                                        </p:tgtEl>
+                                        <p:attrNameLst>
+                                          <p:attrName>style.visibility</p:attrName>
+                                        </p:attrNameLst>
+                                      </p:cBhvr>
+                                      <p:to>
+                                        <p:strVal val="visible"/>
+                                      </p:to>
+                                    </p:set>
+                                    <p:animEffect transition="in" filter="fade">
+                                      <p:cBhvr>
+                                        <p:cTn id="14" dur="1000"/>
+                                        <p:tgtEl>
+                                          <p:spTgt spid="2">
+                                            <p:txEl>
+                                              <p:pRg st="2" end="2"/>
+                                            </p:txEl>
+                                          </p:spTgt>
+                                        </p:tgtEl>
+                                      </p:cBhvr>
+                                    </p:animEffect>
+                                    <p:anim calcmode="lin" valueType="num">
+                                      <p:cBhvr>
+                                        <p:cTn id="15" dur="1000" fill="hold"/>
+                                        <p:tgtEl>
+                                          <p:spTgt spid="2">
+                                            <p:txEl>
+                                              <p:pRg st="2" end="2"/>
+                                            </p:txEl>
+                                          </p:spTgt>
+                                        </p:tgtEl>
+                                        <p:attrNameLst>
+                                          <p:attrName>ppt_x</p:attrName>
+                                        </p:attrNameLst>
+                                      </p:cBhvr>
+                                      <p:tavLst>
+                                        <p:tav tm="0">
+                                          <p:val>
+                                            <p:strVal val="#ppt_x"/>
+                                          </p:val>
+                                        </p:tav>
+                                        <p:tav tm="100000">
+                                          <p:val>
+                                            <p:strVal val="#ppt_x"/>
+                                          </p:val>
+                                        </p:tav>
+                                      </p:tavLst>
+                                    </p:anim>
+                                    <p:anim calcmode="lin" valueType="num">
+                                      <p:cBhvr>
+                                        <p:cTn id="16" dur="1000" fill="hold"/>
+                                        <p:tgtEl>
+                                          <p:spTgt spid="2">
+                                            <p:txEl>
+                                              <p:pRg st="2" end="2"/>
+                                            </p:txEl>
+                                          </p:spTgt>
+                                        </p:tgtEl>
+                                        <p:attrNameLst>
+                                          <p:attrName>ppt_y</p:attrName>
+                                        </p:attrNameLst>
+                                      </p:cBhvr>
+                                      <p:tavLst>
+                                        <p:tav tm="0">
+                                          <p:val>
+                                            <p:strVal val="#ppt_y+.1"/>
+                                          </p:val>
+                                        </p:tav>
+                                        <p:tav tm="100000">
+                                          <p:val>
+                                            <p:strVal val="#ppt_y"/>
+                                          </p:val>
+                                        </p:tav>
+                                      </p:tavLst>
+                                    </p:anim>
+                                  </p:childTnLst>
+                                </p:cTn>
+                              </p:par>
+                            </p:childTnLst>
+                          </p:cTn>
+                        </p:par>
+                      </p:childTnLst>
+                    </p:cTn>
+                  </p:par>
+                  <p:par>
+                    <p:cTn id="17" fill="hold">
+                      <p:stCondLst>
+                        <p:cond delay="indefinite"/>
+                      </p:stCondLst>
+                      <p:childTnLst>
+                        <p:par>
+                          <p:cTn id="18" fill="hold">
+                            <p:stCondLst>
+                              <p:cond delay="0"/>
+                            </p:stCondLst>
+                            <p:childTnLst>
+                              <p:par>
+                                <p:cTn id="19" presetID="42" presetClass="entr" presetSubtype="0" fill="hold" grpId="0" nodeType="clickEffect">
+                                  <p:stCondLst>
+                                    <p:cond delay="0"/>
+                                  </p:stCondLst>
+                                  <p:childTnLst>
+                                    <p:set>
+                                      <p:cBhvr>
+                                        <p:cTn id="20" dur="1" fill="hold">
+                                          <p:stCondLst>
+                                            <p:cond delay="0"/>
+                                          </p:stCondLst>
+                                        </p:cTn>
+                                        <p:tgtEl>
+                                          <p:spTgt spid="2">
+                                            <p:txEl>
+                                              <p:pRg st="3" end="3"/>
+                                            </p:txEl>
+                                          </p:spTgt>
+                                        </p:tgtEl>
+                                        <p:attrNameLst>
+                                          <p:attrName>style.visibility</p:attrName>
+                                        </p:attrNameLst>
+                                      </p:cBhvr>
+                                      <p:to>
+                                        <p:strVal val="visible"/>
+                                      </p:to>
+                                    </p:set>
+                                    <p:animEffect transition="in" filter="fade">
+                                      <p:cBhvr>
+                                        <p:cTn id="21" dur="1000"/>
+                                        <p:tgtEl>
+                                          <p:spTgt spid="2">
+                                            <p:txEl>
+                                              <p:pRg st="3" end="3"/>
+                                            </p:txEl>
+                                          </p:spTgt>
+                                        </p:tgtEl>
+                                      </p:cBhvr>
+                                    </p:animEffect>
+                                    <p:anim calcmode="lin" valueType="num">
+                                      <p:cBhvr>
+                                        <p:cTn id="22" dur="1000" fill="hold"/>
+                                        <p:tgtEl>
+                                          <p:spTgt spid="2">
+                                            <p:txEl>
+                                              <p:pRg st="3" end="3"/>
+                                            </p:txEl>
+                                          </p:spTgt>
+                                        </p:tgtEl>
+                                        <p:attrNameLst>
+                                          <p:attrName>ppt_x</p:attrName>
+                                        </p:attrNameLst>
+                                      </p:cBhvr>
+                                      <p:tavLst>
+                                        <p:tav tm="0">
+                                          <p:val>
+                                            <p:strVal val="#ppt_x"/>
+                                          </p:val>
+                                        </p:tav>
+                                        <p:tav tm="100000">
+                                          <p:val>
+                                            <p:strVal val="#ppt_x"/>
+                                          </p:val>
+                                        </p:tav>
+                                      </p:tavLst>
+                                    </p:anim>
+                                    <p:anim calcmode="lin" valueType="num">
+                                      <p:cBhvr>
+                                        <p:cTn id="23" dur="1000" fill="hold"/>
+                                        <p:tgtEl>
+                                          <p:spTgt spid="2">
+                                            <p:txEl>
+                                              <p:pRg st="3" end="3"/>
+                                            </p:txEl>
+                                          </p:spTgt>
+                                        </p:tgtEl>
+                                        <p:attrNameLst>
+                                          <p:attrName>ppt_y</p:attrName>
+                                        </p:attrNameLst>
+                                      </p:cBhvr>
+                                      <p:tavLst>
+                                        <p:tav tm="0">
+                                          <p:val>
+                                            <p:strVal val="#ppt_y+.1"/>
+                                          </p:val>
+                                        </p:tav>
+                                        <p:tav tm="100000">
+                                          <p:val>
+                                            <p:strVal val="#ppt_y"/>
+                                          </p:val>
+                                        </p:tav>
+                                      </p:tavLst>
+                                    </p:anim>
+                                  </p:childTnLst>
+                                </p:cTn>
+                              </p:par>
+                            </p:childTnLst>
+                          </p:cTn>
+                        </p:par>
+                      </p:childTnLst>
+                    </p:cTn>
+                  </p:par>
+                  <p:par>
+                    <p:cTn id="24" fill="hold">
+                      <p:stCondLst>
+                        <p:cond delay="indefinite"/>
+                      </p:stCondLst>
+                      <p:childTnLst>
+                        <p:par>
+                          <p:cTn id="25" fill="hold">
+                            <p:stCondLst>
+                              <p:cond delay="0"/>
+                            </p:stCondLst>
+                            <p:childTnLst>
+                              <p:par>
+                                <p:cTn id="26" presetID="42" presetClass="entr" presetSubtype="0" fill="hold" grpId="0" nodeType="clickEffect">
+                                  <p:stCondLst>
+                                    <p:cond delay="0"/>
+                                  </p:stCondLst>
+                                  <p:childTnLst>
+                                    <p:set>
+                                      <p:cBhvr>
+                                        <p:cTn id="27" dur="1" fill="hold">
+                                          <p:stCondLst>
+                                            <p:cond delay="0"/>
+                                          </p:stCondLst>
+                                        </p:cTn>
+                                        <p:tgtEl>
+                                          <p:spTgt spid="2">
+                                            <p:txEl>
+                                              <p:pRg st="4" end="4"/>
+                                            </p:txEl>
+                                          </p:spTgt>
+                                        </p:tgtEl>
+                                        <p:attrNameLst>
+                                          <p:attrName>style.visibility</p:attrName>
+                                        </p:attrNameLst>
+                                      </p:cBhvr>
+                                      <p:to>
+                                        <p:strVal val="visible"/>
+                                      </p:to>
+                                    </p:set>
+                                    <p:animEffect transition="in" filter="fade">
+                                      <p:cBhvr>
+                                        <p:cTn id="28" dur="1000"/>
+                                        <p:tgtEl>
+                                          <p:spTgt spid="2">
+                                            <p:txEl>
+                                              <p:pRg st="4" end="4"/>
+                                            </p:txEl>
+                                          </p:spTgt>
+                                        </p:tgtEl>
+                                      </p:cBhvr>
+                                    </p:animEffect>
+                                    <p:anim calcmode="lin" valueType="num">
+                                      <p:cBhvr>
+                                        <p:cTn id="29" dur="1000" fill="hold"/>
+                                        <p:tgtEl>
+                                          <p:spTgt spid="2">
+                                            <p:txEl>
+                                              <p:pRg st="4" end="4"/>
+                                            </p:txEl>
+                                          </p:spTgt>
+                                        </p:tgtEl>
+                                        <p:attrNameLst>
+                                          <p:attrName>ppt_x</p:attrName>
+                                        </p:attrNameLst>
+                                      </p:cBhvr>
+                                      <p:tavLst>
+                                        <p:tav tm="0">
+                                          <p:val>
+                                            <p:strVal val="#ppt_x"/>
+                                          </p:val>
+                                        </p:tav>
+                                        <p:tav tm="100000">
+                                          <p:val>
+                                            <p:strVal val="#ppt_x"/>
+                                          </p:val>
+                                        </p:tav>
+                                      </p:tavLst>
+                                    </p:anim>
+                                    <p:anim calcmode="lin" valueType="num">
+                                      <p:cBhvr>
+                                        <p:cTn id="30" dur="1000" fill="hold"/>
+                                        <p:tgtEl>
+                                          <p:spTgt spid="2">
+                                            <p:txEl>
+                                              <p:pRg st="4" end="4"/>
+                                            </p:txEl>
+                                          </p:spTgt>
+                                        </p:tgtEl>
+                                        <p:attrNameLst>
+                                          <p:attrName>ppt_y</p:attrName>
+                                        </p:attrNameLst>
+                                      </p:cBhvr>
+                                      <p:tavLst>
+                                        <p:tav tm="0">
+                                          <p:val>
+                                            <p:strVal val="#ppt_y+.1"/>
+                                          </p:val>
+                                        </p:tav>
+                                        <p:tav tm="100000">
+                                          <p:val>
+                                            <p:strVal val="#ppt_y"/>
+                                          </p:val>
+                                        </p:tav>
+                                      </p:tavLst>
+                                    </p:anim>
+                                  </p:childTnLst>
+                                </p:cTn>
+                              </p:par>
+                            </p:childTnLst>
+                          </p:cTn>
+                        </p:par>
+                      </p:childTnLst>
+                    </p:cTn>
+                  </p:par>
+                  <p:par>
+                    <p:cTn id="31" fill="hold">
+                      <p:stCondLst>
+                        <p:cond delay="indefinite"/>
+                      </p:stCondLst>
+                      <p:childTnLst>
+                        <p:par>
+                          <p:cTn id="32" fill="hold">
+                            <p:stCondLst>
+                              <p:cond delay="0"/>
+                            </p:stCondLst>
+                            <p:childTnLst>
+                              <p:par>
+                                <p:cTn id="33" presetID="42" presetClass="entr" presetSubtype="0" fill="hold" grpId="0" nodeType="clickEffect">
+                                  <p:stCondLst>
+                                    <p:cond delay="0"/>
+                                  </p:stCondLst>
+                                  <p:childTnLst>
+                                    <p:set>
+                                      <p:cBhvr>
+                                        <p:cTn id="34" dur="1" fill="hold">
+                                          <p:stCondLst>
+                                            <p:cond delay="0"/>
+                                          </p:stCondLst>
+                                        </p:cTn>
+                                        <p:tgtEl>
+                                          <p:spTgt spid="2">
+                                            <p:txEl>
+                                              <p:pRg st="5" end="5"/>
+                                            </p:txEl>
+                                          </p:spTgt>
+                                        </p:tgtEl>
+                                        <p:attrNameLst>
+                                          <p:attrName>style.visibility</p:attrName>
+                                        </p:attrNameLst>
+                                      </p:cBhvr>
+                                      <p:to>
+                                        <p:strVal val="visible"/>
+                                      </p:to>
+                                    </p:set>
+                                    <p:animEffect transition="in" filter="fade">
+                                      <p:cBhvr>
+                                        <p:cTn id="35" dur="1000"/>
+                                        <p:tgtEl>
+                                          <p:spTgt spid="2">
+                                            <p:txEl>
+                                              <p:pRg st="5" end="5"/>
+                                            </p:txEl>
+                                          </p:spTgt>
+                                        </p:tgtEl>
+                                      </p:cBhvr>
+                                    </p:animEffect>
+                                    <p:anim calcmode="lin" valueType="num">
+                                      <p:cBhvr>
+                                        <p:cTn id="36" dur="1000" fill="hold"/>
+                                        <p:tgtEl>
+                                          <p:spTgt spid="2">
+                                            <p:txEl>
+                                              <p:pRg st="5" end="5"/>
+                                            </p:txEl>
+                                          </p:spTgt>
+                                        </p:tgtEl>
+                                        <p:attrNameLst>
+                                          <p:attrName>ppt_x</p:attrName>
+                                        </p:attrNameLst>
+                                      </p:cBhvr>
+                                      <p:tavLst>
+                                        <p:tav tm="0">
+                                          <p:val>
+                                            <p:strVal val="#ppt_x"/>
+                                          </p:val>
+                                        </p:tav>
+                                        <p:tav tm="100000">
+                                          <p:val>
+                                            <p:strVal val="#ppt_x"/>
+                                          </p:val>
+                                        </p:tav>
+                                      </p:tavLst>
+                                    </p:anim>
+                                    <p:anim calcmode="lin" valueType="num">
+                                      <p:cBhvr>
+                                        <p:cTn id="37" dur="1000" fill="hold"/>
+                                        <p:tgtEl>
+                                          <p:spTgt spid="2">
+                                            <p:txEl>
+                                              <p:pRg st="5" end="5"/>
+                                            </p:txEl>
+                                          </p:spTgt>
+                                        </p:tgtEl>
+                                        <p:attrNameLst>
+                                          <p:attrName>ppt_y</p:attrName>
+                                        </p:attrNameLst>
+                                      </p:cBhvr>
+                                      <p:tavLst>
+                                        <p:tav tm="0">
+                                          <p:val>
+                                            <p:strVal val="#ppt_y+.1"/>
+                                          </p:val>
+                                        </p:tav>
+                                        <p:tav tm="100000">
+                                          <p:val>
+                                            <p:strVal val="#ppt_y"/>
+                                          </p:val>
+                                        </p:tav>
+                                      </p:tavLst>
+                                    </p:anim>
+                                  </p:childTnLst>
+                                </p:cTn>
+                              </p:par>
+                            </p:childTnLst>
+                          </p:cTn>
+                        </p:par>
+                      </p:childTnLst>
+                    </p:cTn>
+                  </p:par>
+                  <p:par>
+                    <p:cTn id="38" fill="hold">
+                      <p:stCondLst>
+                        <p:cond delay="indefinite"/>
+                      </p:stCondLst>
+                      <p:childTnLst>
+                        <p:par>
+                          <p:cTn id="39" fill="hold">
+                            <p:stCondLst>
+                              <p:cond delay="0"/>
+                            </p:stCondLst>
+                            <p:childTnLst>
+                              <p:par>
+                                <p:cTn id="40" presetID="42" presetClass="entr" presetSubtype="0" fill="hold" grpId="0" nodeType="clickEffect">
+                                  <p:stCondLst>
+                                    <p:cond delay="0"/>
+                                  </p:stCondLst>
+                                  <p:childTnLst>
+                                    <p:set>
+                                      <p:cBhvr>
+                                        <p:cTn id="41" dur="1" fill="hold">
+                                          <p:stCondLst>
+                                            <p:cond delay="0"/>
+                                          </p:stCondLst>
+                                        </p:cTn>
+                                        <p:tgtEl>
+                                          <p:spTgt spid="2">
+                                            <p:txEl>
+                                              <p:pRg st="6" end="6"/>
+                                            </p:txEl>
+                                          </p:spTgt>
+                                        </p:tgtEl>
+                                        <p:attrNameLst>
+                                          <p:attrName>style.visibility</p:attrName>
+                                        </p:attrNameLst>
+                                      </p:cBhvr>
+                                      <p:to>
+                                        <p:strVal val="visible"/>
+                                      </p:to>
+                                    </p:set>
+                                    <p:animEffect transition="in" filter="fade">
+                                      <p:cBhvr>
+                                        <p:cTn id="42" dur="1000"/>
+                                        <p:tgtEl>
+                                          <p:spTgt spid="2">
+                                            <p:txEl>
+                                              <p:pRg st="6" end="6"/>
+                                            </p:txEl>
+                                          </p:spTgt>
+                                        </p:tgtEl>
+                                      </p:cBhvr>
+                                    </p:animEffect>
+                                    <p:anim calcmode="lin" valueType="num">
+                                      <p:cBhvr>
+                                        <p:cTn id="43" dur="1000" fill="hold"/>
+                                        <p:tgtEl>
+                                          <p:spTgt spid="2">
+                                            <p:txEl>
+                                              <p:pRg st="6" end="6"/>
+                                            </p:txEl>
+                                          </p:spTgt>
+                                        </p:tgtEl>
+                                        <p:attrNameLst>
+                                          <p:attrName>ppt_x</p:attrName>
+                                        </p:attrNameLst>
+                                      </p:cBhvr>
+                                      <p:tavLst>
+                                        <p:tav tm="0">
+                                          <p:val>
+                                            <p:strVal val="#ppt_x"/>
+                                          </p:val>
+                                        </p:tav>
+                                        <p:tav tm="100000">
+                                          <p:val>
+                                            <p:strVal val="#ppt_x"/>
+                                          </p:val>
+                                        </p:tav>
+                                      </p:tavLst>
+                                    </p:anim>
+                                    <p:anim calcmode="lin" valueType="num">
+                                      <p:cBhvr>
+                                        <p:cTn id="44" dur="1000" fill="hold"/>
+                                        <p:tgtEl>
+                                          <p:spTgt spid="2">
+                                            <p:txEl>
+                                              <p:pRg st="6" end="6"/>
+                                            </p:txEl>
+                                          </p:spTgt>
+                                        </p:tgtEl>
+                                        <p:attrNameLst>
+                                          <p:attrName>ppt_y</p:attrName>
+                                        </p:attrNameLst>
+                                      </p:cBhvr>
+                                      <p:tavLst>
+                                        <p:tav tm="0">
+                                          <p:val>
+                                            <p:strVal val="#ppt_y+.1"/>
+                                          </p:val>
+                                        </p:tav>
+                                        <p:tav tm="100000">
+                                          <p:val>
+                                            <p:strVal val="#ppt_y"/>
+                                          </p:val>
+                                        </p:tav>
+                                      </p:tavLst>
+                                    </p:anim>
+                                  </p:childTnLst>
+                                </p:cTn>
+                              </p:par>
+                            </p:childTnLst>
+                          </p:cTn>
+                        </p:par>
+                      </p:childTnLst>
+                    </p:cTn>
+                  </p:par>
+                </p:childTnLst>
+              </p:cTn>
+              <p:prevCondLst>
+                <p:cond evt="onPrev" delay="0">
+                  <p:tgtEl>
+                    <p:sldTgt/>
+                  </p:tgtEl>
+                </p:cond>
+              </p:prevCondLst>
+              <p:nextCondLst>
+                <p:cond evt="onNext" delay="0">
+                  <p:tgtEl>
+                    <p:sldTgt/>
+                  </p:tgtEl>
+                </p:cond>
+              </p:nextCondLst>
+            </p:seq>
+          </p:childTnLst>
+        </p:cTn>
       </p:par>
     </p:tnLst>
+    <p:bldLst>
+      <p:bldP spid="2" grpId="0" uiExpand="1" build="p"/>
+    </p:bldLst>
   </p:timing>
 </p:sld>
 </file>
@@ -18439,21 +24936,21 @@
             <a:pPr algn="just"/>
             <a:r>
               <a:rPr lang="en-US" sz="2800" smtClean="0"/>
-              <a:t>Sử dụng nền tảng V8 JavaScript Engine có tốc độ cao.</a:t>
+              <a:t>Sử dụng nền tảng V8 JavaScript Engine có tốc độ cao trên nền Chrome.</a:t>
             </a:r>
           </a:p>
           <a:p>
             <a:pPr algn="just"/>
             <a:r>
               <a:rPr lang="en-US" sz="2800" smtClean="0"/>
-              <a:t>Xử lý đơn luồng, lên tới hàng ngàn kết nối đồng thời</a:t>
+              <a:t>Xử lý đơn luồng, lên tới hàng ngàn kết nối đồng thời.</a:t>
             </a:r>
           </a:p>
           <a:p>
             <a:pPr algn="just"/>
             <a:r>
               <a:rPr lang="en-US" sz="2800" smtClean="0"/>
-              <a:t>Có giấy phép MIT</a:t>
+              <a:t>Có giấy phép MIT.</a:t>
             </a:r>
             <a:endParaRPr lang="en-US" sz="2800" smtClean="0"/>
           </a:p>
@@ -18469,12 +24966,140 @@
   <p:clrMapOvr>
     <a:masterClrMapping/>
   </p:clrMapOvr>
+  <p:transition spd="slow">
+    <p:push dir="u"/>
+  </p:transition>
   <p:timing>
     <p:tnLst>
       <p:par>
-        <p:cTn id="1" dur="indefinite" restart="never" nodeType="tmRoot"/>
+        <p:cTn id="1" dur="indefinite" restart="never" nodeType="tmRoot">
+          <p:childTnLst>
+            <p:seq concurrent="1" nextAc="seek">
+              <p:cTn id="2" dur="indefinite" nodeType="mainSeq">
+                <p:childTnLst>
+                  <p:par>
+                    <p:cTn id="3" fill="hold">
+                      <p:stCondLst>
+                        <p:cond delay="indefinite"/>
+                      </p:stCondLst>
+                      <p:childTnLst>
+                        <p:par>
+                          <p:cTn id="4" fill="hold">
+                            <p:stCondLst>
+                              <p:cond delay="0"/>
+                            </p:stCondLst>
+                            <p:childTnLst>
+                              <p:par>
+                                <p:cTn id="5" presetID="42" presetClass="entr" presetSubtype="0" fill="hold" grpId="0" nodeType="clickEffect">
+                                  <p:stCondLst>
+                                    <p:cond delay="0"/>
+                                  </p:stCondLst>
+                                  <p:childTnLst>
+                                    <p:set>
+                                      <p:cBhvr>
+                                        <p:cTn id="6" dur="1" fill="hold">
+                                          <p:stCondLst>
+                                            <p:cond delay="0"/>
+                                          </p:stCondLst>
+                                        </p:cTn>
+                                        <p:tgtEl>
+                                          <p:spTgt spid="6"/>
+                                        </p:tgtEl>
+                                        <p:attrNameLst>
+                                          <p:attrName>style.visibility</p:attrName>
+                                        </p:attrNameLst>
+                                      </p:cBhvr>
+                                      <p:to>
+                                        <p:strVal val="visible"/>
+                                      </p:to>
+                                    </p:set>
+                                    <p:animEffect transition="in" filter="fade">
+                                      <p:cBhvr>
+                                        <p:cTn id="7" dur="1000"/>
+                                        <p:tgtEl>
+                                          <p:spTgt spid="6"/>
+                                        </p:tgtEl>
+                                      </p:cBhvr>
+                                    </p:animEffect>
+                                    <p:anim calcmode="lin" valueType="num">
+                                      <p:cBhvr>
+                                        <p:cTn id="8" dur="1000" fill="hold"/>
+                                        <p:tgtEl>
+                                          <p:spTgt spid="6"/>
+                                        </p:tgtEl>
+                                        <p:attrNameLst>
+                                          <p:attrName>ppt_x</p:attrName>
+                                        </p:attrNameLst>
+                                      </p:cBhvr>
+                                      <p:tavLst>
+                                        <p:tav tm="0">
+                                          <p:val>
+                                            <p:strVal val="#ppt_x"/>
+                                          </p:val>
+                                        </p:tav>
+                                        <p:tav tm="100000">
+                                          <p:val>
+                                            <p:strVal val="#ppt_x"/>
+                                          </p:val>
+                                        </p:tav>
+                                      </p:tavLst>
+                                    </p:anim>
+                                    <p:anim calcmode="lin" valueType="num">
+                                      <p:cBhvr>
+                                        <p:cTn id="9" dur="1000" fill="hold"/>
+                                        <p:tgtEl>
+                                          <p:spTgt spid="6"/>
+                                        </p:tgtEl>
+                                        <p:attrNameLst>
+                                          <p:attrName>ppt_y</p:attrName>
+                                        </p:attrNameLst>
+                                      </p:cBhvr>
+                                      <p:tavLst>
+                                        <p:tav tm="0">
+                                          <p:val>
+                                            <p:strVal val="#ppt_y+.1"/>
+                                          </p:val>
+                                        </p:tav>
+                                        <p:tav tm="100000">
+                                          <p:val>
+                                            <p:strVal val="#ppt_y"/>
+                                          </p:val>
+                                        </p:tav>
+                                      </p:tavLst>
+                                    </p:anim>
+                                  </p:childTnLst>
+                                </p:cTn>
+                              </p:par>
+                            </p:childTnLst>
+                          </p:cTn>
+                        </p:par>
+                      </p:childTnLst>
+                    </p:cTn>
+                  </p:par>
+                </p:childTnLst>
+              </p:cTn>
+              <p:prevCondLst>
+                <p:cond evt="onPrev" delay="0">
+                  <p:tgtEl>
+                    <p:sldTgt/>
+                  </p:tgtEl>
+                </p:cond>
+              </p:prevCondLst>
+              <p:nextCondLst>
+                <p:cond evt="onNext" delay="0">
+                  <p:tgtEl>
+                    <p:sldTgt/>
+                  </p:tgtEl>
+                </p:cond>
+              </p:nextCondLst>
+            </p:seq>
+          </p:childTnLst>
+        </p:cTn>
       </p:par>
     </p:tnLst>
+    <p:bldLst>
+      <p:bldP spid="6" grpId="0"/>
+    </p:bldLst>
   </p:timing>
 </p:sld>
 </file>
